--- a/Presentaties/PresentatieSprint5.pptx
+++ b/Presentaties/PresentatieSprint5.pptx
@@ -115,6 +115,11 @@
       </a:defRPr>
     </a:lvl9pPr>
   </p:defaultTextStyle>
+  <p:extLst>
+    <p:ext uri="{EFAFB233-063F-42B5-8137-9DF3F51BA10A}">
+      <p15:sldGuideLst xmlns:p15="http://schemas.microsoft.com/office/powerpoint/2012/main"/>
+    </p:ext>
+  </p:extLst>
 </p:presentation>
 </file>
 
@@ -265,7 +270,7 @@
           <a:p>
             <a:fld id="{732A59EF-6906-4B3B-B59D-FC14286FC3AA}" type="datetimeFigureOut">
               <a:rPr lang="nl-NL" smtClean="0"/>
-              <a:t>18-5-2021</a:t>
+              <a:t>20-5-2021</a:t>
             </a:fld>
             <a:endParaRPr lang="nl-NL"/>
           </a:p>
@@ -319,7 +324,7 @@
           <a:p>
             <a:fld id="{73B1FEE2-EC59-47C4-8152-CE9547A043C0}" type="slidenum">
               <a:rPr lang="nl-NL" smtClean="0"/>
-              <a:t>‹nr.›</a:t>
+              <a:t>‹#›</a:t>
             </a:fld>
             <a:endParaRPr lang="nl-NL"/>
           </a:p>
@@ -463,7 +468,7 @@
           <a:p>
             <a:fld id="{732A59EF-6906-4B3B-B59D-FC14286FC3AA}" type="datetimeFigureOut">
               <a:rPr lang="nl-NL" smtClean="0"/>
-              <a:t>18-5-2021</a:t>
+              <a:t>20-5-2021</a:t>
             </a:fld>
             <a:endParaRPr lang="nl-NL"/>
           </a:p>
@@ -517,7 +522,7 @@
           <a:p>
             <a:fld id="{73B1FEE2-EC59-47C4-8152-CE9547A043C0}" type="slidenum">
               <a:rPr lang="nl-NL" smtClean="0"/>
-              <a:t>‹nr.›</a:t>
+              <a:t>‹#›</a:t>
             </a:fld>
             <a:endParaRPr lang="nl-NL"/>
           </a:p>
@@ -671,7 +676,7 @@
           <a:p>
             <a:fld id="{732A59EF-6906-4B3B-B59D-FC14286FC3AA}" type="datetimeFigureOut">
               <a:rPr lang="nl-NL" smtClean="0"/>
-              <a:t>18-5-2021</a:t>
+              <a:t>20-5-2021</a:t>
             </a:fld>
             <a:endParaRPr lang="nl-NL"/>
           </a:p>
@@ -725,7 +730,7 @@
           <a:p>
             <a:fld id="{73B1FEE2-EC59-47C4-8152-CE9547A043C0}" type="slidenum">
               <a:rPr lang="nl-NL" smtClean="0"/>
-              <a:t>‹nr.›</a:t>
+              <a:t>‹#›</a:t>
             </a:fld>
             <a:endParaRPr lang="nl-NL"/>
           </a:p>
@@ -869,7 +874,7 @@
           <a:p>
             <a:fld id="{732A59EF-6906-4B3B-B59D-FC14286FC3AA}" type="datetimeFigureOut">
               <a:rPr lang="nl-NL" smtClean="0"/>
-              <a:t>18-5-2021</a:t>
+              <a:t>20-5-2021</a:t>
             </a:fld>
             <a:endParaRPr lang="nl-NL"/>
           </a:p>
@@ -923,7 +928,7 @@
           <a:p>
             <a:fld id="{73B1FEE2-EC59-47C4-8152-CE9547A043C0}" type="slidenum">
               <a:rPr lang="nl-NL" smtClean="0"/>
-              <a:t>‹nr.›</a:t>
+              <a:t>‹#›</a:t>
             </a:fld>
             <a:endParaRPr lang="nl-NL"/>
           </a:p>
@@ -1144,7 +1149,7 @@
           <a:p>
             <a:fld id="{732A59EF-6906-4B3B-B59D-FC14286FC3AA}" type="datetimeFigureOut">
               <a:rPr lang="nl-NL" smtClean="0"/>
-              <a:t>18-5-2021</a:t>
+              <a:t>20-5-2021</a:t>
             </a:fld>
             <a:endParaRPr lang="nl-NL"/>
           </a:p>
@@ -1198,7 +1203,7 @@
           <a:p>
             <a:fld id="{73B1FEE2-EC59-47C4-8152-CE9547A043C0}" type="slidenum">
               <a:rPr lang="nl-NL" smtClean="0"/>
-              <a:t>‹nr.›</a:t>
+              <a:t>‹#›</a:t>
             </a:fld>
             <a:endParaRPr lang="nl-NL"/>
           </a:p>
@@ -1409,7 +1414,7 @@
           <a:p>
             <a:fld id="{732A59EF-6906-4B3B-B59D-FC14286FC3AA}" type="datetimeFigureOut">
               <a:rPr lang="nl-NL" smtClean="0"/>
-              <a:t>18-5-2021</a:t>
+              <a:t>20-5-2021</a:t>
             </a:fld>
             <a:endParaRPr lang="nl-NL"/>
           </a:p>
@@ -1463,7 +1468,7 @@
           <a:p>
             <a:fld id="{73B1FEE2-EC59-47C4-8152-CE9547A043C0}" type="slidenum">
               <a:rPr lang="nl-NL" smtClean="0"/>
-              <a:t>‹nr.›</a:t>
+              <a:t>‹#›</a:t>
             </a:fld>
             <a:endParaRPr lang="nl-NL"/>
           </a:p>
@@ -1821,7 +1826,7 @@
           <a:p>
             <a:fld id="{732A59EF-6906-4B3B-B59D-FC14286FC3AA}" type="datetimeFigureOut">
               <a:rPr lang="nl-NL" smtClean="0"/>
-              <a:t>18-5-2021</a:t>
+              <a:t>20-5-2021</a:t>
             </a:fld>
             <a:endParaRPr lang="nl-NL"/>
           </a:p>
@@ -1875,7 +1880,7 @@
           <a:p>
             <a:fld id="{73B1FEE2-EC59-47C4-8152-CE9547A043C0}" type="slidenum">
               <a:rPr lang="nl-NL" smtClean="0"/>
-              <a:t>‹nr.›</a:t>
+              <a:t>‹#›</a:t>
             </a:fld>
             <a:endParaRPr lang="nl-NL"/>
           </a:p>
@@ -1962,7 +1967,7 @@
           <a:p>
             <a:fld id="{732A59EF-6906-4B3B-B59D-FC14286FC3AA}" type="datetimeFigureOut">
               <a:rPr lang="nl-NL" smtClean="0"/>
-              <a:t>18-5-2021</a:t>
+              <a:t>20-5-2021</a:t>
             </a:fld>
             <a:endParaRPr lang="nl-NL"/>
           </a:p>
@@ -2016,7 +2021,7 @@
           <a:p>
             <a:fld id="{73B1FEE2-EC59-47C4-8152-CE9547A043C0}" type="slidenum">
               <a:rPr lang="nl-NL" smtClean="0"/>
-              <a:t>‹nr.›</a:t>
+              <a:t>‹#›</a:t>
             </a:fld>
             <a:endParaRPr lang="nl-NL"/>
           </a:p>
@@ -2075,7 +2080,7 @@
           <a:p>
             <a:fld id="{732A59EF-6906-4B3B-B59D-FC14286FC3AA}" type="datetimeFigureOut">
               <a:rPr lang="nl-NL" smtClean="0"/>
-              <a:t>18-5-2021</a:t>
+              <a:t>20-5-2021</a:t>
             </a:fld>
             <a:endParaRPr lang="nl-NL"/>
           </a:p>
@@ -2129,7 +2134,7 @@
           <a:p>
             <a:fld id="{73B1FEE2-EC59-47C4-8152-CE9547A043C0}" type="slidenum">
               <a:rPr lang="nl-NL" smtClean="0"/>
-              <a:t>‹nr.›</a:t>
+              <a:t>‹#›</a:t>
             </a:fld>
             <a:endParaRPr lang="nl-NL"/>
           </a:p>
@@ -2386,7 +2391,7 @@
           <a:p>
             <a:fld id="{732A59EF-6906-4B3B-B59D-FC14286FC3AA}" type="datetimeFigureOut">
               <a:rPr lang="nl-NL" smtClean="0"/>
-              <a:t>18-5-2021</a:t>
+              <a:t>20-5-2021</a:t>
             </a:fld>
             <a:endParaRPr lang="nl-NL"/>
           </a:p>
@@ -2440,7 +2445,7 @@
           <a:p>
             <a:fld id="{73B1FEE2-EC59-47C4-8152-CE9547A043C0}" type="slidenum">
               <a:rPr lang="nl-NL" smtClean="0"/>
-              <a:t>‹nr.›</a:t>
+              <a:t>‹#›</a:t>
             </a:fld>
             <a:endParaRPr lang="nl-NL"/>
           </a:p>
@@ -2674,7 +2679,7 @@
           <a:p>
             <a:fld id="{732A59EF-6906-4B3B-B59D-FC14286FC3AA}" type="datetimeFigureOut">
               <a:rPr lang="nl-NL" smtClean="0"/>
-              <a:t>18-5-2021</a:t>
+              <a:t>20-5-2021</a:t>
             </a:fld>
             <a:endParaRPr lang="nl-NL"/>
           </a:p>
@@ -2728,7 +2733,7 @@
           <a:p>
             <a:fld id="{73B1FEE2-EC59-47C4-8152-CE9547A043C0}" type="slidenum">
               <a:rPr lang="nl-NL" smtClean="0"/>
-              <a:t>‹nr.›</a:t>
+              <a:t>‹#›</a:t>
             </a:fld>
             <a:endParaRPr lang="nl-NL"/>
           </a:p>
@@ -2915,7 +2920,7 @@
           <a:p>
             <a:fld id="{732A59EF-6906-4B3B-B59D-FC14286FC3AA}" type="datetimeFigureOut">
               <a:rPr lang="nl-NL" smtClean="0"/>
-              <a:t>18-5-2021</a:t>
+              <a:t>20-5-2021</a:t>
             </a:fld>
             <a:endParaRPr lang="nl-NL"/>
           </a:p>
@@ -3005,7 +3010,7 @@
           <a:p>
             <a:fld id="{73B1FEE2-EC59-47C4-8152-CE9547A043C0}" type="slidenum">
               <a:rPr lang="nl-NL" smtClean="0"/>
-              <a:t>‹nr.›</a:t>
+              <a:t>‹#›</a:t>
             </a:fld>
             <a:endParaRPr lang="nl-NL"/>
           </a:p>
@@ -3957,7 +3962,9 @@
         </p:nvSpPr>
         <p:spPr/>
         <p:txBody>
-          <a:bodyPr/>
+          <a:bodyPr>
+            <a:normAutofit fontScale="92500" lnSpcReduction="20000"/>
+          </a:bodyPr>
           <a:lstStyle/>
           <a:p>
             <a:pPr marL="0" indent="0">
@@ -3974,6 +3981,24 @@
             </a:pPr>
             <a:r>
               <a:rPr lang="nl-NL" dirty="0"/>
+              <a:t>Als gebruiker wil ik zelf een geld hoeveelheid kunnen invoegen.</a:t>
+            </a:r>
+          </a:p>
+          <a:p>
+            <a:pPr marL="0" indent="0">
+              <a:buNone/>
+            </a:pPr>
+            <a:r>
+              <a:rPr lang="nl-NL" dirty="0"/>
+              <a:t>Als owner wil ik vanaf een menu instellingen en gegevens kunnen aan passen.</a:t>
+            </a:r>
+          </a:p>
+          <a:p>
+            <a:pPr marL="0" indent="0">
+              <a:buNone/>
+            </a:pPr>
+            <a:r>
+              <a:rPr lang="nl-NL" dirty="0"/>
               <a:t>Taak: </a:t>
             </a:r>
           </a:p>
@@ -3982,12 +4007,8 @@
               <a:buNone/>
             </a:pPr>
             <a:r>
-              <a:rPr lang="nl-NL" dirty="0" err="1"/>
-              <a:t>Acceptance</a:t>
-            </a:r>
-            <a:r>
               <a:rPr lang="nl-NL" dirty="0"/>
-              <a:t> Criteria: </a:t>
+              <a:t>Maak het custom invoer bedrag code af.</a:t>
             </a:r>
           </a:p>
           <a:p>
@@ -3996,7 +4017,44 @@
             </a:pPr>
             <a:r>
               <a:rPr lang="nl-NL" dirty="0"/>
-              <a:t>Story Points: </a:t>
+              <a:t>Maak een owner menu.</a:t>
+            </a:r>
+          </a:p>
+          <a:p>
+            <a:pPr marL="0" indent="0">
+              <a:buNone/>
+            </a:pPr>
+            <a:r>
+              <a:rPr lang="nl-NL" dirty="0"/>
+              <a:t>Acceptance Criteria: </a:t>
+            </a:r>
+          </a:p>
+          <a:p>
+            <a:pPr marL="0" indent="0">
+              <a:buNone/>
+            </a:pPr>
+            <a:r>
+              <a:rPr lang="nl-NL" dirty="0"/>
+              <a:t>Als gebruiker kan je zelf een bedrag invoeren.</a:t>
+            </a:r>
+          </a:p>
+          <a:p>
+            <a:pPr marL="0" indent="0">
+              <a:buNone/>
+            </a:pPr>
+            <a:r>
+              <a:rPr lang="nl-NL"/>
+              <a:t>Als ownder kan ik gegevens aan passen via de GUI</a:t>
+            </a:r>
+            <a:endParaRPr lang="nl-NL" dirty="0"/>
+          </a:p>
+          <a:p>
+            <a:pPr marL="0" indent="0">
+              <a:buNone/>
+            </a:pPr>
+            <a:r>
+              <a:rPr lang="nl-NL" dirty="0"/>
+              <a:t>Story Points:  6, 3</a:t>
             </a:r>
           </a:p>
           <a:p>

--- a/Presentaties/PresentatieSprint5.pptx
+++ b/Presentaties/PresentatieSprint5.pptx
@@ -4043,10 +4043,9 @@
               <a:buNone/>
             </a:pPr>
             <a:r>
-              <a:rPr lang="nl-NL"/>
+              <a:rPr lang="nl-NL" dirty="0"/>
               <a:t>Als ownder kan ik gegevens aan passen via de GUI</a:t>
             </a:r>
-            <a:endParaRPr lang="nl-NL" dirty="0"/>
           </a:p>
           <a:p>
             <a:pPr marL="0" indent="0">
@@ -4054,7 +4053,7 @@
             </a:pPr>
             <a:r>
               <a:rPr lang="nl-NL" dirty="0"/>
-              <a:t>Story Points:  6, 3</a:t>
+              <a:t>Story Points:  5, 3</a:t>
             </a:r>
           </a:p>
           <a:p>
@@ -5942,6 +5941,15 @@
             </a:pPr>
             <a:r>
               <a:rPr lang="nl-NL" dirty="0"/>
+              <a:t>Als user wil ik een mooie GUI</a:t>
+            </a:r>
+          </a:p>
+          <a:p>
+            <a:pPr marL="0" indent="0">
+              <a:buNone/>
+            </a:pPr>
+            <a:r>
+              <a:rPr lang="nl-NL" dirty="0"/>
               <a:t>Taak: </a:t>
             </a:r>
           </a:p>
@@ -5950,12 +5958,8 @@
               <a:buNone/>
             </a:pPr>
             <a:r>
-              <a:rPr lang="nl-NL" dirty="0" err="1"/>
-              <a:t>Acceptance</a:t>
-            </a:r>
-            <a:r>
-              <a:rPr lang="nl-NL" dirty="0"/>
-              <a:t> Criteria: </a:t>
+              <a:rPr lang="nl-NL" dirty="0"/>
+              <a:t>Maak de GUI mooi en fijn voor de ogen</a:t>
             </a:r>
           </a:p>
           <a:p>
@@ -5964,7 +5968,26 @@
             </a:pPr>
             <a:r>
               <a:rPr lang="nl-NL" dirty="0"/>
-              <a:t>Story Points: </a:t>
+              <a:t>Acceptance Criteria: </a:t>
+            </a:r>
+          </a:p>
+          <a:p>
+            <a:pPr marL="0" indent="0">
+              <a:buNone/>
+            </a:pPr>
+            <a:r>
+              <a:rPr lang="nl-NL"/>
+              <a:t>De gui is mooi.</a:t>
+            </a:r>
+            <a:endParaRPr lang="nl-NL" dirty="0"/>
+          </a:p>
+          <a:p>
+            <a:pPr marL="0" indent="0">
+              <a:buNone/>
+            </a:pPr>
+            <a:r>
+              <a:rPr lang="nl-NL" dirty="0"/>
+              <a:t>Story Points:  4</a:t>
             </a:r>
           </a:p>
           <a:p>
@@ -6076,7 +6099,7 @@
             </a:pPr>
             <a:r>
               <a:rPr lang="nl-NL" dirty="0"/>
-              <a:t>User story: </a:t>
+              <a:t>User story: als gebruiker wil ik gemakkelijk mijn geld kunnen opnemen en mijn balans op kunnen bekijken.</a:t>
             </a:r>
           </a:p>
           <a:p>
@@ -6093,12 +6116,8 @@
               <a:buNone/>
             </a:pPr>
             <a:r>
-              <a:rPr lang="nl-NL" dirty="0" err="1"/>
-              <a:t>Acceptance</a:t>
-            </a:r>
-            <a:r>
-              <a:rPr lang="nl-NL" dirty="0"/>
-              <a:t> Criteria: </a:t>
+              <a:rPr lang="nl-NL" dirty="0"/>
+              <a:t>Puntejes op de I zetten.</a:t>
             </a:r>
           </a:p>
           <a:p>
@@ -6107,7 +6126,25 @@
             </a:pPr>
             <a:r>
               <a:rPr lang="nl-NL" dirty="0"/>
-              <a:t>Story Points: </a:t>
+              <a:t>Acceptance Criteria: </a:t>
+            </a:r>
+          </a:p>
+          <a:p>
+            <a:pPr marL="0" indent="0">
+              <a:buNone/>
+            </a:pPr>
+            <a:r>
+              <a:rPr lang="nl-NL" dirty="0"/>
+              <a:t>Programma loopt soepel.</a:t>
+            </a:r>
+          </a:p>
+          <a:p>
+            <a:pPr marL="0" indent="0">
+              <a:buNone/>
+            </a:pPr>
+            <a:r>
+              <a:rPr lang="nl-NL" dirty="0"/>
+              <a:t>Story Points:  3</a:t>
             </a:r>
           </a:p>
           <a:p>
@@ -6211,7 +6248,9 @@
         </p:nvSpPr>
         <p:spPr/>
         <p:txBody>
-          <a:bodyPr/>
+          <a:bodyPr>
+            <a:normAutofit lnSpcReduction="10000"/>
+          </a:bodyPr>
           <a:lstStyle/>
           <a:p>
             <a:pPr marL="0" indent="0">
@@ -6228,6 +6267,15 @@
             </a:pPr>
             <a:r>
               <a:rPr lang="nl-NL" dirty="0"/>
+              <a:t>Als user wil ik geld kunnen opnemen, en een fysieke pin automaat kunnen aanraken.</a:t>
+            </a:r>
+          </a:p>
+          <a:p>
+            <a:pPr marL="0" indent="0">
+              <a:buNone/>
+            </a:pPr>
+            <a:r>
+              <a:rPr lang="nl-NL" dirty="0"/>
               <a:t>Taak: </a:t>
             </a:r>
           </a:p>
@@ -6236,12 +6284,8 @@
               <a:buNone/>
             </a:pPr>
             <a:r>
-              <a:rPr lang="nl-NL" dirty="0" err="1"/>
-              <a:t>Acceptance</a:t>
-            </a:r>
-            <a:r>
-              <a:rPr lang="nl-NL" dirty="0"/>
-              <a:t> Criteria: </a:t>
+              <a:rPr lang="nl-NL" dirty="0"/>
+              <a:t>De code voor de geld dispenser schrijven.</a:t>
             </a:r>
           </a:p>
           <a:p>
@@ -6250,7 +6294,34 @@
             </a:pPr>
             <a:r>
               <a:rPr lang="nl-NL" dirty="0"/>
-              <a:t>Story Points: </a:t>
+              <a:t>De casing bouwen.</a:t>
+            </a:r>
+          </a:p>
+          <a:p>
+            <a:pPr marL="0" indent="0">
+              <a:buNone/>
+            </a:pPr>
+            <a:r>
+              <a:rPr lang="nl-NL" dirty="0"/>
+              <a:t>Acceptance Criteria: </a:t>
+            </a:r>
+          </a:p>
+          <a:p>
+            <a:pPr marL="0" indent="0">
+              <a:buNone/>
+            </a:pPr>
+            <a:r>
+              <a:rPr lang="nl-NL" dirty="0"/>
+              <a:t>De code kan een array uitlezen en de correte biljetten uitwerpen.</a:t>
+            </a:r>
+          </a:p>
+          <a:p>
+            <a:pPr marL="0" indent="0">
+              <a:buNone/>
+            </a:pPr>
+            <a:r>
+              <a:rPr lang="nl-NL" dirty="0"/>
+              <a:t>Story Points: 4</a:t>
             </a:r>
           </a:p>
           <a:p>

--- a/Presentaties/PresentatieSprint5.pptx
+++ b/Presentaties/PresentatieSprint5.pptx
@@ -123,6 +123,223 @@
 </p:presentation>
 </file>
 
+<file path=ppt/changesInfos/changesInfo1.xml><?xml version="1.0" encoding="utf-8"?>
+<pc:chgInfo xmlns:a="http://schemas.openxmlformats.org/drawingml/2006/main" xmlns:r="http://schemas.openxmlformats.org/officeDocument/2006/relationships" xmlns:ac="http://schemas.microsoft.com/office/drawing/2013/main/command" xmlns:pc="http://schemas.microsoft.com/office/powerpoint/2013/main/command">
+  <pc:docChgLst>
+    <pc:chgData name="Ramon Burgstad" userId="5061cdd7803951a7" providerId="LiveId" clId="{7940AC70-7652-4160-9E84-4B8D1EF534F6}"/>
+    <pc:docChg chg="custSel modSld">
+      <pc:chgData name="Ramon Burgstad" userId="5061cdd7803951a7" providerId="LiveId" clId="{7940AC70-7652-4160-9E84-4B8D1EF534F6}" dt="2021-05-20T12:12:12.530" v="423" actId="113"/>
+      <pc:docMkLst>
+        <pc:docMk/>
+      </pc:docMkLst>
+      <pc:sldChg chg="addSp modSp mod setBg">
+        <pc:chgData name="Ramon Burgstad" userId="5061cdd7803951a7" providerId="LiveId" clId="{7940AC70-7652-4160-9E84-4B8D1EF534F6}" dt="2021-05-20T12:08:48.725" v="0" actId="26606"/>
+        <pc:sldMkLst>
+          <pc:docMk/>
+          <pc:sldMk cId="1207477439" sldId="258"/>
+        </pc:sldMkLst>
+        <pc:spChg chg="mod">
+          <ac:chgData name="Ramon Burgstad" userId="5061cdd7803951a7" providerId="LiveId" clId="{7940AC70-7652-4160-9E84-4B8D1EF534F6}" dt="2021-05-20T12:08:48.725" v="0" actId="26606"/>
+          <ac:spMkLst>
+            <pc:docMk/>
+            <pc:sldMk cId="1207477439" sldId="258"/>
+            <ac:spMk id="2" creationId="{C2599DB9-2E9C-4BDE-8865-D939AEFBAEEF}"/>
+          </ac:spMkLst>
+        </pc:spChg>
+        <pc:spChg chg="mod">
+          <ac:chgData name="Ramon Burgstad" userId="5061cdd7803951a7" providerId="LiveId" clId="{7940AC70-7652-4160-9E84-4B8D1EF534F6}" dt="2021-05-20T12:08:48.725" v="0" actId="26606"/>
+          <ac:spMkLst>
+            <pc:docMk/>
+            <pc:sldMk cId="1207477439" sldId="258"/>
+            <ac:spMk id="3" creationId="{75057052-85EA-49B1-A344-57FCF793241B}"/>
+          </ac:spMkLst>
+        </pc:spChg>
+        <pc:spChg chg="add">
+          <ac:chgData name="Ramon Burgstad" userId="5061cdd7803951a7" providerId="LiveId" clId="{7940AC70-7652-4160-9E84-4B8D1EF534F6}" dt="2021-05-20T12:08:48.725" v="0" actId="26606"/>
+          <ac:spMkLst>
+            <pc:docMk/>
+            <pc:sldMk cId="1207477439" sldId="258"/>
+            <ac:spMk id="8" creationId="{C7FA33FF-088D-4F16-95A2-2C64D353DEA8}"/>
+          </ac:spMkLst>
+        </pc:spChg>
+        <pc:spChg chg="add">
+          <ac:chgData name="Ramon Burgstad" userId="5061cdd7803951a7" providerId="LiveId" clId="{7940AC70-7652-4160-9E84-4B8D1EF534F6}" dt="2021-05-20T12:08:48.725" v="0" actId="26606"/>
+          <ac:spMkLst>
+            <pc:docMk/>
+            <pc:sldMk cId="1207477439" sldId="258"/>
+            <ac:spMk id="10" creationId="{A376EFB1-01CF-419F-ABF1-2AF02BBFCBD1}"/>
+          </ac:spMkLst>
+        </pc:spChg>
+        <pc:spChg chg="add">
+          <ac:chgData name="Ramon Burgstad" userId="5061cdd7803951a7" providerId="LiveId" clId="{7940AC70-7652-4160-9E84-4B8D1EF534F6}" dt="2021-05-20T12:08:48.725" v="0" actId="26606"/>
+          <ac:spMkLst>
+            <pc:docMk/>
+            <pc:sldMk cId="1207477439" sldId="258"/>
+            <ac:spMk id="12" creationId="{FF9DEA15-78BD-4750-AA18-B9F28A6D5AB8}"/>
+          </ac:spMkLst>
+        </pc:spChg>
+      </pc:sldChg>
+      <pc:sldChg chg="addSp modSp mod setBg">
+        <pc:chgData name="Ramon Burgstad" userId="5061cdd7803951a7" providerId="LiveId" clId="{7940AC70-7652-4160-9E84-4B8D1EF534F6}" dt="2021-05-20T12:08:51.747" v="1" actId="26606"/>
+        <pc:sldMkLst>
+          <pc:docMk/>
+          <pc:sldMk cId="1076479991" sldId="262"/>
+        </pc:sldMkLst>
+        <pc:spChg chg="mod">
+          <ac:chgData name="Ramon Burgstad" userId="5061cdd7803951a7" providerId="LiveId" clId="{7940AC70-7652-4160-9E84-4B8D1EF534F6}" dt="2021-05-20T12:08:51.747" v="1" actId="26606"/>
+          <ac:spMkLst>
+            <pc:docMk/>
+            <pc:sldMk cId="1076479991" sldId="262"/>
+            <ac:spMk id="2" creationId="{C2599DB9-2E9C-4BDE-8865-D939AEFBAEEF}"/>
+          </ac:spMkLst>
+        </pc:spChg>
+        <pc:spChg chg="mod">
+          <ac:chgData name="Ramon Burgstad" userId="5061cdd7803951a7" providerId="LiveId" clId="{7940AC70-7652-4160-9E84-4B8D1EF534F6}" dt="2021-05-20T12:08:51.747" v="1" actId="26606"/>
+          <ac:spMkLst>
+            <pc:docMk/>
+            <pc:sldMk cId="1076479991" sldId="262"/>
+            <ac:spMk id="3" creationId="{75057052-85EA-49B1-A344-57FCF793241B}"/>
+          </ac:spMkLst>
+        </pc:spChg>
+        <pc:spChg chg="add">
+          <ac:chgData name="Ramon Burgstad" userId="5061cdd7803951a7" providerId="LiveId" clId="{7940AC70-7652-4160-9E84-4B8D1EF534F6}" dt="2021-05-20T12:08:51.747" v="1" actId="26606"/>
+          <ac:spMkLst>
+            <pc:docMk/>
+            <pc:sldMk cId="1076479991" sldId="262"/>
+            <ac:spMk id="8" creationId="{C7FA33FF-088D-4F16-95A2-2C64D353DEA8}"/>
+          </ac:spMkLst>
+        </pc:spChg>
+        <pc:spChg chg="add">
+          <ac:chgData name="Ramon Burgstad" userId="5061cdd7803951a7" providerId="LiveId" clId="{7940AC70-7652-4160-9E84-4B8D1EF534F6}" dt="2021-05-20T12:08:51.747" v="1" actId="26606"/>
+          <ac:spMkLst>
+            <pc:docMk/>
+            <pc:sldMk cId="1076479991" sldId="262"/>
+            <ac:spMk id="10" creationId="{A376EFB1-01CF-419F-ABF1-2AF02BBFCBD1}"/>
+          </ac:spMkLst>
+        </pc:spChg>
+        <pc:spChg chg="add">
+          <ac:chgData name="Ramon Burgstad" userId="5061cdd7803951a7" providerId="LiveId" clId="{7940AC70-7652-4160-9E84-4B8D1EF534F6}" dt="2021-05-20T12:08:51.747" v="1" actId="26606"/>
+          <ac:spMkLst>
+            <pc:docMk/>
+            <pc:sldMk cId="1076479991" sldId="262"/>
+            <ac:spMk id="12" creationId="{FF9DEA15-78BD-4750-AA18-B9F28A6D5AB8}"/>
+          </ac:spMkLst>
+        </pc:spChg>
+      </pc:sldChg>
+      <pc:sldChg chg="addSp modSp mod setBg">
+        <pc:chgData name="Ramon Burgstad" userId="5061cdd7803951a7" providerId="LiveId" clId="{7940AC70-7652-4160-9E84-4B8D1EF534F6}" dt="2021-05-20T12:08:54.618" v="2" actId="26606"/>
+        <pc:sldMkLst>
+          <pc:docMk/>
+          <pc:sldMk cId="598361403" sldId="263"/>
+        </pc:sldMkLst>
+        <pc:spChg chg="mod">
+          <ac:chgData name="Ramon Burgstad" userId="5061cdd7803951a7" providerId="LiveId" clId="{7940AC70-7652-4160-9E84-4B8D1EF534F6}" dt="2021-05-20T12:08:54.618" v="2" actId="26606"/>
+          <ac:spMkLst>
+            <pc:docMk/>
+            <pc:sldMk cId="598361403" sldId="263"/>
+            <ac:spMk id="2" creationId="{C2599DB9-2E9C-4BDE-8865-D939AEFBAEEF}"/>
+          </ac:spMkLst>
+        </pc:spChg>
+        <pc:spChg chg="mod">
+          <ac:chgData name="Ramon Burgstad" userId="5061cdd7803951a7" providerId="LiveId" clId="{7940AC70-7652-4160-9E84-4B8D1EF534F6}" dt="2021-05-20T12:08:54.618" v="2" actId="26606"/>
+          <ac:spMkLst>
+            <pc:docMk/>
+            <pc:sldMk cId="598361403" sldId="263"/>
+            <ac:spMk id="3" creationId="{75057052-85EA-49B1-A344-57FCF793241B}"/>
+          </ac:spMkLst>
+        </pc:spChg>
+        <pc:spChg chg="add">
+          <ac:chgData name="Ramon Burgstad" userId="5061cdd7803951a7" providerId="LiveId" clId="{7940AC70-7652-4160-9E84-4B8D1EF534F6}" dt="2021-05-20T12:08:54.618" v="2" actId="26606"/>
+          <ac:spMkLst>
+            <pc:docMk/>
+            <pc:sldMk cId="598361403" sldId="263"/>
+            <ac:spMk id="8" creationId="{C7FA33FF-088D-4F16-95A2-2C64D353DEA8}"/>
+          </ac:spMkLst>
+        </pc:spChg>
+        <pc:spChg chg="add">
+          <ac:chgData name="Ramon Burgstad" userId="5061cdd7803951a7" providerId="LiveId" clId="{7940AC70-7652-4160-9E84-4B8D1EF534F6}" dt="2021-05-20T12:08:54.618" v="2" actId="26606"/>
+          <ac:spMkLst>
+            <pc:docMk/>
+            <pc:sldMk cId="598361403" sldId="263"/>
+            <ac:spMk id="10" creationId="{A376EFB1-01CF-419F-ABF1-2AF02BBFCBD1}"/>
+          </ac:spMkLst>
+        </pc:spChg>
+        <pc:spChg chg="add">
+          <ac:chgData name="Ramon Burgstad" userId="5061cdd7803951a7" providerId="LiveId" clId="{7940AC70-7652-4160-9E84-4B8D1EF534F6}" dt="2021-05-20T12:08:54.618" v="2" actId="26606"/>
+          <ac:spMkLst>
+            <pc:docMk/>
+            <pc:sldMk cId="598361403" sldId="263"/>
+            <ac:spMk id="12" creationId="{FF9DEA15-78BD-4750-AA18-B9F28A6D5AB8}"/>
+          </ac:spMkLst>
+        </pc:spChg>
+      </pc:sldChg>
+      <pc:sldChg chg="addSp modSp mod setBg">
+        <pc:chgData name="Ramon Burgstad" userId="5061cdd7803951a7" providerId="LiveId" clId="{7940AC70-7652-4160-9E84-4B8D1EF534F6}" dt="2021-05-20T12:08:57.260" v="3" actId="26606"/>
+        <pc:sldMkLst>
+          <pc:docMk/>
+          <pc:sldMk cId="4191061824" sldId="264"/>
+        </pc:sldMkLst>
+        <pc:spChg chg="mod">
+          <ac:chgData name="Ramon Burgstad" userId="5061cdd7803951a7" providerId="LiveId" clId="{7940AC70-7652-4160-9E84-4B8D1EF534F6}" dt="2021-05-20T12:08:57.260" v="3" actId="26606"/>
+          <ac:spMkLst>
+            <pc:docMk/>
+            <pc:sldMk cId="4191061824" sldId="264"/>
+            <ac:spMk id="2" creationId="{C2599DB9-2E9C-4BDE-8865-D939AEFBAEEF}"/>
+          </ac:spMkLst>
+        </pc:spChg>
+        <pc:spChg chg="mod">
+          <ac:chgData name="Ramon Burgstad" userId="5061cdd7803951a7" providerId="LiveId" clId="{7940AC70-7652-4160-9E84-4B8D1EF534F6}" dt="2021-05-20T12:08:57.260" v="3" actId="26606"/>
+          <ac:spMkLst>
+            <pc:docMk/>
+            <pc:sldMk cId="4191061824" sldId="264"/>
+            <ac:spMk id="3" creationId="{75057052-85EA-49B1-A344-57FCF793241B}"/>
+          </ac:spMkLst>
+        </pc:spChg>
+        <pc:spChg chg="add">
+          <ac:chgData name="Ramon Burgstad" userId="5061cdd7803951a7" providerId="LiveId" clId="{7940AC70-7652-4160-9E84-4B8D1EF534F6}" dt="2021-05-20T12:08:57.260" v="3" actId="26606"/>
+          <ac:spMkLst>
+            <pc:docMk/>
+            <pc:sldMk cId="4191061824" sldId="264"/>
+            <ac:spMk id="8" creationId="{C7FA33FF-088D-4F16-95A2-2C64D353DEA8}"/>
+          </ac:spMkLst>
+        </pc:spChg>
+        <pc:spChg chg="add">
+          <ac:chgData name="Ramon Burgstad" userId="5061cdd7803951a7" providerId="LiveId" clId="{7940AC70-7652-4160-9E84-4B8D1EF534F6}" dt="2021-05-20T12:08:57.260" v="3" actId="26606"/>
+          <ac:spMkLst>
+            <pc:docMk/>
+            <pc:sldMk cId="4191061824" sldId="264"/>
+            <ac:spMk id="10" creationId="{A376EFB1-01CF-419F-ABF1-2AF02BBFCBD1}"/>
+          </ac:spMkLst>
+        </pc:spChg>
+        <pc:spChg chg="add">
+          <ac:chgData name="Ramon Burgstad" userId="5061cdd7803951a7" providerId="LiveId" clId="{7940AC70-7652-4160-9E84-4B8D1EF534F6}" dt="2021-05-20T12:08:57.260" v="3" actId="26606"/>
+          <ac:spMkLst>
+            <pc:docMk/>
+            <pc:sldMk cId="4191061824" sldId="264"/>
+            <ac:spMk id="12" creationId="{FF9DEA15-78BD-4750-AA18-B9F28A6D5AB8}"/>
+          </ac:spMkLst>
+        </pc:spChg>
+      </pc:sldChg>
+      <pc:sldChg chg="modSp mod">
+        <pc:chgData name="Ramon Burgstad" userId="5061cdd7803951a7" providerId="LiveId" clId="{7940AC70-7652-4160-9E84-4B8D1EF534F6}" dt="2021-05-20T12:12:12.530" v="423" actId="113"/>
+        <pc:sldMkLst>
+          <pc:docMk/>
+          <pc:sldMk cId="68933202" sldId="266"/>
+        </pc:sldMkLst>
+        <pc:spChg chg="mod">
+          <ac:chgData name="Ramon Burgstad" userId="5061cdd7803951a7" providerId="LiveId" clId="{7940AC70-7652-4160-9E84-4B8D1EF534F6}" dt="2021-05-20T12:12:12.530" v="423" actId="113"/>
+          <ac:spMkLst>
+            <pc:docMk/>
+            <pc:sldMk cId="68933202" sldId="266"/>
+            <ac:spMk id="3" creationId="{0B758496-B0E4-4E90-AD66-5CA4C8EF25AF}"/>
+          </ac:spMkLst>
+        </pc:spChg>
+      </pc:sldChg>
+    </pc:docChg>
+  </pc:docChgLst>
+</pc:chgInfo>
+</file>
+
 <file path=ppt/slideLayouts/slideLayout1.xml><?xml version="1.0" encoding="utf-8"?>
 <p:sldLayout xmlns:a="http://schemas.openxmlformats.org/drawingml/2006/main" xmlns:r="http://schemas.openxmlformats.org/officeDocument/2006/relationships" xmlns:p="http://schemas.openxmlformats.org/presentationml/2006/main" type="title" preserve="1">
   <p:cSld name="Titeldia">
@@ -324,7 +541,7 @@
           <a:p>
             <a:fld id="{73B1FEE2-EC59-47C4-8152-CE9547A043C0}" type="slidenum">
               <a:rPr lang="nl-NL" smtClean="0"/>
-              <a:t>‹#›</a:t>
+              <a:t>‹nr.›</a:t>
             </a:fld>
             <a:endParaRPr lang="nl-NL"/>
           </a:p>
@@ -522,7 +739,7 @@
           <a:p>
             <a:fld id="{73B1FEE2-EC59-47C4-8152-CE9547A043C0}" type="slidenum">
               <a:rPr lang="nl-NL" smtClean="0"/>
-              <a:t>‹#›</a:t>
+              <a:t>‹nr.›</a:t>
             </a:fld>
             <a:endParaRPr lang="nl-NL"/>
           </a:p>
@@ -730,7 +947,7 @@
           <a:p>
             <a:fld id="{73B1FEE2-EC59-47C4-8152-CE9547A043C0}" type="slidenum">
               <a:rPr lang="nl-NL" smtClean="0"/>
-              <a:t>‹#›</a:t>
+              <a:t>‹nr.›</a:t>
             </a:fld>
             <a:endParaRPr lang="nl-NL"/>
           </a:p>
@@ -928,7 +1145,7 @@
           <a:p>
             <a:fld id="{73B1FEE2-EC59-47C4-8152-CE9547A043C0}" type="slidenum">
               <a:rPr lang="nl-NL" smtClean="0"/>
-              <a:t>‹#›</a:t>
+              <a:t>‹nr.›</a:t>
             </a:fld>
             <a:endParaRPr lang="nl-NL"/>
           </a:p>
@@ -1203,7 +1420,7 @@
           <a:p>
             <a:fld id="{73B1FEE2-EC59-47C4-8152-CE9547A043C0}" type="slidenum">
               <a:rPr lang="nl-NL" smtClean="0"/>
-              <a:t>‹#›</a:t>
+              <a:t>‹nr.›</a:t>
             </a:fld>
             <a:endParaRPr lang="nl-NL"/>
           </a:p>
@@ -1468,7 +1685,7 @@
           <a:p>
             <a:fld id="{73B1FEE2-EC59-47C4-8152-CE9547A043C0}" type="slidenum">
               <a:rPr lang="nl-NL" smtClean="0"/>
-              <a:t>‹#›</a:t>
+              <a:t>‹nr.›</a:t>
             </a:fld>
             <a:endParaRPr lang="nl-NL"/>
           </a:p>
@@ -1880,7 +2097,7 @@
           <a:p>
             <a:fld id="{73B1FEE2-EC59-47C4-8152-CE9547A043C0}" type="slidenum">
               <a:rPr lang="nl-NL" smtClean="0"/>
-              <a:t>‹#›</a:t>
+              <a:t>‹nr.›</a:t>
             </a:fld>
             <a:endParaRPr lang="nl-NL"/>
           </a:p>
@@ -2021,7 +2238,7 @@
           <a:p>
             <a:fld id="{73B1FEE2-EC59-47C4-8152-CE9547A043C0}" type="slidenum">
               <a:rPr lang="nl-NL" smtClean="0"/>
-              <a:t>‹#›</a:t>
+              <a:t>‹nr.›</a:t>
             </a:fld>
             <a:endParaRPr lang="nl-NL"/>
           </a:p>
@@ -2134,7 +2351,7 @@
           <a:p>
             <a:fld id="{73B1FEE2-EC59-47C4-8152-CE9547A043C0}" type="slidenum">
               <a:rPr lang="nl-NL" smtClean="0"/>
-              <a:t>‹#›</a:t>
+              <a:t>‹nr.›</a:t>
             </a:fld>
             <a:endParaRPr lang="nl-NL"/>
           </a:p>
@@ -2445,7 +2662,7 @@
           <a:p>
             <a:fld id="{73B1FEE2-EC59-47C4-8152-CE9547A043C0}" type="slidenum">
               <a:rPr lang="nl-NL" smtClean="0"/>
-              <a:t>‹#›</a:t>
+              <a:t>‹nr.›</a:t>
             </a:fld>
             <a:endParaRPr lang="nl-NL"/>
           </a:p>
@@ -2733,7 +2950,7 @@
           <a:p>
             <a:fld id="{73B1FEE2-EC59-47C4-8152-CE9547A043C0}" type="slidenum">
               <a:rPr lang="nl-NL" smtClean="0"/>
-              <a:t>‹#›</a:t>
+              <a:t>‹nr.›</a:t>
             </a:fld>
             <a:endParaRPr lang="nl-NL"/>
           </a:p>
@@ -3010,7 +3227,7 @@
           <a:p>
             <a:fld id="{73B1FEE2-EC59-47C4-8152-CE9547A043C0}" type="slidenum">
               <a:rPr lang="nl-NL" smtClean="0"/>
-              <a:t>‹#›</a:t>
+              <a:t>‹nr.›</a:t>
             </a:fld>
             <a:endParaRPr lang="nl-NL"/>
           </a:p>
@@ -5363,6 +5580,14 @@
 <file path=ppt/slides/slide3.xml><?xml version="1.0" encoding="utf-8"?>
 <p:sld xmlns:a="http://schemas.openxmlformats.org/drawingml/2006/main" xmlns:r="http://schemas.openxmlformats.org/officeDocument/2006/relationships" xmlns:p="http://schemas.openxmlformats.org/presentationml/2006/main">
   <p:cSld>
+    <p:bg>
+      <p:bgPr>
+        <a:solidFill>
+          <a:schemeClr val="bg1"/>
+        </a:solidFill>
+        <a:effectLst/>
+      </p:bgPr>
+    </p:bg>
     <p:spTree>
       <p:nvGrpSpPr>
         <p:cNvPr id="1" name=""/>
@@ -5377,6 +5602,328 @@
           <a:chExt cx="0" cy="0"/>
         </a:xfrm>
       </p:grpSpPr>
+      <p:sp useBgFill="1">
+        <p:nvSpPr>
+          <p:cNvPr id="8" name="Rectangle 7">
+            <a:extLst>
+              <a:ext uri="{FF2B5EF4-FFF2-40B4-BE49-F238E27FC236}">
+                <a16:creationId xmlns:a16="http://schemas.microsoft.com/office/drawing/2014/main" id="{C7FA33FF-088D-4F16-95A2-2C64D353DEA8}"/>
+              </a:ext>
+              <a:ext uri="{C183D7F6-B498-43B3-948B-1728B52AA6E4}">
+                <adec:decorative xmlns:adec="http://schemas.microsoft.com/office/drawing/2017/decorative" val="1"/>
+              </a:ext>
+            </a:extLst>
+          </p:cNvPr>
+          <p:cNvSpPr>
+            <a:spLocks noGrp="1" noRot="1" noChangeAspect="1" noMove="1" noResize="1" noEditPoints="1" noAdjustHandles="1" noChangeArrowheads="1" noChangeShapeType="1" noTextEdit="1"/>
+          </p:cNvSpPr>
+          <p:nvPr>
+            <p:extLst>
+              <p:ext uri="{386F3935-93C4-4BCD-93E2-E3B085C9AB24}">
+                <p16:designElem xmlns:p16="http://schemas.microsoft.com/office/powerpoint/2015/main" val="1"/>
+              </p:ext>
+            </p:extLst>
+          </p:nvPr>
+        </p:nvSpPr>
+        <p:spPr>
+          <a:xfrm>
+            <a:off x="1524" y="0"/>
+            <a:ext cx="12188952" cy="6858000"/>
+          </a:xfrm>
+          <a:prstGeom prst="rect">
+            <a:avLst/>
+          </a:prstGeom>
+          <a:ln>
+            <a:noFill/>
+          </a:ln>
+        </p:spPr>
+        <p:style>
+          <a:lnRef idx="2">
+            <a:schemeClr val="accent1">
+              <a:shade val="50000"/>
+            </a:schemeClr>
+          </a:lnRef>
+          <a:fillRef idx="1">
+            <a:schemeClr val="accent1"/>
+          </a:fillRef>
+          <a:effectRef idx="0">
+            <a:schemeClr val="accent1"/>
+          </a:effectRef>
+          <a:fontRef idx="minor">
+            <a:schemeClr val="lt1"/>
+          </a:fontRef>
+        </p:style>
+        <p:txBody>
+          <a:bodyPr rtlCol="0" anchor="ctr"/>
+          <a:lstStyle/>
+          <a:p>
+            <a:pPr marL="0" marR="0" lvl="0" indent="0" algn="ctr" defTabSz="914400" rtl="0" eaLnBrk="1" fontAlgn="auto" latinLnBrk="0" hangingPunct="1">
+              <a:lnSpc>
+                <a:spcPct val="100000"/>
+              </a:lnSpc>
+              <a:spcBef>
+                <a:spcPts val="0"/>
+              </a:spcBef>
+              <a:spcAft>
+                <a:spcPts val="0"/>
+              </a:spcAft>
+              <a:buClrTx/>
+              <a:buSzTx/>
+              <a:buFontTx/>
+              <a:buNone/>
+              <a:tabLst/>
+              <a:defRPr/>
+            </a:pPr>
+            <a:endParaRPr kumimoji="0" lang="en-US" sz="1800" b="0" i="0" u="none" strike="noStrike" kern="1200" cap="none" spc="0" normalizeH="0" baseline="0" noProof="0">
+              <a:ln>
+                <a:noFill/>
+              </a:ln>
+              <a:solidFill>
+                <a:prstClr val="white"/>
+              </a:solidFill>
+              <a:effectLst/>
+              <a:uLnTx/>
+              <a:uFillTx/>
+              <a:latin typeface="Calibri" panose="020F0502020204030204"/>
+              <a:ea typeface="+mn-ea"/>
+              <a:cs typeface="+mn-cs"/>
+            </a:endParaRPr>
+          </a:p>
+        </p:txBody>
+      </p:sp>
+      <p:sp>
+        <p:nvSpPr>
+          <p:cNvPr id="10" name="Rectangle 9">
+            <a:extLst>
+              <a:ext uri="{FF2B5EF4-FFF2-40B4-BE49-F238E27FC236}">
+                <a16:creationId xmlns:a16="http://schemas.microsoft.com/office/drawing/2014/main" id="{A376EFB1-01CF-419F-ABF1-2AF02BBFCBD1}"/>
+              </a:ext>
+              <a:ext uri="{C183D7F6-B498-43B3-948B-1728B52AA6E4}">
+                <adec:decorative xmlns:adec="http://schemas.microsoft.com/office/drawing/2017/decorative" val="1"/>
+              </a:ext>
+            </a:extLst>
+          </p:cNvPr>
+          <p:cNvSpPr>
+            <a:spLocks noGrp="1" noRot="1" noChangeAspect="1" noMove="1" noResize="1" noEditPoints="1" noAdjustHandles="1" noChangeArrowheads="1" noChangeShapeType="1" noTextEdit="1"/>
+          </p:cNvSpPr>
+          <p:nvPr>
+            <p:extLst>
+              <p:ext uri="{386F3935-93C4-4BCD-93E2-E3B085C9AB24}">
+                <p16:designElem xmlns:p16="http://schemas.microsoft.com/office/powerpoint/2015/main" val="1"/>
+              </p:ext>
+            </p:extLst>
+          </p:nvPr>
+        </p:nvSpPr>
+        <p:spPr>
+          <a:xfrm>
+            <a:off x="0" y="0"/>
+            <a:ext cx="4709160" cy="6858000"/>
+          </a:xfrm>
+          <a:prstGeom prst="rect">
+            <a:avLst/>
+          </a:prstGeom>
+          <a:solidFill>
+            <a:schemeClr val="tx1">
+              <a:alpha val="81000"/>
+            </a:schemeClr>
+          </a:solidFill>
+          <a:ln>
+            <a:noFill/>
+          </a:ln>
+        </p:spPr>
+        <p:style>
+          <a:lnRef idx="2">
+            <a:schemeClr val="accent1">
+              <a:shade val="50000"/>
+            </a:schemeClr>
+          </a:lnRef>
+          <a:fillRef idx="1">
+            <a:schemeClr val="accent1"/>
+          </a:fillRef>
+          <a:effectRef idx="0">
+            <a:schemeClr val="accent1"/>
+          </a:effectRef>
+          <a:fontRef idx="minor">
+            <a:schemeClr val="lt1"/>
+          </a:fontRef>
+        </p:style>
+        <p:txBody>
+          <a:bodyPr rtlCol="0" anchor="ctr"/>
+          <a:lstStyle/>
+          <a:p>
+            <a:pPr marL="0" marR="0" lvl="0" indent="0" algn="ctr" defTabSz="914400" rtl="0" eaLnBrk="1" fontAlgn="auto" latinLnBrk="0" hangingPunct="1">
+              <a:lnSpc>
+                <a:spcPct val="100000"/>
+              </a:lnSpc>
+              <a:spcBef>
+                <a:spcPts val="0"/>
+              </a:spcBef>
+              <a:spcAft>
+                <a:spcPts val="0"/>
+              </a:spcAft>
+              <a:buClrTx/>
+              <a:buSzTx/>
+              <a:buFontTx/>
+              <a:buNone/>
+              <a:tabLst/>
+              <a:defRPr/>
+            </a:pPr>
+            <a:endParaRPr kumimoji="0" lang="en-US" sz="1800" b="0" i="0" u="none" strike="noStrike" kern="1200" cap="none" spc="0" normalizeH="0" baseline="0" noProof="0">
+              <a:ln>
+                <a:noFill/>
+              </a:ln>
+              <a:solidFill>
+                <a:prstClr val="white"/>
+              </a:solidFill>
+              <a:effectLst/>
+              <a:uLnTx/>
+              <a:uFillTx/>
+              <a:latin typeface="Calibri" panose="020F0502020204030204"/>
+              <a:ea typeface="+mn-ea"/>
+              <a:cs typeface="+mn-cs"/>
+            </a:endParaRPr>
+          </a:p>
+        </p:txBody>
+      </p:sp>
+      <p:sp>
+        <p:nvSpPr>
+          <p:cNvPr id="12" name="Freeform: Shape 11">
+            <a:extLst>
+              <a:ext uri="{FF2B5EF4-FFF2-40B4-BE49-F238E27FC236}">
+                <a16:creationId xmlns:a16="http://schemas.microsoft.com/office/drawing/2014/main" id="{FF9DEA15-78BD-4750-AA18-B9F28A6D5AB8}"/>
+              </a:ext>
+              <a:ext uri="{C183D7F6-B498-43B3-948B-1728B52AA6E4}">
+                <adec:decorative xmlns:adec="http://schemas.microsoft.com/office/drawing/2017/decorative" val="1"/>
+              </a:ext>
+            </a:extLst>
+          </p:cNvPr>
+          <p:cNvSpPr>
+            <a:spLocks noGrp="1" noRot="1" noChangeAspect="1" noMove="1" noResize="1" noEditPoints="1" noAdjustHandles="1" noChangeArrowheads="1" noChangeShapeType="1" noTextEdit="1"/>
+          </p:cNvSpPr>
+          <p:nvPr>
+            <p:extLst>
+              <p:ext uri="{386F3935-93C4-4BCD-93E2-E3B085C9AB24}">
+                <p16:designElem xmlns:p16="http://schemas.microsoft.com/office/powerpoint/2015/main" val="1"/>
+              </p:ext>
+            </p:extLst>
+          </p:nvPr>
+        </p:nvSpPr>
+        <p:spPr>
+          <a:xfrm>
+            <a:off x="0" y="0"/>
+            <a:ext cx="3284331" cy="6858000"/>
+          </a:xfrm>
+          <a:custGeom>
+            <a:avLst/>
+            <a:gdLst>
+              <a:gd name="connsiteX0" fmla="*/ 0 w 4319042"/>
+              <a:gd name="connsiteY0" fmla="*/ 0 h 6858000"/>
+              <a:gd name="connsiteX1" fmla="*/ 1142888 w 4319042"/>
+              <a:gd name="connsiteY1" fmla="*/ 0 h 6858000"/>
+              <a:gd name="connsiteX2" fmla="*/ 4319042 w 4319042"/>
+              <a:gd name="connsiteY2" fmla="*/ 6858000 h 6858000"/>
+              <a:gd name="connsiteX3" fmla="*/ 0 w 4319042"/>
+              <a:gd name="connsiteY3" fmla="*/ 6858000 h 6858000"/>
+            </a:gdLst>
+            <a:ahLst/>
+            <a:cxnLst>
+              <a:cxn ang="0">
+                <a:pos x="connsiteX0" y="connsiteY0"/>
+              </a:cxn>
+              <a:cxn ang="0">
+                <a:pos x="connsiteX1" y="connsiteY1"/>
+              </a:cxn>
+              <a:cxn ang="0">
+                <a:pos x="connsiteX2" y="connsiteY2"/>
+              </a:cxn>
+              <a:cxn ang="0">
+                <a:pos x="connsiteX3" y="connsiteY3"/>
+              </a:cxn>
+            </a:cxnLst>
+            <a:rect l="l" t="t" r="r" b="b"/>
+            <a:pathLst>
+              <a:path w="4319042" h="6858000">
+                <a:moveTo>
+                  <a:pt x="0" y="0"/>
+                </a:moveTo>
+                <a:lnTo>
+                  <a:pt x="1142888" y="0"/>
+                </a:lnTo>
+                <a:lnTo>
+                  <a:pt x="4319042" y="6858000"/>
+                </a:lnTo>
+                <a:lnTo>
+                  <a:pt x="0" y="6858000"/>
+                </a:lnTo>
+                <a:close/>
+              </a:path>
+            </a:pathLst>
+          </a:custGeom>
+          <a:solidFill>
+            <a:schemeClr val="tx1">
+              <a:alpha val="35000"/>
+            </a:schemeClr>
+          </a:solidFill>
+          <a:ln>
+            <a:noFill/>
+          </a:ln>
+        </p:spPr>
+        <p:style>
+          <a:lnRef idx="2">
+            <a:schemeClr val="accent1">
+              <a:shade val="50000"/>
+            </a:schemeClr>
+          </a:lnRef>
+          <a:fillRef idx="1">
+            <a:schemeClr val="accent1"/>
+          </a:fillRef>
+          <a:effectRef idx="0">
+            <a:schemeClr val="accent1"/>
+          </a:effectRef>
+          <a:fontRef idx="minor">
+            <a:schemeClr val="lt1"/>
+          </a:fontRef>
+        </p:style>
+        <p:txBody>
+          <a:bodyPr wrap="square" rtlCol="0" anchor="ctr">
+            <a:noAutofit/>
+          </a:bodyPr>
+          <a:lstStyle/>
+          <a:p>
+            <a:pPr marL="0" marR="0" lvl="0" indent="0" algn="ctr" defTabSz="914400" rtl="0" eaLnBrk="1" fontAlgn="auto" latinLnBrk="0" hangingPunct="1">
+              <a:lnSpc>
+                <a:spcPct val="100000"/>
+              </a:lnSpc>
+              <a:spcBef>
+                <a:spcPts val="0"/>
+              </a:spcBef>
+              <a:spcAft>
+                <a:spcPts val="0"/>
+              </a:spcAft>
+              <a:buClrTx/>
+              <a:buSzTx/>
+              <a:buFontTx/>
+              <a:buNone/>
+              <a:tabLst/>
+              <a:defRPr/>
+            </a:pPr>
+            <a:endParaRPr kumimoji="0" lang="en-US" sz="1800" b="0" i="0" u="none" strike="noStrike" kern="1200" cap="none" spc="0" normalizeH="0" baseline="0" noProof="0">
+              <a:ln>
+                <a:noFill/>
+              </a:ln>
+              <a:solidFill>
+                <a:prstClr val="white"/>
+              </a:solidFill>
+              <a:effectLst/>
+              <a:uLnTx/>
+              <a:uFillTx/>
+              <a:latin typeface="Calibri" panose="020F0502020204030204"/>
+              <a:ea typeface="+mn-ea"/>
+              <a:cs typeface="+mn-cs"/>
+            </a:endParaRPr>
+          </a:p>
+        </p:txBody>
+      </p:sp>
       <p:sp>
         <p:nvSpPr>
           <p:cNvPr id="2" name="Titel 1">
@@ -5393,29 +5940,46 @@
             <p:ph type="title"/>
           </p:nvPr>
         </p:nvSpPr>
-        <p:spPr/>
+        <p:spPr>
+          <a:xfrm>
+            <a:off x="804672" y="640080"/>
+            <a:ext cx="3282696" cy="5257800"/>
+          </a:xfrm>
+        </p:spPr>
         <p:txBody>
           <a:bodyPr>
-            <a:normAutofit fontScale="90000"/>
+            <a:normAutofit/>
           </a:bodyPr>
           <a:lstStyle/>
           <a:p>
             <a:r>
-              <a:rPr lang="nl-NL" dirty="0"/>
-              <a:t>Sprint </a:t>
-            </a:r>
-            <a:r>
-              <a:rPr lang="nl-NL" dirty="0" err="1"/>
-              <a:t>revieuw</a:t>
+              <a:rPr lang="nl-NL">
+                <a:solidFill>
+                  <a:schemeClr val="bg1"/>
+                </a:solidFill>
+              </a:rPr>
+              <a:t>Sprint revieuw</a:t>
             </a:r>
             <a:br>
-              <a:rPr lang="nl-NL" dirty="0"/>
+              <a:rPr lang="nl-NL">
+                <a:solidFill>
+                  <a:schemeClr val="bg1"/>
+                </a:solidFill>
+              </a:rPr>
             </a:br>
             <a:br>
-              <a:rPr lang="nl-NL" dirty="0"/>
+              <a:rPr lang="nl-NL">
+                <a:solidFill>
+                  <a:schemeClr val="bg1"/>
+                </a:solidFill>
+              </a:rPr>
             </a:br>
             <a:r>
-              <a:rPr lang="nl-NL" dirty="0"/>
+              <a:rPr lang="nl-NL">
+                <a:solidFill>
+                  <a:schemeClr val="bg1"/>
+                </a:solidFill>
+              </a:rPr>
               <a:t>Marjon</a:t>
             </a:r>
           </a:p>
@@ -5437,25 +6001,32 @@
             <p:ph idx="1"/>
           </p:nvPr>
         </p:nvSpPr>
-        <p:spPr/>
-        <p:txBody>
-          <a:bodyPr/>
+        <p:spPr>
+          <a:xfrm>
+            <a:off x="5358384" y="640081"/>
+            <a:ext cx="6024654" cy="5257800"/>
+          </a:xfrm>
+        </p:spPr>
+        <p:txBody>
+          <a:bodyPr anchor="ctr">
+            <a:normAutofit/>
+          </a:bodyPr>
           <a:lstStyle/>
           <a:p>
             <a:pPr marL="0" indent="0">
               <a:buNone/>
             </a:pPr>
             <a:r>
-              <a:rPr lang="nl-NL" b="1" dirty="0"/>
+              <a:rPr lang="nl-NL" sz="2400" b="1"/>
               <a:t>User story: </a:t>
             </a:r>
             <a:r>
-              <a:rPr lang="nl-NL" dirty="0"/>
+              <a:rPr lang="nl-NL" sz="2400"/>
               <a:t>Als gebruiker wil ik altijd de mogelijkheid hebben om elke waarde van de biljetten te verkrijgen zodat ik krijg wat ik graag wil.</a:t>
             </a:r>
           </a:p>
           <a:p>
-            <a:endParaRPr lang="nl-NL" dirty="0"/>
+            <a:endParaRPr lang="nl-NL" sz="2400"/>
           </a:p>
         </p:txBody>
       </p:sp>
@@ -5475,6 +6046,14 @@
 <file path=ppt/slides/slide4.xml><?xml version="1.0" encoding="utf-8"?>
 <p:sld xmlns:a="http://schemas.openxmlformats.org/drawingml/2006/main" xmlns:r="http://schemas.openxmlformats.org/officeDocument/2006/relationships" xmlns:p="http://schemas.openxmlformats.org/presentationml/2006/main">
   <p:cSld>
+    <p:bg>
+      <p:bgPr>
+        <a:solidFill>
+          <a:schemeClr val="bg1"/>
+        </a:solidFill>
+        <a:effectLst/>
+      </p:bgPr>
+    </p:bg>
     <p:spTree>
       <p:nvGrpSpPr>
         <p:cNvPr id="1" name=""/>
@@ -5489,6 +6068,328 @@
           <a:chExt cx="0" cy="0"/>
         </a:xfrm>
       </p:grpSpPr>
+      <p:sp useBgFill="1">
+        <p:nvSpPr>
+          <p:cNvPr id="8" name="Rectangle 7">
+            <a:extLst>
+              <a:ext uri="{FF2B5EF4-FFF2-40B4-BE49-F238E27FC236}">
+                <a16:creationId xmlns:a16="http://schemas.microsoft.com/office/drawing/2014/main" id="{C7FA33FF-088D-4F16-95A2-2C64D353DEA8}"/>
+              </a:ext>
+              <a:ext uri="{C183D7F6-B498-43B3-948B-1728B52AA6E4}">
+                <adec:decorative xmlns:adec="http://schemas.microsoft.com/office/drawing/2017/decorative" val="1"/>
+              </a:ext>
+            </a:extLst>
+          </p:cNvPr>
+          <p:cNvSpPr>
+            <a:spLocks noGrp="1" noRot="1" noChangeAspect="1" noMove="1" noResize="1" noEditPoints="1" noAdjustHandles="1" noChangeArrowheads="1" noChangeShapeType="1" noTextEdit="1"/>
+          </p:cNvSpPr>
+          <p:nvPr>
+            <p:extLst>
+              <p:ext uri="{386F3935-93C4-4BCD-93E2-E3B085C9AB24}">
+                <p16:designElem xmlns:p16="http://schemas.microsoft.com/office/powerpoint/2015/main" val="1"/>
+              </p:ext>
+            </p:extLst>
+          </p:nvPr>
+        </p:nvSpPr>
+        <p:spPr>
+          <a:xfrm>
+            <a:off x="1524" y="0"/>
+            <a:ext cx="12188952" cy="6858000"/>
+          </a:xfrm>
+          <a:prstGeom prst="rect">
+            <a:avLst/>
+          </a:prstGeom>
+          <a:ln>
+            <a:noFill/>
+          </a:ln>
+        </p:spPr>
+        <p:style>
+          <a:lnRef idx="2">
+            <a:schemeClr val="accent1">
+              <a:shade val="50000"/>
+            </a:schemeClr>
+          </a:lnRef>
+          <a:fillRef idx="1">
+            <a:schemeClr val="accent1"/>
+          </a:fillRef>
+          <a:effectRef idx="0">
+            <a:schemeClr val="accent1"/>
+          </a:effectRef>
+          <a:fontRef idx="minor">
+            <a:schemeClr val="lt1"/>
+          </a:fontRef>
+        </p:style>
+        <p:txBody>
+          <a:bodyPr rtlCol="0" anchor="ctr"/>
+          <a:lstStyle/>
+          <a:p>
+            <a:pPr marL="0" marR="0" lvl="0" indent="0" algn="ctr" defTabSz="914400" rtl="0" eaLnBrk="1" fontAlgn="auto" latinLnBrk="0" hangingPunct="1">
+              <a:lnSpc>
+                <a:spcPct val="100000"/>
+              </a:lnSpc>
+              <a:spcBef>
+                <a:spcPts val="0"/>
+              </a:spcBef>
+              <a:spcAft>
+                <a:spcPts val="0"/>
+              </a:spcAft>
+              <a:buClrTx/>
+              <a:buSzTx/>
+              <a:buFontTx/>
+              <a:buNone/>
+              <a:tabLst/>
+              <a:defRPr/>
+            </a:pPr>
+            <a:endParaRPr kumimoji="0" lang="en-US" sz="1800" b="0" i="0" u="none" strike="noStrike" kern="1200" cap="none" spc="0" normalizeH="0" baseline="0" noProof="0">
+              <a:ln>
+                <a:noFill/>
+              </a:ln>
+              <a:solidFill>
+                <a:prstClr val="white"/>
+              </a:solidFill>
+              <a:effectLst/>
+              <a:uLnTx/>
+              <a:uFillTx/>
+              <a:latin typeface="Calibri" panose="020F0502020204030204"/>
+              <a:ea typeface="+mn-ea"/>
+              <a:cs typeface="+mn-cs"/>
+            </a:endParaRPr>
+          </a:p>
+        </p:txBody>
+      </p:sp>
+      <p:sp>
+        <p:nvSpPr>
+          <p:cNvPr id="10" name="Rectangle 9">
+            <a:extLst>
+              <a:ext uri="{FF2B5EF4-FFF2-40B4-BE49-F238E27FC236}">
+                <a16:creationId xmlns:a16="http://schemas.microsoft.com/office/drawing/2014/main" id="{A376EFB1-01CF-419F-ABF1-2AF02BBFCBD1}"/>
+              </a:ext>
+              <a:ext uri="{C183D7F6-B498-43B3-948B-1728B52AA6E4}">
+                <adec:decorative xmlns:adec="http://schemas.microsoft.com/office/drawing/2017/decorative" val="1"/>
+              </a:ext>
+            </a:extLst>
+          </p:cNvPr>
+          <p:cNvSpPr>
+            <a:spLocks noGrp="1" noRot="1" noChangeAspect="1" noMove="1" noResize="1" noEditPoints="1" noAdjustHandles="1" noChangeArrowheads="1" noChangeShapeType="1" noTextEdit="1"/>
+          </p:cNvSpPr>
+          <p:nvPr>
+            <p:extLst>
+              <p:ext uri="{386F3935-93C4-4BCD-93E2-E3B085C9AB24}">
+                <p16:designElem xmlns:p16="http://schemas.microsoft.com/office/powerpoint/2015/main" val="1"/>
+              </p:ext>
+            </p:extLst>
+          </p:nvPr>
+        </p:nvSpPr>
+        <p:spPr>
+          <a:xfrm>
+            <a:off x="0" y="0"/>
+            <a:ext cx="4709160" cy="6858000"/>
+          </a:xfrm>
+          <a:prstGeom prst="rect">
+            <a:avLst/>
+          </a:prstGeom>
+          <a:solidFill>
+            <a:schemeClr val="tx1">
+              <a:alpha val="81000"/>
+            </a:schemeClr>
+          </a:solidFill>
+          <a:ln>
+            <a:noFill/>
+          </a:ln>
+        </p:spPr>
+        <p:style>
+          <a:lnRef idx="2">
+            <a:schemeClr val="accent1">
+              <a:shade val="50000"/>
+            </a:schemeClr>
+          </a:lnRef>
+          <a:fillRef idx="1">
+            <a:schemeClr val="accent1"/>
+          </a:fillRef>
+          <a:effectRef idx="0">
+            <a:schemeClr val="accent1"/>
+          </a:effectRef>
+          <a:fontRef idx="minor">
+            <a:schemeClr val="lt1"/>
+          </a:fontRef>
+        </p:style>
+        <p:txBody>
+          <a:bodyPr rtlCol="0" anchor="ctr"/>
+          <a:lstStyle/>
+          <a:p>
+            <a:pPr marL="0" marR="0" lvl="0" indent="0" algn="ctr" defTabSz="914400" rtl="0" eaLnBrk="1" fontAlgn="auto" latinLnBrk="0" hangingPunct="1">
+              <a:lnSpc>
+                <a:spcPct val="100000"/>
+              </a:lnSpc>
+              <a:spcBef>
+                <a:spcPts val="0"/>
+              </a:spcBef>
+              <a:spcAft>
+                <a:spcPts val="0"/>
+              </a:spcAft>
+              <a:buClrTx/>
+              <a:buSzTx/>
+              <a:buFontTx/>
+              <a:buNone/>
+              <a:tabLst/>
+              <a:defRPr/>
+            </a:pPr>
+            <a:endParaRPr kumimoji="0" lang="en-US" sz="1800" b="0" i="0" u="none" strike="noStrike" kern="1200" cap="none" spc="0" normalizeH="0" baseline="0" noProof="0">
+              <a:ln>
+                <a:noFill/>
+              </a:ln>
+              <a:solidFill>
+                <a:prstClr val="white"/>
+              </a:solidFill>
+              <a:effectLst/>
+              <a:uLnTx/>
+              <a:uFillTx/>
+              <a:latin typeface="Calibri" panose="020F0502020204030204"/>
+              <a:ea typeface="+mn-ea"/>
+              <a:cs typeface="+mn-cs"/>
+            </a:endParaRPr>
+          </a:p>
+        </p:txBody>
+      </p:sp>
+      <p:sp>
+        <p:nvSpPr>
+          <p:cNvPr id="12" name="Freeform: Shape 11">
+            <a:extLst>
+              <a:ext uri="{FF2B5EF4-FFF2-40B4-BE49-F238E27FC236}">
+                <a16:creationId xmlns:a16="http://schemas.microsoft.com/office/drawing/2014/main" id="{FF9DEA15-78BD-4750-AA18-B9F28A6D5AB8}"/>
+              </a:ext>
+              <a:ext uri="{C183D7F6-B498-43B3-948B-1728B52AA6E4}">
+                <adec:decorative xmlns:adec="http://schemas.microsoft.com/office/drawing/2017/decorative" val="1"/>
+              </a:ext>
+            </a:extLst>
+          </p:cNvPr>
+          <p:cNvSpPr>
+            <a:spLocks noGrp="1" noRot="1" noChangeAspect="1" noMove="1" noResize="1" noEditPoints="1" noAdjustHandles="1" noChangeArrowheads="1" noChangeShapeType="1" noTextEdit="1"/>
+          </p:cNvSpPr>
+          <p:nvPr>
+            <p:extLst>
+              <p:ext uri="{386F3935-93C4-4BCD-93E2-E3B085C9AB24}">
+                <p16:designElem xmlns:p16="http://schemas.microsoft.com/office/powerpoint/2015/main" val="1"/>
+              </p:ext>
+            </p:extLst>
+          </p:nvPr>
+        </p:nvSpPr>
+        <p:spPr>
+          <a:xfrm>
+            <a:off x="0" y="0"/>
+            <a:ext cx="3284331" cy="6858000"/>
+          </a:xfrm>
+          <a:custGeom>
+            <a:avLst/>
+            <a:gdLst>
+              <a:gd name="connsiteX0" fmla="*/ 0 w 4319042"/>
+              <a:gd name="connsiteY0" fmla="*/ 0 h 6858000"/>
+              <a:gd name="connsiteX1" fmla="*/ 1142888 w 4319042"/>
+              <a:gd name="connsiteY1" fmla="*/ 0 h 6858000"/>
+              <a:gd name="connsiteX2" fmla="*/ 4319042 w 4319042"/>
+              <a:gd name="connsiteY2" fmla="*/ 6858000 h 6858000"/>
+              <a:gd name="connsiteX3" fmla="*/ 0 w 4319042"/>
+              <a:gd name="connsiteY3" fmla="*/ 6858000 h 6858000"/>
+            </a:gdLst>
+            <a:ahLst/>
+            <a:cxnLst>
+              <a:cxn ang="0">
+                <a:pos x="connsiteX0" y="connsiteY0"/>
+              </a:cxn>
+              <a:cxn ang="0">
+                <a:pos x="connsiteX1" y="connsiteY1"/>
+              </a:cxn>
+              <a:cxn ang="0">
+                <a:pos x="connsiteX2" y="connsiteY2"/>
+              </a:cxn>
+              <a:cxn ang="0">
+                <a:pos x="connsiteX3" y="connsiteY3"/>
+              </a:cxn>
+            </a:cxnLst>
+            <a:rect l="l" t="t" r="r" b="b"/>
+            <a:pathLst>
+              <a:path w="4319042" h="6858000">
+                <a:moveTo>
+                  <a:pt x="0" y="0"/>
+                </a:moveTo>
+                <a:lnTo>
+                  <a:pt x="1142888" y="0"/>
+                </a:lnTo>
+                <a:lnTo>
+                  <a:pt x="4319042" y="6858000"/>
+                </a:lnTo>
+                <a:lnTo>
+                  <a:pt x="0" y="6858000"/>
+                </a:lnTo>
+                <a:close/>
+              </a:path>
+            </a:pathLst>
+          </a:custGeom>
+          <a:solidFill>
+            <a:schemeClr val="tx1">
+              <a:alpha val="35000"/>
+            </a:schemeClr>
+          </a:solidFill>
+          <a:ln>
+            <a:noFill/>
+          </a:ln>
+        </p:spPr>
+        <p:style>
+          <a:lnRef idx="2">
+            <a:schemeClr val="accent1">
+              <a:shade val="50000"/>
+            </a:schemeClr>
+          </a:lnRef>
+          <a:fillRef idx="1">
+            <a:schemeClr val="accent1"/>
+          </a:fillRef>
+          <a:effectRef idx="0">
+            <a:schemeClr val="accent1"/>
+          </a:effectRef>
+          <a:fontRef idx="minor">
+            <a:schemeClr val="lt1"/>
+          </a:fontRef>
+        </p:style>
+        <p:txBody>
+          <a:bodyPr wrap="square" rtlCol="0" anchor="ctr">
+            <a:noAutofit/>
+          </a:bodyPr>
+          <a:lstStyle/>
+          <a:p>
+            <a:pPr marL="0" marR="0" lvl="0" indent="0" algn="ctr" defTabSz="914400" rtl="0" eaLnBrk="1" fontAlgn="auto" latinLnBrk="0" hangingPunct="1">
+              <a:lnSpc>
+                <a:spcPct val="100000"/>
+              </a:lnSpc>
+              <a:spcBef>
+                <a:spcPts val="0"/>
+              </a:spcBef>
+              <a:spcAft>
+                <a:spcPts val="0"/>
+              </a:spcAft>
+              <a:buClrTx/>
+              <a:buSzTx/>
+              <a:buFontTx/>
+              <a:buNone/>
+              <a:tabLst/>
+              <a:defRPr/>
+            </a:pPr>
+            <a:endParaRPr kumimoji="0" lang="en-US" sz="1800" b="0" i="0" u="none" strike="noStrike" kern="1200" cap="none" spc="0" normalizeH="0" baseline="0" noProof="0">
+              <a:ln>
+                <a:noFill/>
+              </a:ln>
+              <a:solidFill>
+                <a:prstClr val="white"/>
+              </a:solidFill>
+              <a:effectLst/>
+              <a:uLnTx/>
+              <a:uFillTx/>
+              <a:latin typeface="Calibri" panose="020F0502020204030204"/>
+              <a:ea typeface="+mn-ea"/>
+              <a:cs typeface="+mn-cs"/>
+            </a:endParaRPr>
+          </a:p>
+        </p:txBody>
+      </p:sp>
       <p:sp>
         <p:nvSpPr>
           <p:cNvPr id="2" name="Titel 1">
@@ -5505,29 +6406,46 @@
             <p:ph type="title"/>
           </p:nvPr>
         </p:nvSpPr>
-        <p:spPr/>
+        <p:spPr>
+          <a:xfrm>
+            <a:off x="804672" y="640080"/>
+            <a:ext cx="3282696" cy="5257800"/>
+          </a:xfrm>
+        </p:spPr>
         <p:txBody>
           <a:bodyPr>
-            <a:normAutofit fontScale="90000"/>
+            <a:normAutofit/>
           </a:bodyPr>
           <a:lstStyle/>
           <a:p>
             <a:r>
-              <a:rPr lang="nl-NL" dirty="0"/>
-              <a:t>Sprint </a:t>
-            </a:r>
-            <a:r>
-              <a:rPr lang="nl-NL" dirty="0" err="1"/>
-              <a:t>revieuw</a:t>
+              <a:rPr lang="nl-NL">
+                <a:solidFill>
+                  <a:schemeClr val="bg1"/>
+                </a:solidFill>
+              </a:rPr>
+              <a:t>Sprint revieuw</a:t>
             </a:r>
             <a:br>
-              <a:rPr lang="nl-NL" dirty="0"/>
+              <a:rPr lang="nl-NL">
+                <a:solidFill>
+                  <a:schemeClr val="bg1"/>
+                </a:solidFill>
+              </a:rPr>
             </a:br>
             <a:br>
-              <a:rPr lang="nl-NL" dirty="0"/>
+              <a:rPr lang="nl-NL">
+                <a:solidFill>
+                  <a:schemeClr val="bg1"/>
+                </a:solidFill>
+              </a:rPr>
             </a:br>
             <a:r>
-              <a:rPr lang="nl-NL" dirty="0"/>
+              <a:rPr lang="nl-NL">
+                <a:solidFill>
+                  <a:schemeClr val="bg1"/>
+                </a:solidFill>
+              </a:rPr>
               <a:t>Sander</a:t>
             </a:r>
           </a:p>
@@ -5549,25 +6467,32 @@
             <p:ph idx="1"/>
           </p:nvPr>
         </p:nvSpPr>
-        <p:spPr/>
-        <p:txBody>
-          <a:bodyPr/>
+        <p:spPr>
+          <a:xfrm>
+            <a:off x="5358384" y="640081"/>
+            <a:ext cx="6024654" cy="5257800"/>
+          </a:xfrm>
+        </p:spPr>
+        <p:txBody>
+          <a:bodyPr anchor="ctr">
+            <a:normAutofit/>
+          </a:bodyPr>
           <a:lstStyle/>
           <a:p>
             <a:pPr marL="0" indent="0">
               <a:buNone/>
             </a:pPr>
             <a:r>
-              <a:rPr lang="nl-NL" b="1" dirty="0"/>
+              <a:rPr lang="nl-NL" sz="2400" b="1"/>
               <a:t>User story: </a:t>
             </a:r>
             <a:r>
-              <a:rPr lang="nl-NL" dirty="0"/>
+              <a:rPr lang="nl-NL" sz="2400"/>
               <a:t>Als gebruiker wil ik verschillende acties kunnen uitvoeren zodat ik geld kan opnemen en balans bekijken. Dit wil ik ook bij andere banken kunnen doen, wel vind ik de beveiliging belangrijk dat andere mensen niet bij mijn rekening geld kunnen afschrijven.</a:t>
             </a:r>
           </a:p>
           <a:p>
-            <a:endParaRPr lang="nl-NL" dirty="0"/>
+            <a:endParaRPr lang="nl-NL" sz="2400"/>
           </a:p>
         </p:txBody>
       </p:sp>
@@ -5587,6 +6512,14 @@
 <file path=ppt/slides/slide5.xml><?xml version="1.0" encoding="utf-8"?>
 <p:sld xmlns:a="http://schemas.openxmlformats.org/drawingml/2006/main" xmlns:r="http://schemas.openxmlformats.org/officeDocument/2006/relationships" xmlns:p="http://schemas.openxmlformats.org/presentationml/2006/main">
   <p:cSld>
+    <p:bg>
+      <p:bgPr>
+        <a:solidFill>
+          <a:schemeClr val="bg1"/>
+        </a:solidFill>
+        <a:effectLst/>
+      </p:bgPr>
+    </p:bg>
     <p:spTree>
       <p:nvGrpSpPr>
         <p:cNvPr id="1" name=""/>
@@ -5601,6 +6534,328 @@
           <a:chExt cx="0" cy="0"/>
         </a:xfrm>
       </p:grpSpPr>
+      <p:sp useBgFill="1">
+        <p:nvSpPr>
+          <p:cNvPr id="8" name="Rectangle 7">
+            <a:extLst>
+              <a:ext uri="{FF2B5EF4-FFF2-40B4-BE49-F238E27FC236}">
+                <a16:creationId xmlns:a16="http://schemas.microsoft.com/office/drawing/2014/main" id="{C7FA33FF-088D-4F16-95A2-2C64D353DEA8}"/>
+              </a:ext>
+              <a:ext uri="{C183D7F6-B498-43B3-948B-1728B52AA6E4}">
+                <adec:decorative xmlns:adec="http://schemas.microsoft.com/office/drawing/2017/decorative" val="1"/>
+              </a:ext>
+            </a:extLst>
+          </p:cNvPr>
+          <p:cNvSpPr>
+            <a:spLocks noGrp="1" noRot="1" noChangeAspect="1" noMove="1" noResize="1" noEditPoints="1" noAdjustHandles="1" noChangeArrowheads="1" noChangeShapeType="1" noTextEdit="1"/>
+          </p:cNvSpPr>
+          <p:nvPr>
+            <p:extLst>
+              <p:ext uri="{386F3935-93C4-4BCD-93E2-E3B085C9AB24}">
+                <p16:designElem xmlns:p16="http://schemas.microsoft.com/office/powerpoint/2015/main" val="1"/>
+              </p:ext>
+            </p:extLst>
+          </p:nvPr>
+        </p:nvSpPr>
+        <p:spPr>
+          <a:xfrm>
+            <a:off x="1524" y="0"/>
+            <a:ext cx="12188952" cy="6858000"/>
+          </a:xfrm>
+          <a:prstGeom prst="rect">
+            <a:avLst/>
+          </a:prstGeom>
+          <a:ln>
+            <a:noFill/>
+          </a:ln>
+        </p:spPr>
+        <p:style>
+          <a:lnRef idx="2">
+            <a:schemeClr val="accent1">
+              <a:shade val="50000"/>
+            </a:schemeClr>
+          </a:lnRef>
+          <a:fillRef idx="1">
+            <a:schemeClr val="accent1"/>
+          </a:fillRef>
+          <a:effectRef idx="0">
+            <a:schemeClr val="accent1"/>
+          </a:effectRef>
+          <a:fontRef idx="minor">
+            <a:schemeClr val="lt1"/>
+          </a:fontRef>
+        </p:style>
+        <p:txBody>
+          <a:bodyPr rtlCol="0" anchor="ctr"/>
+          <a:lstStyle/>
+          <a:p>
+            <a:pPr marL="0" marR="0" lvl="0" indent="0" algn="ctr" defTabSz="914400" rtl="0" eaLnBrk="1" fontAlgn="auto" latinLnBrk="0" hangingPunct="1">
+              <a:lnSpc>
+                <a:spcPct val="100000"/>
+              </a:lnSpc>
+              <a:spcBef>
+                <a:spcPts val="0"/>
+              </a:spcBef>
+              <a:spcAft>
+                <a:spcPts val="0"/>
+              </a:spcAft>
+              <a:buClrTx/>
+              <a:buSzTx/>
+              <a:buFontTx/>
+              <a:buNone/>
+              <a:tabLst/>
+              <a:defRPr/>
+            </a:pPr>
+            <a:endParaRPr kumimoji="0" lang="en-US" sz="1800" b="0" i="0" u="none" strike="noStrike" kern="1200" cap="none" spc="0" normalizeH="0" baseline="0" noProof="0">
+              <a:ln>
+                <a:noFill/>
+              </a:ln>
+              <a:solidFill>
+                <a:prstClr val="white"/>
+              </a:solidFill>
+              <a:effectLst/>
+              <a:uLnTx/>
+              <a:uFillTx/>
+              <a:latin typeface="Calibri" panose="020F0502020204030204"/>
+              <a:ea typeface="+mn-ea"/>
+              <a:cs typeface="+mn-cs"/>
+            </a:endParaRPr>
+          </a:p>
+        </p:txBody>
+      </p:sp>
+      <p:sp>
+        <p:nvSpPr>
+          <p:cNvPr id="10" name="Rectangle 9">
+            <a:extLst>
+              <a:ext uri="{FF2B5EF4-FFF2-40B4-BE49-F238E27FC236}">
+                <a16:creationId xmlns:a16="http://schemas.microsoft.com/office/drawing/2014/main" id="{A376EFB1-01CF-419F-ABF1-2AF02BBFCBD1}"/>
+              </a:ext>
+              <a:ext uri="{C183D7F6-B498-43B3-948B-1728B52AA6E4}">
+                <adec:decorative xmlns:adec="http://schemas.microsoft.com/office/drawing/2017/decorative" val="1"/>
+              </a:ext>
+            </a:extLst>
+          </p:cNvPr>
+          <p:cNvSpPr>
+            <a:spLocks noGrp="1" noRot="1" noChangeAspect="1" noMove="1" noResize="1" noEditPoints="1" noAdjustHandles="1" noChangeArrowheads="1" noChangeShapeType="1" noTextEdit="1"/>
+          </p:cNvSpPr>
+          <p:nvPr>
+            <p:extLst>
+              <p:ext uri="{386F3935-93C4-4BCD-93E2-E3B085C9AB24}">
+                <p16:designElem xmlns:p16="http://schemas.microsoft.com/office/powerpoint/2015/main" val="1"/>
+              </p:ext>
+            </p:extLst>
+          </p:nvPr>
+        </p:nvSpPr>
+        <p:spPr>
+          <a:xfrm>
+            <a:off x="0" y="0"/>
+            <a:ext cx="4709160" cy="6858000"/>
+          </a:xfrm>
+          <a:prstGeom prst="rect">
+            <a:avLst/>
+          </a:prstGeom>
+          <a:solidFill>
+            <a:schemeClr val="tx1">
+              <a:alpha val="81000"/>
+            </a:schemeClr>
+          </a:solidFill>
+          <a:ln>
+            <a:noFill/>
+          </a:ln>
+        </p:spPr>
+        <p:style>
+          <a:lnRef idx="2">
+            <a:schemeClr val="accent1">
+              <a:shade val="50000"/>
+            </a:schemeClr>
+          </a:lnRef>
+          <a:fillRef idx="1">
+            <a:schemeClr val="accent1"/>
+          </a:fillRef>
+          <a:effectRef idx="0">
+            <a:schemeClr val="accent1"/>
+          </a:effectRef>
+          <a:fontRef idx="minor">
+            <a:schemeClr val="lt1"/>
+          </a:fontRef>
+        </p:style>
+        <p:txBody>
+          <a:bodyPr rtlCol="0" anchor="ctr"/>
+          <a:lstStyle/>
+          <a:p>
+            <a:pPr marL="0" marR="0" lvl="0" indent="0" algn="ctr" defTabSz="914400" rtl="0" eaLnBrk="1" fontAlgn="auto" latinLnBrk="0" hangingPunct="1">
+              <a:lnSpc>
+                <a:spcPct val="100000"/>
+              </a:lnSpc>
+              <a:spcBef>
+                <a:spcPts val="0"/>
+              </a:spcBef>
+              <a:spcAft>
+                <a:spcPts val="0"/>
+              </a:spcAft>
+              <a:buClrTx/>
+              <a:buSzTx/>
+              <a:buFontTx/>
+              <a:buNone/>
+              <a:tabLst/>
+              <a:defRPr/>
+            </a:pPr>
+            <a:endParaRPr kumimoji="0" lang="en-US" sz="1800" b="0" i="0" u="none" strike="noStrike" kern="1200" cap="none" spc="0" normalizeH="0" baseline="0" noProof="0">
+              <a:ln>
+                <a:noFill/>
+              </a:ln>
+              <a:solidFill>
+                <a:prstClr val="white"/>
+              </a:solidFill>
+              <a:effectLst/>
+              <a:uLnTx/>
+              <a:uFillTx/>
+              <a:latin typeface="Calibri" panose="020F0502020204030204"/>
+              <a:ea typeface="+mn-ea"/>
+              <a:cs typeface="+mn-cs"/>
+            </a:endParaRPr>
+          </a:p>
+        </p:txBody>
+      </p:sp>
+      <p:sp>
+        <p:nvSpPr>
+          <p:cNvPr id="12" name="Freeform: Shape 11">
+            <a:extLst>
+              <a:ext uri="{FF2B5EF4-FFF2-40B4-BE49-F238E27FC236}">
+                <a16:creationId xmlns:a16="http://schemas.microsoft.com/office/drawing/2014/main" id="{FF9DEA15-78BD-4750-AA18-B9F28A6D5AB8}"/>
+              </a:ext>
+              <a:ext uri="{C183D7F6-B498-43B3-948B-1728B52AA6E4}">
+                <adec:decorative xmlns:adec="http://schemas.microsoft.com/office/drawing/2017/decorative" val="1"/>
+              </a:ext>
+            </a:extLst>
+          </p:cNvPr>
+          <p:cNvSpPr>
+            <a:spLocks noGrp="1" noRot="1" noChangeAspect="1" noMove="1" noResize="1" noEditPoints="1" noAdjustHandles="1" noChangeArrowheads="1" noChangeShapeType="1" noTextEdit="1"/>
+          </p:cNvSpPr>
+          <p:nvPr>
+            <p:extLst>
+              <p:ext uri="{386F3935-93C4-4BCD-93E2-E3B085C9AB24}">
+                <p16:designElem xmlns:p16="http://schemas.microsoft.com/office/powerpoint/2015/main" val="1"/>
+              </p:ext>
+            </p:extLst>
+          </p:nvPr>
+        </p:nvSpPr>
+        <p:spPr>
+          <a:xfrm>
+            <a:off x="0" y="0"/>
+            <a:ext cx="3284331" cy="6858000"/>
+          </a:xfrm>
+          <a:custGeom>
+            <a:avLst/>
+            <a:gdLst>
+              <a:gd name="connsiteX0" fmla="*/ 0 w 4319042"/>
+              <a:gd name="connsiteY0" fmla="*/ 0 h 6858000"/>
+              <a:gd name="connsiteX1" fmla="*/ 1142888 w 4319042"/>
+              <a:gd name="connsiteY1" fmla="*/ 0 h 6858000"/>
+              <a:gd name="connsiteX2" fmla="*/ 4319042 w 4319042"/>
+              <a:gd name="connsiteY2" fmla="*/ 6858000 h 6858000"/>
+              <a:gd name="connsiteX3" fmla="*/ 0 w 4319042"/>
+              <a:gd name="connsiteY3" fmla="*/ 6858000 h 6858000"/>
+            </a:gdLst>
+            <a:ahLst/>
+            <a:cxnLst>
+              <a:cxn ang="0">
+                <a:pos x="connsiteX0" y="connsiteY0"/>
+              </a:cxn>
+              <a:cxn ang="0">
+                <a:pos x="connsiteX1" y="connsiteY1"/>
+              </a:cxn>
+              <a:cxn ang="0">
+                <a:pos x="connsiteX2" y="connsiteY2"/>
+              </a:cxn>
+              <a:cxn ang="0">
+                <a:pos x="connsiteX3" y="connsiteY3"/>
+              </a:cxn>
+            </a:cxnLst>
+            <a:rect l="l" t="t" r="r" b="b"/>
+            <a:pathLst>
+              <a:path w="4319042" h="6858000">
+                <a:moveTo>
+                  <a:pt x="0" y="0"/>
+                </a:moveTo>
+                <a:lnTo>
+                  <a:pt x="1142888" y="0"/>
+                </a:lnTo>
+                <a:lnTo>
+                  <a:pt x="4319042" y="6858000"/>
+                </a:lnTo>
+                <a:lnTo>
+                  <a:pt x="0" y="6858000"/>
+                </a:lnTo>
+                <a:close/>
+              </a:path>
+            </a:pathLst>
+          </a:custGeom>
+          <a:solidFill>
+            <a:schemeClr val="tx1">
+              <a:alpha val="35000"/>
+            </a:schemeClr>
+          </a:solidFill>
+          <a:ln>
+            <a:noFill/>
+          </a:ln>
+        </p:spPr>
+        <p:style>
+          <a:lnRef idx="2">
+            <a:schemeClr val="accent1">
+              <a:shade val="50000"/>
+            </a:schemeClr>
+          </a:lnRef>
+          <a:fillRef idx="1">
+            <a:schemeClr val="accent1"/>
+          </a:fillRef>
+          <a:effectRef idx="0">
+            <a:schemeClr val="accent1"/>
+          </a:effectRef>
+          <a:fontRef idx="minor">
+            <a:schemeClr val="lt1"/>
+          </a:fontRef>
+        </p:style>
+        <p:txBody>
+          <a:bodyPr wrap="square" rtlCol="0" anchor="ctr">
+            <a:noAutofit/>
+          </a:bodyPr>
+          <a:lstStyle/>
+          <a:p>
+            <a:pPr marL="0" marR="0" lvl="0" indent="0" algn="ctr" defTabSz="914400" rtl="0" eaLnBrk="1" fontAlgn="auto" latinLnBrk="0" hangingPunct="1">
+              <a:lnSpc>
+                <a:spcPct val="100000"/>
+              </a:lnSpc>
+              <a:spcBef>
+                <a:spcPts val="0"/>
+              </a:spcBef>
+              <a:spcAft>
+                <a:spcPts val="0"/>
+              </a:spcAft>
+              <a:buClrTx/>
+              <a:buSzTx/>
+              <a:buFontTx/>
+              <a:buNone/>
+              <a:tabLst/>
+              <a:defRPr/>
+            </a:pPr>
+            <a:endParaRPr kumimoji="0" lang="en-US" sz="1800" b="0" i="0" u="none" strike="noStrike" kern="1200" cap="none" spc="0" normalizeH="0" baseline="0" noProof="0">
+              <a:ln>
+                <a:noFill/>
+              </a:ln>
+              <a:solidFill>
+                <a:prstClr val="white"/>
+              </a:solidFill>
+              <a:effectLst/>
+              <a:uLnTx/>
+              <a:uFillTx/>
+              <a:latin typeface="Calibri" panose="020F0502020204030204"/>
+              <a:ea typeface="+mn-ea"/>
+              <a:cs typeface="+mn-cs"/>
+            </a:endParaRPr>
+          </a:p>
+        </p:txBody>
+      </p:sp>
       <p:sp>
         <p:nvSpPr>
           <p:cNvPr id="2" name="Titel 1">
@@ -5617,29 +6872,46 @@
             <p:ph type="title"/>
           </p:nvPr>
         </p:nvSpPr>
-        <p:spPr/>
+        <p:spPr>
+          <a:xfrm>
+            <a:off x="804672" y="640080"/>
+            <a:ext cx="3282696" cy="5257800"/>
+          </a:xfrm>
+        </p:spPr>
         <p:txBody>
           <a:bodyPr>
-            <a:normAutofit fontScale="90000"/>
+            <a:normAutofit/>
           </a:bodyPr>
           <a:lstStyle/>
           <a:p>
             <a:r>
-              <a:rPr lang="nl-NL" dirty="0"/>
-              <a:t>Sprint </a:t>
-            </a:r>
-            <a:r>
-              <a:rPr lang="nl-NL" dirty="0" err="1"/>
-              <a:t>revieuw</a:t>
+              <a:rPr lang="nl-NL">
+                <a:solidFill>
+                  <a:schemeClr val="bg1"/>
+                </a:solidFill>
+              </a:rPr>
+              <a:t>Sprint revieuw</a:t>
             </a:r>
             <a:br>
-              <a:rPr lang="nl-NL" dirty="0"/>
+              <a:rPr lang="nl-NL">
+                <a:solidFill>
+                  <a:schemeClr val="bg1"/>
+                </a:solidFill>
+              </a:rPr>
             </a:br>
             <a:br>
-              <a:rPr lang="nl-NL" dirty="0"/>
+              <a:rPr lang="nl-NL">
+                <a:solidFill>
+                  <a:schemeClr val="bg1"/>
+                </a:solidFill>
+              </a:rPr>
             </a:br>
             <a:r>
-              <a:rPr lang="nl-NL" dirty="0"/>
+              <a:rPr lang="nl-NL">
+                <a:solidFill>
+                  <a:schemeClr val="bg1"/>
+                </a:solidFill>
+              </a:rPr>
               <a:t>Ramon</a:t>
             </a:r>
           </a:p>
@@ -5661,25 +6933,32 @@
             <p:ph idx="1"/>
           </p:nvPr>
         </p:nvSpPr>
-        <p:spPr/>
-        <p:txBody>
-          <a:bodyPr/>
+        <p:spPr>
+          <a:xfrm>
+            <a:off x="5358384" y="640081"/>
+            <a:ext cx="6024654" cy="5257800"/>
+          </a:xfrm>
+        </p:spPr>
+        <p:txBody>
+          <a:bodyPr anchor="ctr">
+            <a:normAutofit/>
+          </a:bodyPr>
           <a:lstStyle/>
           <a:p>
             <a:pPr marL="0" indent="0">
               <a:buNone/>
             </a:pPr>
             <a:r>
-              <a:rPr lang="nl-NL" b="1" dirty="0"/>
+              <a:rPr lang="nl-NL" sz="2400" b="1"/>
               <a:t>User story: </a:t>
             </a:r>
             <a:r>
-              <a:rPr lang="nl-NL" dirty="0"/>
+              <a:rPr lang="nl-NL" sz="2400"/>
               <a:t>Als gebruiker wil ik dat mijn geld netjes in 1 bak komt te liggen zodat ik mijn geld makkelijk kan pakken nadat ik gepind heb.</a:t>
             </a:r>
           </a:p>
           <a:p>
-            <a:endParaRPr lang="nl-NL" dirty="0"/>
+            <a:endParaRPr lang="nl-NL" sz="2400"/>
           </a:p>
         </p:txBody>
       </p:sp>
@@ -5699,6 +6978,14 @@
 <file path=ppt/slides/slide6.xml><?xml version="1.0" encoding="utf-8"?>
 <p:sld xmlns:a="http://schemas.openxmlformats.org/drawingml/2006/main" xmlns:r="http://schemas.openxmlformats.org/officeDocument/2006/relationships" xmlns:p="http://schemas.openxmlformats.org/presentationml/2006/main">
   <p:cSld>
+    <p:bg>
+      <p:bgPr>
+        <a:solidFill>
+          <a:schemeClr val="bg1"/>
+        </a:solidFill>
+        <a:effectLst/>
+      </p:bgPr>
+    </p:bg>
     <p:spTree>
       <p:nvGrpSpPr>
         <p:cNvPr id="1" name=""/>
@@ -5713,6 +7000,328 @@
           <a:chExt cx="0" cy="0"/>
         </a:xfrm>
       </p:grpSpPr>
+      <p:sp useBgFill="1">
+        <p:nvSpPr>
+          <p:cNvPr id="8" name="Rectangle 7">
+            <a:extLst>
+              <a:ext uri="{FF2B5EF4-FFF2-40B4-BE49-F238E27FC236}">
+                <a16:creationId xmlns:a16="http://schemas.microsoft.com/office/drawing/2014/main" id="{C7FA33FF-088D-4F16-95A2-2C64D353DEA8}"/>
+              </a:ext>
+              <a:ext uri="{C183D7F6-B498-43B3-948B-1728B52AA6E4}">
+                <adec:decorative xmlns:adec="http://schemas.microsoft.com/office/drawing/2017/decorative" val="1"/>
+              </a:ext>
+            </a:extLst>
+          </p:cNvPr>
+          <p:cNvSpPr>
+            <a:spLocks noGrp="1" noRot="1" noChangeAspect="1" noMove="1" noResize="1" noEditPoints="1" noAdjustHandles="1" noChangeArrowheads="1" noChangeShapeType="1" noTextEdit="1"/>
+          </p:cNvSpPr>
+          <p:nvPr>
+            <p:extLst>
+              <p:ext uri="{386F3935-93C4-4BCD-93E2-E3B085C9AB24}">
+                <p16:designElem xmlns:p16="http://schemas.microsoft.com/office/powerpoint/2015/main" val="1"/>
+              </p:ext>
+            </p:extLst>
+          </p:nvPr>
+        </p:nvSpPr>
+        <p:spPr>
+          <a:xfrm>
+            <a:off x="1524" y="0"/>
+            <a:ext cx="12188952" cy="6858000"/>
+          </a:xfrm>
+          <a:prstGeom prst="rect">
+            <a:avLst/>
+          </a:prstGeom>
+          <a:ln>
+            <a:noFill/>
+          </a:ln>
+        </p:spPr>
+        <p:style>
+          <a:lnRef idx="2">
+            <a:schemeClr val="accent1">
+              <a:shade val="50000"/>
+            </a:schemeClr>
+          </a:lnRef>
+          <a:fillRef idx="1">
+            <a:schemeClr val="accent1"/>
+          </a:fillRef>
+          <a:effectRef idx="0">
+            <a:schemeClr val="accent1"/>
+          </a:effectRef>
+          <a:fontRef idx="minor">
+            <a:schemeClr val="lt1"/>
+          </a:fontRef>
+        </p:style>
+        <p:txBody>
+          <a:bodyPr rtlCol="0" anchor="ctr"/>
+          <a:lstStyle/>
+          <a:p>
+            <a:pPr marL="0" marR="0" lvl="0" indent="0" algn="ctr" defTabSz="914400" rtl="0" eaLnBrk="1" fontAlgn="auto" latinLnBrk="0" hangingPunct="1">
+              <a:lnSpc>
+                <a:spcPct val="100000"/>
+              </a:lnSpc>
+              <a:spcBef>
+                <a:spcPts val="0"/>
+              </a:spcBef>
+              <a:spcAft>
+                <a:spcPts val="0"/>
+              </a:spcAft>
+              <a:buClrTx/>
+              <a:buSzTx/>
+              <a:buFontTx/>
+              <a:buNone/>
+              <a:tabLst/>
+              <a:defRPr/>
+            </a:pPr>
+            <a:endParaRPr kumimoji="0" lang="en-US" sz="1800" b="0" i="0" u="none" strike="noStrike" kern="1200" cap="none" spc="0" normalizeH="0" baseline="0" noProof="0">
+              <a:ln>
+                <a:noFill/>
+              </a:ln>
+              <a:solidFill>
+                <a:prstClr val="white"/>
+              </a:solidFill>
+              <a:effectLst/>
+              <a:uLnTx/>
+              <a:uFillTx/>
+              <a:latin typeface="Calibri" panose="020F0502020204030204"/>
+              <a:ea typeface="+mn-ea"/>
+              <a:cs typeface="+mn-cs"/>
+            </a:endParaRPr>
+          </a:p>
+        </p:txBody>
+      </p:sp>
+      <p:sp>
+        <p:nvSpPr>
+          <p:cNvPr id="10" name="Rectangle 9">
+            <a:extLst>
+              <a:ext uri="{FF2B5EF4-FFF2-40B4-BE49-F238E27FC236}">
+                <a16:creationId xmlns:a16="http://schemas.microsoft.com/office/drawing/2014/main" id="{A376EFB1-01CF-419F-ABF1-2AF02BBFCBD1}"/>
+              </a:ext>
+              <a:ext uri="{C183D7F6-B498-43B3-948B-1728B52AA6E4}">
+                <adec:decorative xmlns:adec="http://schemas.microsoft.com/office/drawing/2017/decorative" val="1"/>
+              </a:ext>
+            </a:extLst>
+          </p:cNvPr>
+          <p:cNvSpPr>
+            <a:spLocks noGrp="1" noRot="1" noChangeAspect="1" noMove="1" noResize="1" noEditPoints="1" noAdjustHandles="1" noChangeArrowheads="1" noChangeShapeType="1" noTextEdit="1"/>
+          </p:cNvSpPr>
+          <p:nvPr>
+            <p:extLst>
+              <p:ext uri="{386F3935-93C4-4BCD-93E2-E3B085C9AB24}">
+                <p16:designElem xmlns:p16="http://schemas.microsoft.com/office/powerpoint/2015/main" val="1"/>
+              </p:ext>
+            </p:extLst>
+          </p:nvPr>
+        </p:nvSpPr>
+        <p:spPr>
+          <a:xfrm>
+            <a:off x="0" y="0"/>
+            <a:ext cx="4709160" cy="6858000"/>
+          </a:xfrm>
+          <a:prstGeom prst="rect">
+            <a:avLst/>
+          </a:prstGeom>
+          <a:solidFill>
+            <a:schemeClr val="tx1">
+              <a:alpha val="81000"/>
+            </a:schemeClr>
+          </a:solidFill>
+          <a:ln>
+            <a:noFill/>
+          </a:ln>
+        </p:spPr>
+        <p:style>
+          <a:lnRef idx="2">
+            <a:schemeClr val="accent1">
+              <a:shade val="50000"/>
+            </a:schemeClr>
+          </a:lnRef>
+          <a:fillRef idx="1">
+            <a:schemeClr val="accent1"/>
+          </a:fillRef>
+          <a:effectRef idx="0">
+            <a:schemeClr val="accent1"/>
+          </a:effectRef>
+          <a:fontRef idx="minor">
+            <a:schemeClr val="lt1"/>
+          </a:fontRef>
+        </p:style>
+        <p:txBody>
+          <a:bodyPr rtlCol="0" anchor="ctr"/>
+          <a:lstStyle/>
+          <a:p>
+            <a:pPr marL="0" marR="0" lvl="0" indent="0" algn="ctr" defTabSz="914400" rtl="0" eaLnBrk="1" fontAlgn="auto" latinLnBrk="0" hangingPunct="1">
+              <a:lnSpc>
+                <a:spcPct val="100000"/>
+              </a:lnSpc>
+              <a:spcBef>
+                <a:spcPts val="0"/>
+              </a:spcBef>
+              <a:spcAft>
+                <a:spcPts val="0"/>
+              </a:spcAft>
+              <a:buClrTx/>
+              <a:buSzTx/>
+              <a:buFontTx/>
+              <a:buNone/>
+              <a:tabLst/>
+              <a:defRPr/>
+            </a:pPr>
+            <a:endParaRPr kumimoji="0" lang="en-US" sz="1800" b="0" i="0" u="none" strike="noStrike" kern="1200" cap="none" spc="0" normalizeH="0" baseline="0" noProof="0">
+              <a:ln>
+                <a:noFill/>
+              </a:ln>
+              <a:solidFill>
+                <a:prstClr val="white"/>
+              </a:solidFill>
+              <a:effectLst/>
+              <a:uLnTx/>
+              <a:uFillTx/>
+              <a:latin typeface="Calibri" panose="020F0502020204030204"/>
+              <a:ea typeface="+mn-ea"/>
+              <a:cs typeface="+mn-cs"/>
+            </a:endParaRPr>
+          </a:p>
+        </p:txBody>
+      </p:sp>
+      <p:sp>
+        <p:nvSpPr>
+          <p:cNvPr id="12" name="Freeform: Shape 11">
+            <a:extLst>
+              <a:ext uri="{FF2B5EF4-FFF2-40B4-BE49-F238E27FC236}">
+                <a16:creationId xmlns:a16="http://schemas.microsoft.com/office/drawing/2014/main" id="{FF9DEA15-78BD-4750-AA18-B9F28A6D5AB8}"/>
+              </a:ext>
+              <a:ext uri="{C183D7F6-B498-43B3-948B-1728B52AA6E4}">
+                <adec:decorative xmlns:adec="http://schemas.microsoft.com/office/drawing/2017/decorative" val="1"/>
+              </a:ext>
+            </a:extLst>
+          </p:cNvPr>
+          <p:cNvSpPr>
+            <a:spLocks noGrp="1" noRot="1" noChangeAspect="1" noMove="1" noResize="1" noEditPoints="1" noAdjustHandles="1" noChangeArrowheads="1" noChangeShapeType="1" noTextEdit="1"/>
+          </p:cNvSpPr>
+          <p:nvPr>
+            <p:extLst>
+              <p:ext uri="{386F3935-93C4-4BCD-93E2-E3B085C9AB24}">
+                <p16:designElem xmlns:p16="http://schemas.microsoft.com/office/powerpoint/2015/main" val="1"/>
+              </p:ext>
+            </p:extLst>
+          </p:nvPr>
+        </p:nvSpPr>
+        <p:spPr>
+          <a:xfrm>
+            <a:off x="0" y="0"/>
+            <a:ext cx="3284331" cy="6858000"/>
+          </a:xfrm>
+          <a:custGeom>
+            <a:avLst/>
+            <a:gdLst>
+              <a:gd name="connsiteX0" fmla="*/ 0 w 4319042"/>
+              <a:gd name="connsiteY0" fmla="*/ 0 h 6858000"/>
+              <a:gd name="connsiteX1" fmla="*/ 1142888 w 4319042"/>
+              <a:gd name="connsiteY1" fmla="*/ 0 h 6858000"/>
+              <a:gd name="connsiteX2" fmla="*/ 4319042 w 4319042"/>
+              <a:gd name="connsiteY2" fmla="*/ 6858000 h 6858000"/>
+              <a:gd name="connsiteX3" fmla="*/ 0 w 4319042"/>
+              <a:gd name="connsiteY3" fmla="*/ 6858000 h 6858000"/>
+            </a:gdLst>
+            <a:ahLst/>
+            <a:cxnLst>
+              <a:cxn ang="0">
+                <a:pos x="connsiteX0" y="connsiteY0"/>
+              </a:cxn>
+              <a:cxn ang="0">
+                <a:pos x="connsiteX1" y="connsiteY1"/>
+              </a:cxn>
+              <a:cxn ang="0">
+                <a:pos x="connsiteX2" y="connsiteY2"/>
+              </a:cxn>
+              <a:cxn ang="0">
+                <a:pos x="connsiteX3" y="connsiteY3"/>
+              </a:cxn>
+            </a:cxnLst>
+            <a:rect l="l" t="t" r="r" b="b"/>
+            <a:pathLst>
+              <a:path w="4319042" h="6858000">
+                <a:moveTo>
+                  <a:pt x="0" y="0"/>
+                </a:moveTo>
+                <a:lnTo>
+                  <a:pt x="1142888" y="0"/>
+                </a:lnTo>
+                <a:lnTo>
+                  <a:pt x="4319042" y="6858000"/>
+                </a:lnTo>
+                <a:lnTo>
+                  <a:pt x="0" y="6858000"/>
+                </a:lnTo>
+                <a:close/>
+              </a:path>
+            </a:pathLst>
+          </a:custGeom>
+          <a:solidFill>
+            <a:schemeClr val="tx1">
+              <a:alpha val="35000"/>
+            </a:schemeClr>
+          </a:solidFill>
+          <a:ln>
+            <a:noFill/>
+          </a:ln>
+        </p:spPr>
+        <p:style>
+          <a:lnRef idx="2">
+            <a:schemeClr val="accent1">
+              <a:shade val="50000"/>
+            </a:schemeClr>
+          </a:lnRef>
+          <a:fillRef idx="1">
+            <a:schemeClr val="accent1"/>
+          </a:fillRef>
+          <a:effectRef idx="0">
+            <a:schemeClr val="accent1"/>
+          </a:effectRef>
+          <a:fontRef idx="minor">
+            <a:schemeClr val="lt1"/>
+          </a:fontRef>
+        </p:style>
+        <p:txBody>
+          <a:bodyPr wrap="square" rtlCol="0" anchor="ctr">
+            <a:noAutofit/>
+          </a:bodyPr>
+          <a:lstStyle/>
+          <a:p>
+            <a:pPr marL="0" marR="0" lvl="0" indent="0" algn="ctr" defTabSz="914400" rtl="0" eaLnBrk="1" fontAlgn="auto" latinLnBrk="0" hangingPunct="1">
+              <a:lnSpc>
+                <a:spcPct val="100000"/>
+              </a:lnSpc>
+              <a:spcBef>
+                <a:spcPts val="0"/>
+              </a:spcBef>
+              <a:spcAft>
+                <a:spcPts val="0"/>
+              </a:spcAft>
+              <a:buClrTx/>
+              <a:buSzTx/>
+              <a:buFontTx/>
+              <a:buNone/>
+              <a:tabLst/>
+              <a:defRPr/>
+            </a:pPr>
+            <a:endParaRPr kumimoji="0" lang="en-US" sz="1800" b="0" i="0" u="none" strike="noStrike" kern="1200" cap="none" spc="0" normalizeH="0" baseline="0" noProof="0">
+              <a:ln>
+                <a:noFill/>
+              </a:ln>
+              <a:solidFill>
+                <a:prstClr val="white"/>
+              </a:solidFill>
+              <a:effectLst/>
+              <a:uLnTx/>
+              <a:uFillTx/>
+              <a:latin typeface="Calibri" panose="020F0502020204030204"/>
+              <a:ea typeface="+mn-ea"/>
+              <a:cs typeface="+mn-cs"/>
+            </a:endParaRPr>
+          </a:p>
+        </p:txBody>
+      </p:sp>
       <p:sp>
         <p:nvSpPr>
           <p:cNvPr id="2" name="Titel 1">
@@ -5729,29 +7338,46 @@
             <p:ph type="title"/>
           </p:nvPr>
         </p:nvSpPr>
-        <p:spPr/>
+        <p:spPr>
+          <a:xfrm>
+            <a:off x="804672" y="640080"/>
+            <a:ext cx="3282696" cy="5257800"/>
+          </a:xfrm>
+        </p:spPr>
         <p:txBody>
           <a:bodyPr>
-            <a:normAutofit fontScale="90000"/>
+            <a:normAutofit/>
           </a:bodyPr>
           <a:lstStyle/>
           <a:p>
             <a:r>
-              <a:rPr lang="nl-NL" dirty="0"/>
-              <a:t>Sprint </a:t>
-            </a:r>
-            <a:r>
-              <a:rPr lang="nl-NL" dirty="0" err="1"/>
-              <a:t>revieuw</a:t>
+              <a:rPr lang="nl-NL">
+                <a:solidFill>
+                  <a:schemeClr val="bg1"/>
+                </a:solidFill>
+              </a:rPr>
+              <a:t>Sprint revieuw</a:t>
             </a:r>
             <a:br>
-              <a:rPr lang="nl-NL" dirty="0"/>
+              <a:rPr lang="nl-NL">
+                <a:solidFill>
+                  <a:schemeClr val="bg1"/>
+                </a:solidFill>
+              </a:rPr>
             </a:br>
             <a:br>
-              <a:rPr lang="nl-NL" dirty="0"/>
+              <a:rPr lang="nl-NL">
+                <a:solidFill>
+                  <a:schemeClr val="bg1"/>
+                </a:solidFill>
+              </a:rPr>
             </a:br>
             <a:r>
-              <a:rPr lang="nl-NL" dirty="0"/>
+              <a:rPr lang="nl-NL">
+                <a:solidFill>
+                  <a:schemeClr val="bg1"/>
+                </a:solidFill>
+              </a:rPr>
               <a:t>Jarno</a:t>
             </a:r>
           </a:p>
@@ -5773,20 +7399,27 @@
             <p:ph idx="1"/>
           </p:nvPr>
         </p:nvSpPr>
-        <p:spPr/>
-        <p:txBody>
-          <a:bodyPr/>
+        <p:spPr>
+          <a:xfrm>
+            <a:off x="5358384" y="640081"/>
+            <a:ext cx="6024654" cy="5257800"/>
+          </a:xfrm>
+        </p:spPr>
+        <p:txBody>
+          <a:bodyPr anchor="ctr">
+            <a:normAutofit/>
+          </a:bodyPr>
           <a:lstStyle/>
           <a:p>
             <a:pPr marL="0" indent="0">
               <a:buNone/>
             </a:pPr>
             <a:r>
-              <a:rPr lang="nl-NL" b="1" dirty="0"/>
+              <a:rPr lang="nl-NL" sz="2400" b="1"/>
               <a:t>User story: </a:t>
             </a:r>
             <a:r>
-              <a:rPr lang="nl-NL" dirty="0"/>
+              <a:rPr lang="nl-NL" sz="2400"/>
               <a:t>Als gebruiker wil ik kunnen navigeren, keuzes kunnen maken en visuele terugkeer krijgen zodat ik kan zien wat ik doe en wat mijn volgende stappen zijn. </a:t>
             </a:r>
           </a:p>
@@ -5795,7 +7428,7 @@
               <a:buNone/>
             </a:pPr>
             <a:r>
-              <a:rPr lang="nl-NL" dirty="0"/>
+              <a:rPr lang="nl-NL" sz="2400"/>
               <a:t>Als gebruiker wil ik een bon zodat ik mijn transactie op papier heb.</a:t>
             </a:r>
           </a:p>
@@ -5804,28 +7437,16 @@
               <a:buNone/>
             </a:pPr>
             <a:r>
-              <a:rPr lang="nl-NL" b="1" dirty="0" err="1"/>
-              <a:t>Owner</a:t>
-            </a:r>
-            <a:r>
-              <a:rPr lang="nl-NL" b="1" dirty="0"/>
-              <a:t> story: </a:t>
-            </a:r>
-            <a:r>
-              <a:rPr lang="nl-NL" dirty="0"/>
-              <a:t>Als </a:t>
-            </a:r>
-            <a:r>
-              <a:rPr lang="nl-NL" dirty="0" err="1"/>
-              <a:t>owner</a:t>
-            </a:r>
-            <a:r>
-              <a:rPr lang="nl-NL" dirty="0"/>
-              <a:t> wil ik instelling kunnen veranderen vanaf de gebruiker zijn interface zodat het systeem gemakkelijk aangepast kan worden.</a:t>
-            </a:r>
-          </a:p>
-          <a:p>
-            <a:endParaRPr lang="nl-NL" dirty="0"/>
+              <a:rPr lang="nl-NL" sz="2400" b="1"/>
+              <a:t>Owner story: </a:t>
+            </a:r>
+            <a:r>
+              <a:rPr lang="nl-NL" sz="2400"/>
+              <a:t>Als owner wil ik instelling kunnen veranderen vanaf de gebruiker zijn interface zodat het systeem gemakkelijk aangepast kan worden.</a:t>
+            </a:r>
+          </a:p>
+          <a:p>
+            <a:endParaRPr lang="nl-NL" sz="2400"/>
           </a:p>
         </p:txBody>
       </p:sp>
@@ -6218,8 +7839,12 @@
               <a:buNone/>
             </a:pPr>
             <a:r>
+              <a:rPr lang="nl-NL" b="1" dirty="0"/>
+              <a:t>User story: </a:t>
+            </a:r>
+            <a:r>
               <a:rPr lang="nl-NL" dirty="0"/>
-              <a:t>User story: </a:t>
+              <a:t>Als gebruiker wil geld kunnen ontvangen als ik dit invoer op de pinautomaat zodat het gepinde geld kan ontvangen</a:t>
             </a:r>
           </a:p>
           <a:p>
@@ -6227,8 +7852,12 @@
               <a:buNone/>
             </a:pPr>
             <a:r>
+              <a:rPr lang="nl-NL" b="1" dirty="0"/>
+              <a:t>Taak: </a:t>
+            </a:r>
+            <a:r>
               <a:rPr lang="nl-NL" dirty="0"/>
-              <a:t>Taak: </a:t>
+              <a:t>Pinautomaat in elkaar zetten en de hardware van de gelddispensers in elkaar zetten.</a:t>
             </a:r>
           </a:p>
           <a:p>
@@ -6236,12 +7865,25 @@
               <a:buNone/>
             </a:pPr>
             <a:r>
-              <a:rPr lang="nl-NL" dirty="0" err="1"/>
+              <a:rPr lang="nl-NL" dirty="0"/>
+              <a:t>Code schrijven voor de gelddispensers.</a:t>
+            </a:r>
+          </a:p>
+          <a:p>
+            <a:pPr marL="0" indent="0">
+              <a:buNone/>
+            </a:pPr>
+            <a:r>
+              <a:rPr lang="nl-NL" b="1" dirty="0" err="1"/>
               <a:t>Acceptance</a:t>
             </a:r>
             <a:r>
+              <a:rPr lang="nl-NL" b="1" dirty="0"/>
+              <a:t> Criteria: </a:t>
+            </a:r>
+            <a:r>
               <a:rPr lang="nl-NL" dirty="0"/>
-              <a:t> Criteria: </a:t>
+              <a:t>De gelddispensers moeten de goede hoeveelheid geld kunnen uitwerpen in het geldbakje.</a:t>
             </a:r>
           </a:p>
           <a:p>
@@ -6249,8 +7891,12 @@
               <a:buNone/>
             </a:pPr>
             <a:r>
+              <a:rPr lang="nl-NL" b="1" dirty="0"/>
+              <a:t>Story Points: </a:t>
+            </a:r>
+            <a:r>
               <a:rPr lang="nl-NL" dirty="0"/>
-              <a:t>Story Points: </a:t>
+              <a:t>2</a:t>
             </a:r>
           </a:p>
           <a:p>

--- a/Presentaties/PresentatieSprint5.pptx
+++ b/Presentaties/PresentatieSprint5.pptx
@@ -121,223 +121,6 @@
     </p:ext>
   </p:extLst>
 </p:presentation>
-</file>
-
-<file path=ppt/changesInfos/changesInfo1.xml><?xml version="1.0" encoding="utf-8"?>
-<pc:chgInfo xmlns:a="http://schemas.openxmlformats.org/drawingml/2006/main" xmlns:r="http://schemas.openxmlformats.org/officeDocument/2006/relationships" xmlns:ac="http://schemas.microsoft.com/office/drawing/2013/main/command" xmlns:pc="http://schemas.microsoft.com/office/powerpoint/2013/main/command">
-  <pc:docChgLst>
-    <pc:chgData name="Ramon Burgstad" userId="5061cdd7803951a7" providerId="LiveId" clId="{7940AC70-7652-4160-9E84-4B8D1EF534F6}"/>
-    <pc:docChg chg="custSel modSld">
-      <pc:chgData name="Ramon Burgstad" userId="5061cdd7803951a7" providerId="LiveId" clId="{7940AC70-7652-4160-9E84-4B8D1EF534F6}" dt="2021-05-20T12:12:12.530" v="423" actId="113"/>
-      <pc:docMkLst>
-        <pc:docMk/>
-      </pc:docMkLst>
-      <pc:sldChg chg="addSp modSp mod setBg">
-        <pc:chgData name="Ramon Burgstad" userId="5061cdd7803951a7" providerId="LiveId" clId="{7940AC70-7652-4160-9E84-4B8D1EF534F6}" dt="2021-05-20T12:08:48.725" v="0" actId="26606"/>
-        <pc:sldMkLst>
-          <pc:docMk/>
-          <pc:sldMk cId="1207477439" sldId="258"/>
-        </pc:sldMkLst>
-        <pc:spChg chg="mod">
-          <ac:chgData name="Ramon Burgstad" userId="5061cdd7803951a7" providerId="LiveId" clId="{7940AC70-7652-4160-9E84-4B8D1EF534F6}" dt="2021-05-20T12:08:48.725" v="0" actId="26606"/>
-          <ac:spMkLst>
-            <pc:docMk/>
-            <pc:sldMk cId="1207477439" sldId="258"/>
-            <ac:spMk id="2" creationId="{C2599DB9-2E9C-4BDE-8865-D939AEFBAEEF}"/>
-          </ac:spMkLst>
-        </pc:spChg>
-        <pc:spChg chg="mod">
-          <ac:chgData name="Ramon Burgstad" userId="5061cdd7803951a7" providerId="LiveId" clId="{7940AC70-7652-4160-9E84-4B8D1EF534F6}" dt="2021-05-20T12:08:48.725" v="0" actId="26606"/>
-          <ac:spMkLst>
-            <pc:docMk/>
-            <pc:sldMk cId="1207477439" sldId="258"/>
-            <ac:spMk id="3" creationId="{75057052-85EA-49B1-A344-57FCF793241B}"/>
-          </ac:spMkLst>
-        </pc:spChg>
-        <pc:spChg chg="add">
-          <ac:chgData name="Ramon Burgstad" userId="5061cdd7803951a7" providerId="LiveId" clId="{7940AC70-7652-4160-9E84-4B8D1EF534F6}" dt="2021-05-20T12:08:48.725" v="0" actId="26606"/>
-          <ac:spMkLst>
-            <pc:docMk/>
-            <pc:sldMk cId="1207477439" sldId="258"/>
-            <ac:spMk id="8" creationId="{C7FA33FF-088D-4F16-95A2-2C64D353DEA8}"/>
-          </ac:spMkLst>
-        </pc:spChg>
-        <pc:spChg chg="add">
-          <ac:chgData name="Ramon Burgstad" userId="5061cdd7803951a7" providerId="LiveId" clId="{7940AC70-7652-4160-9E84-4B8D1EF534F6}" dt="2021-05-20T12:08:48.725" v="0" actId="26606"/>
-          <ac:spMkLst>
-            <pc:docMk/>
-            <pc:sldMk cId="1207477439" sldId="258"/>
-            <ac:spMk id="10" creationId="{A376EFB1-01CF-419F-ABF1-2AF02BBFCBD1}"/>
-          </ac:spMkLst>
-        </pc:spChg>
-        <pc:spChg chg="add">
-          <ac:chgData name="Ramon Burgstad" userId="5061cdd7803951a7" providerId="LiveId" clId="{7940AC70-7652-4160-9E84-4B8D1EF534F6}" dt="2021-05-20T12:08:48.725" v="0" actId="26606"/>
-          <ac:spMkLst>
-            <pc:docMk/>
-            <pc:sldMk cId="1207477439" sldId="258"/>
-            <ac:spMk id="12" creationId="{FF9DEA15-78BD-4750-AA18-B9F28A6D5AB8}"/>
-          </ac:spMkLst>
-        </pc:spChg>
-      </pc:sldChg>
-      <pc:sldChg chg="addSp modSp mod setBg">
-        <pc:chgData name="Ramon Burgstad" userId="5061cdd7803951a7" providerId="LiveId" clId="{7940AC70-7652-4160-9E84-4B8D1EF534F6}" dt="2021-05-20T12:08:51.747" v="1" actId="26606"/>
-        <pc:sldMkLst>
-          <pc:docMk/>
-          <pc:sldMk cId="1076479991" sldId="262"/>
-        </pc:sldMkLst>
-        <pc:spChg chg="mod">
-          <ac:chgData name="Ramon Burgstad" userId="5061cdd7803951a7" providerId="LiveId" clId="{7940AC70-7652-4160-9E84-4B8D1EF534F6}" dt="2021-05-20T12:08:51.747" v="1" actId="26606"/>
-          <ac:spMkLst>
-            <pc:docMk/>
-            <pc:sldMk cId="1076479991" sldId="262"/>
-            <ac:spMk id="2" creationId="{C2599DB9-2E9C-4BDE-8865-D939AEFBAEEF}"/>
-          </ac:spMkLst>
-        </pc:spChg>
-        <pc:spChg chg="mod">
-          <ac:chgData name="Ramon Burgstad" userId="5061cdd7803951a7" providerId="LiveId" clId="{7940AC70-7652-4160-9E84-4B8D1EF534F6}" dt="2021-05-20T12:08:51.747" v="1" actId="26606"/>
-          <ac:spMkLst>
-            <pc:docMk/>
-            <pc:sldMk cId="1076479991" sldId="262"/>
-            <ac:spMk id="3" creationId="{75057052-85EA-49B1-A344-57FCF793241B}"/>
-          </ac:spMkLst>
-        </pc:spChg>
-        <pc:spChg chg="add">
-          <ac:chgData name="Ramon Burgstad" userId="5061cdd7803951a7" providerId="LiveId" clId="{7940AC70-7652-4160-9E84-4B8D1EF534F6}" dt="2021-05-20T12:08:51.747" v="1" actId="26606"/>
-          <ac:spMkLst>
-            <pc:docMk/>
-            <pc:sldMk cId="1076479991" sldId="262"/>
-            <ac:spMk id="8" creationId="{C7FA33FF-088D-4F16-95A2-2C64D353DEA8}"/>
-          </ac:spMkLst>
-        </pc:spChg>
-        <pc:spChg chg="add">
-          <ac:chgData name="Ramon Burgstad" userId="5061cdd7803951a7" providerId="LiveId" clId="{7940AC70-7652-4160-9E84-4B8D1EF534F6}" dt="2021-05-20T12:08:51.747" v="1" actId="26606"/>
-          <ac:spMkLst>
-            <pc:docMk/>
-            <pc:sldMk cId="1076479991" sldId="262"/>
-            <ac:spMk id="10" creationId="{A376EFB1-01CF-419F-ABF1-2AF02BBFCBD1}"/>
-          </ac:spMkLst>
-        </pc:spChg>
-        <pc:spChg chg="add">
-          <ac:chgData name="Ramon Burgstad" userId="5061cdd7803951a7" providerId="LiveId" clId="{7940AC70-7652-4160-9E84-4B8D1EF534F6}" dt="2021-05-20T12:08:51.747" v="1" actId="26606"/>
-          <ac:spMkLst>
-            <pc:docMk/>
-            <pc:sldMk cId="1076479991" sldId="262"/>
-            <ac:spMk id="12" creationId="{FF9DEA15-78BD-4750-AA18-B9F28A6D5AB8}"/>
-          </ac:spMkLst>
-        </pc:spChg>
-      </pc:sldChg>
-      <pc:sldChg chg="addSp modSp mod setBg">
-        <pc:chgData name="Ramon Burgstad" userId="5061cdd7803951a7" providerId="LiveId" clId="{7940AC70-7652-4160-9E84-4B8D1EF534F6}" dt="2021-05-20T12:08:54.618" v="2" actId="26606"/>
-        <pc:sldMkLst>
-          <pc:docMk/>
-          <pc:sldMk cId="598361403" sldId="263"/>
-        </pc:sldMkLst>
-        <pc:spChg chg="mod">
-          <ac:chgData name="Ramon Burgstad" userId="5061cdd7803951a7" providerId="LiveId" clId="{7940AC70-7652-4160-9E84-4B8D1EF534F6}" dt="2021-05-20T12:08:54.618" v="2" actId="26606"/>
-          <ac:spMkLst>
-            <pc:docMk/>
-            <pc:sldMk cId="598361403" sldId="263"/>
-            <ac:spMk id="2" creationId="{C2599DB9-2E9C-4BDE-8865-D939AEFBAEEF}"/>
-          </ac:spMkLst>
-        </pc:spChg>
-        <pc:spChg chg="mod">
-          <ac:chgData name="Ramon Burgstad" userId="5061cdd7803951a7" providerId="LiveId" clId="{7940AC70-7652-4160-9E84-4B8D1EF534F6}" dt="2021-05-20T12:08:54.618" v="2" actId="26606"/>
-          <ac:spMkLst>
-            <pc:docMk/>
-            <pc:sldMk cId="598361403" sldId="263"/>
-            <ac:spMk id="3" creationId="{75057052-85EA-49B1-A344-57FCF793241B}"/>
-          </ac:spMkLst>
-        </pc:spChg>
-        <pc:spChg chg="add">
-          <ac:chgData name="Ramon Burgstad" userId="5061cdd7803951a7" providerId="LiveId" clId="{7940AC70-7652-4160-9E84-4B8D1EF534F6}" dt="2021-05-20T12:08:54.618" v="2" actId="26606"/>
-          <ac:spMkLst>
-            <pc:docMk/>
-            <pc:sldMk cId="598361403" sldId="263"/>
-            <ac:spMk id="8" creationId="{C7FA33FF-088D-4F16-95A2-2C64D353DEA8}"/>
-          </ac:spMkLst>
-        </pc:spChg>
-        <pc:spChg chg="add">
-          <ac:chgData name="Ramon Burgstad" userId="5061cdd7803951a7" providerId="LiveId" clId="{7940AC70-7652-4160-9E84-4B8D1EF534F6}" dt="2021-05-20T12:08:54.618" v="2" actId="26606"/>
-          <ac:spMkLst>
-            <pc:docMk/>
-            <pc:sldMk cId="598361403" sldId="263"/>
-            <ac:spMk id="10" creationId="{A376EFB1-01CF-419F-ABF1-2AF02BBFCBD1}"/>
-          </ac:spMkLst>
-        </pc:spChg>
-        <pc:spChg chg="add">
-          <ac:chgData name="Ramon Burgstad" userId="5061cdd7803951a7" providerId="LiveId" clId="{7940AC70-7652-4160-9E84-4B8D1EF534F6}" dt="2021-05-20T12:08:54.618" v="2" actId="26606"/>
-          <ac:spMkLst>
-            <pc:docMk/>
-            <pc:sldMk cId="598361403" sldId="263"/>
-            <ac:spMk id="12" creationId="{FF9DEA15-78BD-4750-AA18-B9F28A6D5AB8}"/>
-          </ac:spMkLst>
-        </pc:spChg>
-      </pc:sldChg>
-      <pc:sldChg chg="addSp modSp mod setBg">
-        <pc:chgData name="Ramon Burgstad" userId="5061cdd7803951a7" providerId="LiveId" clId="{7940AC70-7652-4160-9E84-4B8D1EF534F6}" dt="2021-05-20T12:08:57.260" v="3" actId="26606"/>
-        <pc:sldMkLst>
-          <pc:docMk/>
-          <pc:sldMk cId="4191061824" sldId="264"/>
-        </pc:sldMkLst>
-        <pc:spChg chg="mod">
-          <ac:chgData name="Ramon Burgstad" userId="5061cdd7803951a7" providerId="LiveId" clId="{7940AC70-7652-4160-9E84-4B8D1EF534F6}" dt="2021-05-20T12:08:57.260" v="3" actId="26606"/>
-          <ac:spMkLst>
-            <pc:docMk/>
-            <pc:sldMk cId="4191061824" sldId="264"/>
-            <ac:spMk id="2" creationId="{C2599DB9-2E9C-4BDE-8865-D939AEFBAEEF}"/>
-          </ac:spMkLst>
-        </pc:spChg>
-        <pc:spChg chg="mod">
-          <ac:chgData name="Ramon Burgstad" userId="5061cdd7803951a7" providerId="LiveId" clId="{7940AC70-7652-4160-9E84-4B8D1EF534F6}" dt="2021-05-20T12:08:57.260" v="3" actId="26606"/>
-          <ac:spMkLst>
-            <pc:docMk/>
-            <pc:sldMk cId="4191061824" sldId="264"/>
-            <ac:spMk id="3" creationId="{75057052-85EA-49B1-A344-57FCF793241B}"/>
-          </ac:spMkLst>
-        </pc:spChg>
-        <pc:spChg chg="add">
-          <ac:chgData name="Ramon Burgstad" userId="5061cdd7803951a7" providerId="LiveId" clId="{7940AC70-7652-4160-9E84-4B8D1EF534F6}" dt="2021-05-20T12:08:57.260" v="3" actId="26606"/>
-          <ac:spMkLst>
-            <pc:docMk/>
-            <pc:sldMk cId="4191061824" sldId="264"/>
-            <ac:spMk id="8" creationId="{C7FA33FF-088D-4F16-95A2-2C64D353DEA8}"/>
-          </ac:spMkLst>
-        </pc:spChg>
-        <pc:spChg chg="add">
-          <ac:chgData name="Ramon Burgstad" userId="5061cdd7803951a7" providerId="LiveId" clId="{7940AC70-7652-4160-9E84-4B8D1EF534F6}" dt="2021-05-20T12:08:57.260" v="3" actId="26606"/>
-          <ac:spMkLst>
-            <pc:docMk/>
-            <pc:sldMk cId="4191061824" sldId="264"/>
-            <ac:spMk id="10" creationId="{A376EFB1-01CF-419F-ABF1-2AF02BBFCBD1}"/>
-          </ac:spMkLst>
-        </pc:spChg>
-        <pc:spChg chg="add">
-          <ac:chgData name="Ramon Burgstad" userId="5061cdd7803951a7" providerId="LiveId" clId="{7940AC70-7652-4160-9E84-4B8D1EF534F6}" dt="2021-05-20T12:08:57.260" v="3" actId="26606"/>
-          <ac:spMkLst>
-            <pc:docMk/>
-            <pc:sldMk cId="4191061824" sldId="264"/>
-            <ac:spMk id="12" creationId="{FF9DEA15-78BD-4750-AA18-B9F28A6D5AB8}"/>
-          </ac:spMkLst>
-        </pc:spChg>
-      </pc:sldChg>
-      <pc:sldChg chg="modSp mod">
-        <pc:chgData name="Ramon Burgstad" userId="5061cdd7803951a7" providerId="LiveId" clId="{7940AC70-7652-4160-9E84-4B8D1EF534F6}" dt="2021-05-20T12:12:12.530" v="423" actId="113"/>
-        <pc:sldMkLst>
-          <pc:docMk/>
-          <pc:sldMk cId="68933202" sldId="266"/>
-        </pc:sldMkLst>
-        <pc:spChg chg="mod">
-          <ac:chgData name="Ramon Burgstad" userId="5061cdd7803951a7" providerId="LiveId" clId="{7940AC70-7652-4160-9E84-4B8D1EF534F6}" dt="2021-05-20T12:12:12.530" v="423" actId="113"/>
-          <ac:spMkLst>
-            <pc:docMk/>
-            <pc:sldMk cId="68933202" sldId="266"/>
-            <ac:spMk id="3" creationId="{0B758496-B0E4-4E90-AD66-5CA4C8EF25AF}"/>
-          </ac:spMkLst>
-        </pc:spChg>
-      </pc:sldChg>
-    </pc:docChg>
-  </pc:docChgLst>
-</pc:chgInfo>
 </file>
 
 <file path=ppt/slideLayouts/slideLayout1.xml><?xml version="1.0" encoding="utf-8"?>
@@ -4099,6 +3882,14 @@
 <file path=ppt/slides/slide10.xml><?xml version="1.0" encoding="utf-8"?>
 <p:sld xmlns:a="http://schemas.openxmlformats.org/drawingml/2006/main" xmlns:r="http://schemas.openxmlformats.org/officeDocument/2006/relationships" xmlns:p="http://schemas.openxmlformats.org/presentationml/2006/main">
   <p:cSld>
+    <p:bg>
+      <p:bgPr>
+        <a:solidFill>
+          <a:schemeClr val="bg1"/>
+        </a:solidFill>
+        <a:effectLst/>
+      </p:bgPr>
+    </p:bg>
     <p:spTree>
       <p:nvGrpSpPr>
         <p:cNvPr id="1" name=""/>
@@ -4113,6 +3904,328 @@
           <a:chExt cx="0" cy="0"/>
         </a:xfrm>
       </p:grpSpPr>
+      <p:sp useBgFill="1">
+        <p:nvSpPr>
+          <p:cNvPr id="8" name="Rectangle 7">
+            <a:extLst>
+              <a:ext uri="{FF2B5EF4-FFF2-40B4-BE49-F238E27FC236}">
+                <a16:creationId xmlns:a16="http://schemas.microsoft.com/office/drawing/2014/main" id="{C7FA33FF-088D-4F16-95A2-2C64D353DEA8}"/>
+              </a:ext>
+              <a:ext uri="{C183D7F6-B498-43B3-948B-1728B52AA6E4}">
+                <adec:decorative xmlns:adec="http://schemas.microsoft.com/office/drawing/2017/decorative" val="1"/>
+              </a:ext>
+            </a:extLst>
+          </p:cNvPr>
+          <p:cNvSpPr>
+            <a:spLocks noGrp="1" noRot="1" noChangeAspect="1" noMove="1" noResize="1" noEditPoints="1" noAdjustHandles="1" noChangeArrowheads="1" noChangeShapeType="1" noTextEdit="1"/>
+          </p:cNvSpPr>
+          <p:nvPr>
+            <p:extLst>
+              <p:ext uri="{386F3935-93C4-4BCD-93E2-E3B085C9AB24}">
+                <p16:designElem xmlns:p16="http://schemas.microsoft.com/office/powerpoint/2015/main" val="1"/>
+              </p:ext>
+            </p:extLst>
+          </p:nvPr>
+        </p:nvSpPr>
+        <p:spPr>
+          <a:xfrm>
+            <a:off x="1524" y="0"/>
+            <a:ext cx="12188952" cy="6858000"/>
+          </a:xfrm>
+          <a:prstGeom prst="rect">
+            <a:avLst/>
+          </a:prstGeom>
+          <a:ln>
+            <a:noFill/>
+          </a:ln>
+        </p:spPr>
+        <p:style>
+          <a:lnRef idx="2">
+            <a:schemeClr val="accent1">
+              <a:shade val="50000"/>
+            </a:schemeClr>
+          </a:lnRef>
+          <a:fillRef idx="1">
+            <a:schemeClr val="accent1"/>
+          </a:fillRef>
+          <a:effectRef idx="0">
+            <a:schemeClr val="accent1"/>
+          </a:effectRef>
+          <a:fontRef idx="minor">
+            <a:schemeClr val="lt1"/>
+          </a:fontRef>
+        </p:style>
+        <p:txBody>
+          <a:bodyPr rtlCol="0" anchor="ctr"/>
+          <a:lstStyle/>
+          <a:p>
+            <a:pPr marL="0" marR="0" lvl="0" indent="0" algn="ctr" defTabSz="914400" rtl="0" eaLnBrk="1" fontAlgn="auto" latinLnBrk="0" hangingPunct="1">
+              <a:lnSpc>
+                <a:spcPct val="100000"/>
+              </a:lnSpc>
+              <a:spcBef>
+                <a:spcPts val="0"/>
+              </a:spcBef>
+              <a:spcAft>
+                <a:spcPts val="0"/>
+              </a:spcAft>
+              <a:buClrTx/>
+              <a:buSzTx/>
+              <a:buFontTx/>
+              <a:buNone/>
+              <a:tabLst/>
+              <a:defRPr/>
+            </a:pPr>
+            <a:endParaRPr kumimoji="0" lang="en-US" sz="1800" b="0" i="0" u="none" strike="noStrike" kern="1200" cap="none" spc="0" normalizeH="0" baseline="0" noProof="0">
+              <a:ln>
+                <a:noFill/>
+              </a:ln>
+              <a:solidFill>
+                <a:prstClr val="white"/>
+              </a:solidFill>
+              <a:effectLst/>
+              <a:uLnTx/>
+              <a:uFillTx/>
+              <a:latin typeface="Calibri" panose="020F0502020204030204"/>
+              <a:ea typeface="+mn-ea"/>
+              <a:cs typeface="+mn-cs"/>
+            </a:endParaRPr>
+          </a:p>
+        </p:txBody>
+      </p:sp>
+      <p:sp>
+        <p:nvSpPr>
+          <p:cNvPr id="10" name="Rectangle 9">
+            <a:extLst>
+              <a:ext uri="{FF2B5EF4-FFF2-40B4-BE49-F238E27FC236}">
+                <a16:creationId xmlns:a16="http://schemas.microsoft.com/office/drawing/2014/main" id="{A376EFB1-01CF-419F-ABF1-2AF02BBFCBD1}"/>
+              </a:ext>
+              <a:ext uri="{C183D7F6-B498-43B3-948B-1728B52AA6E4}">
+                <adec:decorative xmlns:adec="http://schemas.microsoft.com/office/drawing/2017/decorative" val="1"/>
+              </a:ext>
+            </a:extLst>
+          </p:cNvPr>
+          <p:cNvSpPr>
+            <a:spLocks noGrp="1" noRot="1" noChangeAspect="1" noMove="1" noResize="1" noEditPoints="1" noAdjustHandles="1" noChangeArrowheads="1" noChangeShapeType="1" noTextEdit="1"/>
+          </p:cNvSpPr>
+          <p:nvPr>
+            <p:extLst>
+              <p:ext uri="{386F3935-93C4-4BCD-93E2-E3B085C9AB24}">
+                <p16:designElem xmlns:p16="http://schemas.microsoft.com/office/powerpoint/2015/main" val="1"/>
+              </p:ext>
+            </p:extLst>
+          </p:nvPr>
+        </p:nvSpPr>
+        <p:spPr>
+          <a:xfrm>
+            <a:off x="0" y="0"/>
+            <a:ext cx="4709160" cy="6858000"/>
+          </a:xfrm>
+          <a:prstGeom prst="rect">
+            <a:avLst/>
+          </a:prstGeom>
+          <a:solidFill>
+            <a:schemeClr val="tx1">
+              <a:alpha val="81000"/>
+            </a:schemeClr>
+          </a:solidFill>
+          <a:ln>
+            <a:noFill/>
+          </a:ln>
+        </p:spPr>
+        <p:style>
+          <a:lnRef idx="2">
+            <a:schemeClr val="accent1">
+              <a:shade val="50000"/>
+            </a:schemeClr>
+          </a:lnRef>
+          <a:fillRef idx="1">
+            <a:schemeClr val="accent1"/>
+          </a:fillRef>
+          <a:effectRef idx="0">
+            <a:schemeClr val="accent1"/>
+          </a:effectRef>
+          <a:fontRef idx="minor">
+            <a:schemeClr val="lt1"/>
+          </a:fontRef>
+        </p:style>
+        <p:txBody>
+          <a:bodyPr rtlCol="0" anchor="ctr"/>
+          <a:lstStyle/>
+          <a:p>
+            <a:pPr marL="0" marR="0" lvl="0" indent="0" algn="ctr" defTabSz="914400" rtl="0" eaLnBrk="1" fontAlgn="auto" latinLnBrk="0" hangingPunct="1">
+              <a:lnSpc>
+                <a:spcPct val="100000"/>
+              </a:lnSpc>
+              <a:spcBef>
+                <a:spcPts val="0"/>
+              </a:spcBef>
+              <a:spcAft>
+                <a:spcPts val="0"/>
+              </a:spcAft>
+              <a:buClrTx/>
+              <a:buSzTx/>
+              <a:buFontTx/>
+              <a:buNone/>
+              <a:tabLst/>
+              <a:defRPr/>
+            </a:pPr>
+            <a:endParaRPr kumimoji="0" lang="en-US" sz="1800" b="0" i="0" u="none" strike="noStrike" kern="1200" cap="none" spc="0" normalizeH="0" baseline="0" noProof="0">
+              <a:ln>
+                <a:noFill/>
+              </a:ln>
+              <a:solidFill>
+                <a:prstClr val="white"/>
+              </a:solidFill>
+              <a:effectLst/>
+              <a:uLnTx/>
+              <a:uFillTx/>
+              <a:latin typeface="Calibri" panose="020F0502020204030204"/>
+              <a:ea typeface="+mn-ea"/>
+              <a:cs typeface="+mn-cs"/>
+            </a:endParaRPr>
+          </a:p>
+        </p:txBody>
+      </p:sp>
+      <p:sp>
+        <p:nvSpPr>
+          <p:cNvPr id="12" name="Freeform: Shape 11">
+            <a:extLst>
+              <a:ext uri="{FF2B5EF4-FFF2-40B4-BE49-F238E27FC236}">
+                <a16:creationId xmlns:a16="http://schemas.microsoft.com/office/drawing/2014/main" id="{FF9DEA15-78BD-4750-AA18-B9F28A6D5AB8}"/>
+              </a:ext>
+              <a:ext uri="{C183D7F6-B498-43B3-948B-1728B52AA6E4}">
+                <adec:decorative xmlns:adec="http://schemas.microsoft.com/office/drawing/2017/decorative" val="1"/>
+              </a:ext>
+            </a:extLst>
+          </p:cNvPr>
+          <p:cNvSpPr>
+            <a:spLocks noGrp="1" noRot="1" noChangeAspect="1" noMove="1" noResize="1" noEditPoints="1" noAdjustHandles="1" noChangeArrowheads="1" noChangeShapeType="1" noTextEdit="1"/>
+          </p:cNvSpPr>
+          <p:nvPr>
+            <p:extLst>
+              <p:ext uri="{386F3935-93C4-4BCD-93E2-E3B085C9AB24}">
+                <p16:designElem xmlns:p16="http://schemas.microsoft.com/office/powerpoint/2015/main" val="1"/>
+              </p:ext>
+            </p:extLst>
+          </p:nvPr>
+        </p:nvSpPr>
+        <p:spPr>
+          <a:xfrm>
+            <a:off x="0" y="0"/>
+            <a:ext cx="3284331" cy="6858000"/>
+          </a:xfrm>
+          <a:custGeom>
+            <a:avLst/>
+            <a:gdLst>
+              <a:gd name="connsiteX0" fmla="*/ 0 w 4319042"/>
+              <a:gd name="connsiteY0" fmla="*/ 0 h 6858000"/>
+              <a:gd name="connsiteX1" fmla="*/ 1142888 w 4319042"/>
+              <a:gd name="connsiteY1" fmla="*/ 0 h 6858000"/>
+              <a:gd name="connsiteX2" fmla="*/ 4319042 w 4319042"/>
+              <a:gd name="connsiteY2" fmla="*/ 6858000 h 6858000"/>
+              <a:gd name="connsiteX3" fmla="*/ 0 w 4319042"/>
+              <a:gd name="connsiteY3" fmla="*/ 6858000 h 6858000"/>
+            </a:gdLst>
+            <a:ahLst/>
+            <a:cxnLst>
+              <a:cxn ang="0">
+                <a:pos x="connsiteX0" y="connsiteY0"/>
+              </a:cxn>
+              <a:cxn ang="0">
+                <a:pos x="connsiteX1" y="connsiteY1"/>
+              </a:cxn>
+              <a:cxn ang="0">
+                <a:pos x="connsiteX2" y="connsiteY2"/>
+              </a:cxn>
+              <a:cxn ang="0">
+                <a:pos x="connsiteX3" y="connsiteY3"/>
+              </a:cxn>
+            </a:cxnLst>
+            <a:rect l="l" t="t" r="r" b="b"/>
+            <a:pathLst>
+              <a:path w="4319042" h="6858000">
+                <a:moveTo>
+                  <a:pt x="0" y="0"/>
+                </a:moveTo>
+                <a:lnTo>
+                  <a:pt x="1142888" y="0"/>
+                </a:lnTo>
+                <a:lnTo>
+                  <a:pt x="4319042" y="6858000"/>
+                </a:lnTo>
+                <a:lnTo>
+                  <a:pt x="0" y="6858000"/>
+                </a:lnTo>
+                <a:close/>
+              </a:path>
+            </a:pathLst>
+          </a:custGeom>
+          <a:solidFill>
+            <a:schemeClr val="tx1">
+              <a:alpha val="35000"/>
+            </a:schemeClr>
+          </a:solidFill>
+          <a:ln>
+            <a:noFill/>
+          </a:ln>
+        </p:spPr>
+        <p:style>
+          <a:lnRef idx="2">
+            <a:schemeClr val="accent1">
+              <a:shade val="50000"/>
+            </a:schemeClr>
+          </a:lnRef>
+          <a:fillRef idx="1">
+            <a:schemeClr val="accent1"/>
+          </a:fillRef>
+          <a:effectRef idx="0">
+            <a:schemeClr val="accent1"/>
+          </a:effectRef>
+          <a:fontRef idx="minor">
+            <a:schemeClr val="lt1"/>
+          </a:fontRef>
+        </p:style>
+        <p:txBody>
+          <a:bodyPr wrap="square" rtlCol="0" anchor="ctr">
+            <a:noAutofit/>
+          </a:bodyPr>
+          <a:lstStyle/>
+          <a:p>
+            <a:pPr marL="0" marR="0" lvl="0" indent="0" algn="ctr" defTabSz="914400" rtl="0" eaLnBrk="1" fontAlgn="auto" latinLnBrk="0" hangingPunct="1">
+              <a:lnSpc>
+                <a:spcPct val="100000"/>
+              </a:lnSpc>
+              <a:spcBef>
+                <a:spcPts val="0"/>
+              </a:spcBef>
+              <a:spcAft>
+                <a:spcPts val="0"/>
+              </a:spcAft>
+              <a:buClrTx/>
+              <a:buSzTx/>
+              <a:buFontTx/>
+              <a:buNone/>
+              <a:tabLst/>
+              <a:defRPr/>
+            </a:pPr>
+            <a:endParaRPr kumimoji="0" lang="en-US" sz="1800" b="0" i="0" u="none" strike="noStrike" kern="1200" cap="none" spc="0" normalizeH="0" baseline="0" noProof="0">
+              <a:ln>
+                <a:noFill/>
+              </a:ln>
+              <a:solidFill>
+                <a:prstClr val="white"/>
+              </a:solidFill>
+              <a:effectLst/>
+              <a:uLnTx/>
+              <a:uFillTx/>
+              <a:latin typeface="Calibri" panose="020F0502020204030204"/>
+              <a:ea typeface="+mn-ea"/>
+              <a:cs typeface="+mn-cs"/>
+            </a:endParaRPr>
+          </a:p>
+        </p:txBody>
+      </p:sp>
       <p:sp>
         <p:nvSpPr>
           <p:cNvPr id="2" name="Titel 1">
@@ -4129,33 +4242,46 @@
             <p:ph type="title"/>
           </p:nvPr>
         </p:nvSpPr>
-        <p:spPr/>
+        <p:spPr>
+          <a:xfrm>
+            <a:off x="804672" y="640080"/>
+            <a:ext cx="3282696" cy="5257800"/>
+          </a:xfrm>
+        </p:spPr>
         <p:txBody>
           <a:bodyPr>
-            <a:normAutofit fontScale="90000"/>
+            <a:normAutofit/>
           </a:bodyPr>
           <a:lstStyle/>
           <a:p>
             <a:r>
-              <a:rPr lang="nl-NL" dirty="0"/>
-              <a:t>Sprint </a:t>
-            </a:r>
-            <a:r>
-              <a:rPr lang="nl-NL" dirty="0" err="1"/>
-              <a:t>backlog</a:t>
-            </a:r>
-            <a:r>
-              <a:rPr lang="nl-NL" dirty="0"/>
-              <a:t> </a:t>
+              <a:rPr lang="nl-NL">
+                <a:solidFill>
+                  <a:schemeClr val="bg1"/>
+                </a:solidFill>
+              </a:rPr>
+              <a:t>Sprint backlog </a:t>
             </a:r>
             <a:br>
-              <a:rPr lang="nl-NL" dirty="0"/>
+              <a:rPr lang="nl-NL">
+                <a:solidFill>
+                  <a:schemeClr val="bg1"/>
+                </a:solidFill>
+              </a:rPr>
             </a:br>
             <a:br>
-              <a:rPr lang="nl-NL" dirty="0"/>
+              <a:rPr lang="nl-NL">
+                <a:solidFill>
+                  <a:schemeClr val="bg1"/>
+                </a:solidFill>
+              </a:rPr>
             </a:br>
             <a:r>
-              <a:rPr lang="nl-NL" dirty="0"/>
+              <a:rPr lang="nl-NL">
+                <a:solidFill>
+                  <a:schemeClr val="bg1"/>
+                </a:solidFill>
+              </a:rPr>
               <a:t>Jarno</a:t>
             </a:r>
           </a:p>
@@ -4177,10 +4303,15 @@
             <p:ph idx="1"/>
           </p:nvPr>
         </p:nvSpPr>
-        <p:spPr/>
-        <p:txBody>
-          <a:bodyPr>
-            <a:normAutofit fontScale="92500" lnSpcReduction="20000"/>
+        <p:spPr>
+          <a:xfrm>
+            <a:off x="5358384" y="640081"/>
+            <a:ext cx="6024654" cy="5257800"/>
+          </a:xfrm>
+        </p:spPr>
+        <p:txBody>
+          <a:bodyPr anchor="ctr">
+            <a:normAutofit/>
           </a:bodyPr>
           <a:lstStyle/>
           <a:p>
@@ -4188,7 +4319,7 @@
               <a:buNone/>
             </a:pPr>
             <a:r>
-              <a:rPr lang="nl-NL" dirty="0"/>
+              <a:rPr lang="nl-NL" sz="2200"/>
               <a:t>User story: </a:t>
             </a:r>
           </a:p>
@@ -4197,7 +4328,7 @@
               <a:buNone/>
             </a:pPr>
             <a:r>
-              <a:rPr lang="nl-NL" dirty="0"/>
+              <a:rPr lang="nl-NL" sz="2200"/>
               <a:t>Als gebruiker wil ik zelf een geld hoeveelheid kunnen invoegen.</a:t>
             </a:r>
           </a:p>
@@ -4206,7 +4337,7 @@
               <a:buNone/>
             </a:pPr>
             <a:r>
-              <a:rPr lang="nl-NL" dirty="0"/>
+              <a:rPr lang="nl-NL" sz="2200"/>
               <a:t>Als owner wil ik vanaf een menu instellingen en gegevens kunnen aan passen.</a:t>
             </a:r>
           </a:p>
@@ -4215,7 +4346,7 @@
               <a:buNone/>
             </a:pPr>
             <a:r>
-              <a:rPr lang="nl-NL" dirty="0"/>
+              <a:rPr lang="nl-NL" sz="2200"/>
               <a:t>Taak: </a:t>
             </a:r>
           </a:p>
@@ -4224,7 +4355,7 @@
               <a:buNone/>
             </a:pPr>
             <a:r>
-              <a:rPr lang="nl-NL" dirty="0"/>
+              <a:rPr lang="nl-NL" sz="2200"/>
               <a:t>Maak het custom invoer bedrag code af.</a:t>
             </a:r>
           </a:p>
@@ -4233,7 +4364,7 @@
               <a:buNone/>
             </a:pPr>
             <a:r>
-              <a:rPr lang="nl-NL" dirty="0"/>
+              <a:rPr lang="nl-NL" sz="2200"/>
               <a:t>Maak een owner menu.</a:t>
             </a:r>
           </a:p>
@@ -4242,7 +4373,7 @@
               <a:buNone/>
             </a:pPr>
             <a:r>
-              <a:rPr lang="nl-NL" dirty="0"/>
+              <a:rPr lang="nl-NL" sz="2200"/>
               <a:t>Acceptance Criteria: </a:t>
             </a:r>
           </a:p>
@@ -4251,7 +4382,7 @@
               <a:buNone/>
             </a:pPr>
             <a:r>
-              <a:rPr lang="nl-NL" dirty="0"/>
+              <a:rPr lang="nl-NL" sz="2200"/>
               <a:t>Als gebruiker kan je zelf een bedrag invoeren.</a:t>
             </a:r>
           </a:p>
@@ -4260,22 +4391,21 @@
               <a:buNone/>
             </a:pPr>
             <a:r>
-              <a:rPr lang="nl-NL"/>
+              <a:rPr lang="nl-NL" sz="2200"/>
               <a:t>Als ownder kan ik gegevens aan passen via de GUI</a:t>
             </a:r>
-            <a:endParaRPr lang="nl-NL" dirty="0"/>
           </a:p>
           <a:p>
             <a:pPr marL="0" indent="0">
               <a:buNone/>
             </a:pPr>
             <a:r>
-              <a:rPr lang="nl-NL" dirty="0"/>
-              <a:t>Story Points:  6, 3</a:t>
-            </a:r>
-          </a:p>
-          <a:p>
-            <a:endParaRPr lang="nl-NL" dirty="0"/>
+              <a:rPr lang="nl-NL" sz="2200"/>
+              <a:t>Story Points:  5, 3</a:t>
+            </a:r>
+          </a:p>
+          <a:p>
+            <a:endParaRPr lang="nl-NL" sz="2200"/>
           </a:p>
         </p:txBody>
       </p:sp>
@@ -5072,14 +5202,14 @@
           </a:bodyPr>
           <a:lstStyle/>
           <a:p>
-            <a:r>
-              <a:rPr lang="nl-NL" sz="2000" dirty="0">
-                <a:solidFill>
-                  <a:srgbClr val="FFFFFF"/>
-                </a:solidFill>
-              </a:rPr>
-              <a:t>Stel hier je vragen</a:t>
-            </a:r>
+            <a:pPr marL="0" indent="0">
+              <a:buNone/>
+            </a:pPr>
+            <a:endParaRPr lang="nl-NL" sz="2000" dirty="0">
+              <a:solidFill>
+                <a:srgbClr val="FFFFFF"/>
+              </a:solidFill>
+            </a:endParaRPr>
           </a:p>
         </p:txBody>
       </p:sp>
@@ -7466,6 +7596,14 @@
 <file path=ppt/slides/slide7.xml><?xml version="1.0" encoding="utf-8"?>
 <p:sld xmlns:a="http://schemas.openxmlformats.org/drawingml/2006/main" xmlns:r="http://schemas.openxmlformats.org/officeDocument/2006/relationships" xmlns:p="http://schemas.openxmlformats.org/presentationml/2006/main">
   <p:cSld>
+    <p:bg>
+      <p:bgPr>
+        <a:solidFill>
+          <a:schemeClr val="bg1"/>
+        </a:solidFill>
+        <a:effectLst/>
+      </p:bgPr>
+    </p:bg>
     <p:spTree>
       <p:nvGrpSpPr>
         <p:cNvPr id="1" name=""/>
@@ -7480,6 +7618,328 @@
           <a:chExt cx="0" cy="0"/>
         </a:xfrm>
       </p:grpSpPr>
+      <p:sp useBgFill="1">
+        <p:nvSpPr>
+          <p:cNvPr id="8" name="Rectangle 7">
+            <a:extLst>
+              <a:ext uri="{FF2B5EF4-FFF2-40B4-BE49-F238E27FC236}">
+                <a16:creationId xmlns:a16="http://schemas.microsoft.com/office/drawing/2014/main" id="{C7FA33FF-088D-4F16-95A2-2C64D353DEA8}"/>
+              </a:ext>
+              <a:ext uri="{C183D7F6-B498-43B3-948B-1728B52AA6E4}">
+                <adec:decorative xmlns:adec="http://schemas.microsoft.com/office/drawing/2017/decorative" val="1"/>
+              </a:ext>
+            </a:extLst>
+          </p:cNvPr>
+          <p:cNvSpPr>
+            <a:spLocks noGrp="1" noRot="1" noChangeAspect="1" noMove="1" noResize="1" noEditPoints="1" noAdjustHandles="1" noChangeArrowheads="1" noChangeShapeType="1" noTextEdit="1"/>
+          </p:cNvSpPr>
+          <p:nvPr>
+            <p:extLst>
+              <p:ext uri="{386F3935-93C4-4BCD-93E2-E3B085C9AB24}">
+                <p16:designElem xmlns:p16="http://schemas.microsoft.com/office/powerpoint/2015/main" val="1"/>
+              </p:ext>
+            </p:extLst>
+          </p:nvPr>
+        </p:nvSpPr>
+        <p:spPr>
+          <a:xfrm>
+            <a:off x="1524" y="0"/>
+            <a:ext cx="12188952" cy="6858000"/>
+          </a:xfrm>
+          <a:prstGeom prst="rect">
+            <a:avLst/>
+          </a:prstGeom>
+          <a:ln>
+            <a:noFill/>
+          </a:ln>
+        </p:spPr>
+        <p:style>
+          <a:lnRef idx="2">
+            <a:schemeClr val="accent1">
+              <a:shade val="50000"/>
+            </a:schemeClr>
+          </a:lnRef>
+          <a:fillRef idx="1">
+            <a:schemeClr val="accent1"/>
+          </a:fillRef>
+          <a:effectRef idx="0">
+            <a:schemeClr val="accent1"/>
+          </a:effectRef>
+          <a:fontRef idx="minor">
+            <a:schemeClr val="lt1"/>
+          </a:fontRef>
+        </p:style>
+        <p:txBody>
+          <a:bodyPr rtlCol="0" anchor="ctr"/>
+          <a:lstStyle/>
+          <a:p>
+            <a:pPr marL="0" marR="0" lvl="0" indent="0" algn="ctr" defTabSz="914400" rtl="0" eaLnBrk="1" fontAlgn="auto" latinLnBrk="0" hangingPunct="1">
+              <a:lnSpc>
+                <a:spcPct val="100000"/>
+              </a:lnSpc>
+              <a:spcBef>
+                <a:spcPts val="0"/>
+              </a:spcBef>
+              <a:spcAft>
+                <a:spcPts val="0"/>
+              </a:spcAft>
+              <a:buClrTx/>
+              <a:buSzTx/>
+              <a:buFontTx/>
+              <a:buNone/>
+              <a:tabLst/>
+              <a:defRPr/>
+            </a:pPr>
+            <a:endParaRPr kumimoji="0" lang="en-US" sz="1800" b="0" i="0" u="none" strike="noStrike" kern="1200" cap="none" spc="0" normalizeH="0" baseline="0" noProof="0">
+              <a:ln>
+                <a:noFill/>
+              </a:ln>
+              <a:solidFill>
+                <a:prstClr val="white"/>
+              </a:solidFill>
+              <a:effectLst/>
+              <a:uLnTx/>
+              <a:uFillTx/>
+              <a:latin typeface="Calibri" panose="020F0502020204030204"/>
+              <a:ea typeface="+mn-ea"/>
+              <a:cs typeface="+mn-cs"/>
+            </a:endParaRPr>
+          </a:p>
+        </p:txBody>
+      </p:sp>
+      <p:sp>
+        <p:nvSpPr>
+          <p:cNvPr id="10" name="Rectangle 9">
+            <a:extLst>
+              <a:ext uri="{FF2B5EF4-FFF2-40B4-BE49-F238E27FC236}">
+                <a16:creationId xmlns:a16="http://schemas.microsoft.com/office/drawing/2014/main" id="{A376EFB1-01CF-419F-ABF1-2AF02BBFCBD1}"/>
+              </a:ext>
+              <a:ext uri="{C183D7F6-B498-43B3-948B-1728B52AA6E4}">
+                <adec:decorative xmlns:adec="http://schemas.microsoft.com/office/drawing/2017/decorative" val="1"/>
+              </a:ext>
+            </a:extLst>
+          </p:cNvPr>
+          <p:cNvSpPr>
+            <a:spLocks noGrp="1" noRot="1" noChangeAspect="1" noMove="1" noResize="1" noEditPoints="1" noAdjustHandles="1" noChangeArrowheads="1" noChangeShapeType="1" noTextEdit="1"/>
+          </p:cNvSpPr>
+          <p:nvPr>
+            <p:extLst>
+              <p:ext uri="{386F3935-93C4-4BCD-93E2-E3B085C9AB24}">
+                <p16:designElem xmlns:p16="http://schemas.microsoft.com/office/powerpoint/2015/main" val="1"/>
+              </p:ext>
+            </p:extLst>
+          </p:nvPr>
+        </p:nvSpPr>
+        <p:spPr>
+          <a:xfrm>
+            <a:off x="0" y="0"/>
+            <a:ext cx="4709160" cy="6858000"/>
+          </a:xfrm>
+          <a:prstGeom prst="rect">
+            <a:avLst/>
+          </a:prstGeom>
+          <a:solidFill>
+            <a:schemeClr val="tx1">
+              <a:alpha val="81000"/>
+            </a:schemeClr>
+          </a:solidFill>
+          <a:ln>
+            <a:noFill/>
+          </a:ln>
+        </p:spPr>
+        <p:style>
+          <a:lnRef idx="2">
+            <a:schemeClr val="accent1">
+              <a:shade val="50000"/>
+            </a:schemeClr>
+          </a:lnRef>
+          <a:fillRef idx="1">
+            <a:schemeClr val="accent1"/>
+          </a:fillRef>
+          <a:effectRef idx="0">
+            <a:schemeClr val="accent1"/>
+          </a:effectRef>
+          <a:fontRef idx="minor">
+            <a:schemeClr val="lt1"/>
+          </a:fontRef>
+        </p:style>
+        <p:txBody>
+          <a:bodyPr rtlCol="0" anchor="ctr"/>
+          <a:lstStyle/>
+          <a:p>
+            <a:pPr marL="0" marR="0" lvl="0" indent="0" algn="ctr" defTabSz="914400" rtl="0" eaLnBrk="1" fontAlgn="auto" latinLnBrk="0" hangingPunct="1">
+              <a:lnSpc>
+                <a:spcPct val="100000"/>
+              </a:lnSpc>
+              <a:spcBef>
+                <a:spcPts val="0"/>
+              </a:spcBef>
+              <a:spcAft>
+                <a:spcPts val="0"/>
+              </a:spcAft>
+              <a:buClrTx/>
+              <a:buSzTx/>
+              <a:buFontTx/>
+              <a:buNone/>
+              <a:tabLst/>
+              <a:defRPr/>
+            </a:pPr>
+            <a:endParaRPr kumimoji="0" lang="en-US" sz="1800" b="0" i="0" u="none" strike="noStrike" kern="1200" cap="none" spc="0" normalizeH="0" baseline="0" noProof="0">
+              <a:ln>
+                <a:noFill/>
+              </a:ln>
+              <a:solidFill>
+                <a:prstClr val="white"/>
+              </a:solidFill>
+              <a:effectLst/>
+              <a:uLnTx/>
+              <a:uFillTx/>
+              <a:latin typeface="Calibri" panose="020F0502020204030204"/>
+              <a:ea typeface="+mn-ea"/>
+              <a:cs typeface="+mn-cs"/>
+            </a:endParaRPr>
+          </a:p>
+        </p:txBody>
+      </p:sp>
+      <p:sp>
+        <p:nvSpPr>
+          <p:cNvPr id="12" name="Freeform: Shape 11">
+            <a:extLst>
+              <a:ext uri="{FF2B5EF4-FFF2-40B4-BE49-F238E27FC236}">
+                <a16:creationId xmlns:a16="http://schemas.microsoft.com/office/drawing/2014/main" id="{FF9DEA15-78BD-4750-AA18-B9F28A6D5AB8}"/>
+              </a:ext>
+              <a:ext uri="{C183D7F6-B498-43B3-948B-1728B52AA6E4}">
+                <adec:decorative xmlns:adec="http://schemas.microsoft.com/office/drawing/2017/decorative" val="1"/>
+              </a:ext>
+            </a:extLst>
+          </p:cNvPr>
+          <p:cNvSpPr>
+            <a:spLocks noGrp="1" noRot="1" noChangeAspect="1" noMove="1" noResize="1" noEditPoints="1" noAdjustHandles="1" noChangeArrowheads="1" noChangeShapeType="1" noTextEdit="1"/>
+          </p:cNvSpPr>
+          <p:nvPr>
+            <p:extLst>
+              <p:ext uri="{386F3935-93C4-4BCD-93E2-E3B085C9AB24}">
+                <p16:designElem xmlns:p16="http://schemas.microsoft.com/office/powerpoint/2015/main" val="1"/>
+              </p:ext>
+            </p:extLst>
+          </p:nvPr>
+        </p:nvSpPr>
+        <p:spPr>
+          <a:xfrm>
+            <a:off x="0" y="0"/>
+            <a:ext cx="3284331" cy="6858000"/>
+          </a:xfrm>
+          <a:custGeom>
+            <a:avLst/>
+            <a:gdLst>
+              <a:gd name="connsiteX0" fmla="*/ 0 w 4319042"/>
+              <a:gd name="connsiteY0" fmla="*/ 0 h 6858000"/>
+              <a:gd name="connsiteX1" fmla="*/ 1142888 w 4319042"/>
+              <a:gd name="connsiteY1" fmla="*/ 0 h 6858000"/>
+              <a:gd name="connsiteX2" fmla="*/ 4319042 w 4319042"/>
+              <a:gd name="connsiteY2" fmla="*/ 6858000 h 6858000"/>
+              <a:gd name="connsiteX3" fmla="*/ 0 w 4319042"/>
+              <a:gd name="connsiteY3" fmla="*/ 6858000 h 6858000"/>
+            </a:gdLst>
+            <a:ahLst/>
+            <a:cxnLst>
+              <a:cxn ang="0">
+                <a:pos x="connsiteX0" y="connsiteY0"/>
+              </a:cxn>
+              <a:cxn ang="0">
+                <a:pos x="connsiteX1" y="connsiteY1"/>
+              </a:cxn>
+              <a:cxn ang="0">
+                <a:pos x="connsiteX2" y="connsiteY2"/>
+              </a:cxn>
+              <a:cxn ang="0">
+                <a:pos x="connsiteX3" y="connsiteY3"/>
+              </a:cxn>
+            </a:cxnLst>
+            <a:rect l="l" t="t" r="r" b="b"/>
+            <a:pathLst>
+              <a:path w="4319042" h="6858000">
+                <a:moveTo>
+                  <a:pt x="0" y="0"/>
+                </a:moveTo>
+                <a:lnTo>
+                  <a:pt x="1142888" y="0"/>
+                </a:lnTo>
+                <a:lnTo>
+                  <a:pt x="4319042" y="6858000"/>
+                </a:lnTo>
+                <a:lnTo>
+                  <a:pt x="0" y="6858000"/>
+                </a:lnTo>
+                <a:close/>
+              </a:path>
+            </a:pathLst>
+          </a:custGeom>
+          <a:solidFill>
+            <a:schemeClr val="tx1">
+              <a:alpha val="35000"/>
+            </a:schemeClr>
+          </a:solidFill>
+          <a:ln>
+            <a:noFill/>
+          </a:ln>
+        </p:spPr>
+        <p:style>
+          <a:lnRef idx="2">
+            <a:schemeClr val="accent1">
+              <a:shade val="50000"/>
+            </a:schemeClr>
+          </a:lnRef>
+          <a:fillRef idx="1">
+            <a:schemeClr val="accent1"/>
+          </a:fillRef>
+          <a:effectRef idx="0">
+            <a:schemeClr val="accent1"/>
+          </a:effectRef>
+          <a:fontRef idx="minor">
+            <a:schemeClr val="lt1"/>
+          </a:fontRef>
+        </p:style>
+        <p:txBody>
+          <a:bodyPr wrap="square" rtlCol="0" anchor="ctr">
+            <a:noAutofit/>
+          </a:bodyPr>
+          <a:lstStyle/>
+          <a:p>
+            <a:pPr marL="0" marR="0" lvl="0" indent="0" algn="ctr" defTabSz="914400" rtl="0" eaLnBrk="1" fontAlgn="auto" latinLnBrk="0" hangingPunct="1">
+              <a:lnSpc>
+                <a:spcPct val="100000"/>
+              </a:lnSpc>
+              <a:spcBef>
+                <a:spcPts val="0"/>
+              </a:spcBef>
+              <a:spcAft>
+                <a:spcPts val="0"/>
+              </a:spcAft>
+              <a:buClrTx/>
+              <a:buSzTx/>
+              <a:buFontTx/>
+              <a:buNone/>
+              <a:tabLst/>
+              <a:defRPr/>
+            </a:pPr>
+            <a:endParaRPr kumimoji="0" lang="en-US" sz="1800" b="0" i="0" u="none" strike="noStrike" kern="1200" cap="none" spc="0" normalizeH="0" baseline="0" noProof="0">
+              <a:ln>
+                <a:noFill/>
+              </a:ln>
+              <a:solidFill>
+                <a:prstClr val="white"/>
+              </a:solidFill>
+              <a:effectLst/>
+              <a:uLnTx/>
+              <a:uFillTx/>
+              <a:latin typeface="Calibri" panose="020F0502020204030204"/>
+              <a:ea typeface="+mn-ea"/>
+              <a:cs typeface="+mn-cs"/>
+            </a:endParaRPr>
+          </a:p>
+        </p:txBody>
+      </p:sp>
       <p:sp>
         <p:nvSpPr>
           <p:cNvPr id="2" name="Titel 1">
@@ -7496,33 +7956,46 @@
             <p:ph type="title"/>
           </p:nvPr>
         </p:nvSpPr>
-        <p:spPr/>
+        <p:spPr>
+          <a:xfrm>
+            <a:off x="804672" y="640080"/>
+            <a:ext cx="3282696" cy="5257800"/>
+          </a:xfrm>
+        </p:spPr>
         <p:txBody>
           <a:bodyPr>
-            <a:normAutofit fontScale="90000"/>
+            <a:normAutofit/>
           </a:bodyPr>
           <a:lstStyle/>
           <a:p>
             <a:r>
-              <a:rPr lang="nl-NL" dirty="0"/>
-              <a:t>Sprint </a:t>
-            </a:r>
-            <a:r>
-              <a:rPr lang="nl-NL" dirty="0" err="1"/>
-              <a:t>backlog</a:t>
-            </a:r>
-            <a:r>
-              <a:rPr lang="nl-NL" dirty="0"/>
-              <a:t> </a:t>
+              <a:rPr lang="nl-NL">
+                <a:solidFill>
+                  <a:schemeClr val="bg1"/>
+                </a:solidFill>
+              </a:rPr>
+              <a:t>Sprint backlog </a:t>
             </a:r>
             <a:br>
-              <a:rPr lang="nl-NL" dirty="0"/>
+              <a:rPr lang="nl-NL">
+                <a:solidFill>
+                  <a:schemeClr val="bg1"/>
+                </a:solidFill>
+              </a:rPr>
             </a:br>
             <a:br>
-              <a:rPr lang="nl-NL" dirty="0"/>
+              <a:rPr lang="nl-NL">
+                <a:solidFill>
+                  <a:schemeClr val="bg1"/>
+                </a:solidFill>
+              </a:rPr>
             </a:br>
             <a:r>
-              <a:rPr lang="nl-NL" dirty="0"/>
+              <a:rPr lang="nl-NL">
+                <a:solidFill>
+                  <a:schemeClr val="bg1"/>
+                </a:solidFill>
+              </a:rPr>
               <a:t>Marjon</a:t>
             </a:r>
           </a:p>
@@ -7544,16 +8017,23 @@
             <p:ph idx="1"/>
           </p:nvPr>
         </p:nvSpPr>
-        <p:spPr/>
-        <p:txBody>
-          <a:bodyPr/>
+        <p:spPr>
+          <a:xfrm>
+            <a:off x="5358384" y="640081"/>
+            <a:ext cx="6024654" cy="5257800"/>
+          </a:xfrm>
+        </p:spPr>
+        <p:txBody>
+          <a:bodyPr anchor="ctr">
+            <a:normAutofit/>
+          </a:bodyPr>
           <a:lstStyle/>
           <a:p>
             <a:pPr marL="0" indent="0">
               <a:buNone/>
             </a:pPr>
             <a:r>
-              <a:rPr lang="nl-NL" dirty="0"/>
+              <a:rPr lang="nl-NL" sz="2400"/>
               <a:t>User story: </a:t>
             </a:r>
           </a:p>
@@ -7562,7 +8042,16 @@
               <a:buNone/>
             </a:pPr>
             <a:r>
-              <a:rPr lang="nl-NL" dirty="0"/>
+              <a:rPr lang="nl-NL" sz="2400"/>
+              <a:t>Als user wil ik een mooie GUI</a:t>
+            </a:r>
+          </a:p>
+          <a:p>
+            <a:pPr marL="0" indent="0">
+              <a:buNone/>
+            </a:pPr>
+            <a:r>
+              <a:rPr lang="nl-NL" sz="2400"/>
               <a:t>Taak: </a:t>
             </a:r>
           </a:p>
@@ -7571,12 +8060,8 @@
               <a:buNone/>
             </a:pPr>
             <a:r>
-              <a:rPr lang="nl-NL" dirty="0" err="1"/>
-              <a:t>Acceptance</a:t>
-            </a:r>
-            <a:r>
-              <a:rPr lang="nl-NL" dirty="0"/>
-              <a:t> Criteria: </a:t>
+              <a:rPr lang="nl-NL" sz="2400"/>
+              <a:t>Maak de GUI mooi en fijn voor de ogen</a:t>
             </a:r>
           </a:p>
           <a:p>
@@ -7584,12 +8069,30 @@
               <a:buNone/>
             </a:pPr>
             <a:r>
-              <a:rPr lang="nl-NL" dirty="0"/>
-              <a:t>Story Points: </a:t>
-            </a:r>
-          </a:p>
-          <a:p>
-            <a:endParaRPr lang="nl-NL" dirty="0"/>
+              <a:rPr lang="nl-NL" sz="2400"/>
+              <a:t>Acceptance Criteria: </a:t>
+            </a:r>
+          </a:p>
+          <a:p>
+            <a:pPr marL="0" indent="0">
+              <a:buNone/>
+            </a:pPr>
+            <a:r>
+              <a:rPr lang="nl-NL" sz="2400"/>
+              <a:t>De gui is mooi.</a:t>
+            </a:r>
+          </a:p>
+          <a:p>
+            <a:pPr marL="0" indent="0">
+              <a:buNone/>
+            </a:pPr>
+            <a:r>
+              <a:rPr lang="nl-NL" sz="2400"/>
+              <a:t>Story Points:  4</a:t>
+            </a:r>
+          </a:p>
+          <a:p>
+            <a:endParaRPr lang="nl-NL" sz="2400"/>
           </a:p>
         </p:txBody>
       </p:sp>
@@ -7609,6 +8112,14 @@
 <file path=ppt/slides/slide8.xml><?xml version="1.0" encoding="utf-8"?>
 <p:sld xmlns:a="http://schemas.openxmlformats.org/drawingml/2006/main" xmlns:r="http://schemas.openxmlformats.org/officeDocument/2006/relationships" xmlns:p="http://schemas.openxmlformats.org/presentationml/2006/main">
   <p:cSld>
+    <p:bg>
+      <p:bgPr>
+        <a:solidFill>
+          <a:schemeClr val="bg1"/>
+        </a:solidFill>
+        <a:effectLst/>
+      </p:bgPr>
+    </p:bg>
     <p:spTree>
       <p:nvGrpSpPr>
         <p:cNvPr id="1" name=""/>
@@ -7623,6 +8134,328 @@
           <a:chExt cx="0" cy="0"/>
         </a:xfrm>
       </p:grpSpPr>
+      <p:sp useBgFill="1">
+        <p:nvSpPr>
+          <p:cNvPr id="8" name="Rectangle 7">
+            <a:extLst>
+              <a:ext uri="{FF2B5EF4-FFF2-40B4-BE49-F238E27FC236}">
+                <a16:creationId xmlns:a16="http://schemas.microsoft.com/office/drawing/2014/main" id="{C7FA33FF-088D-4F16-95A2-2C64D353DEA8}"/>
+              </a:ext>
+              <a:ext uri="{C183D7F6-B498-43B3-948B-1728B52AA6E4}">
+                <adec:decorative xmlns:adec="http://schemas.microsoft.com/office/drawing/2017/decorative" val="1"/>
+              </a:ext>
+            </a:extLst>
+          </p:cNvPr>
+          <p:cNvSpPr>
+            <a:spLocks noGrp="1" noRot="1" noChangeAspect="1" noMove="1" noResize="1" noEditPoints="1" noAdjustHandles="1" noChangeArrowheads="1" noChangeShapeType="1" noTextEdit="1"/>
+          </p:cNvSpPr>
+          <p:nvPr>
+            <p:extLst>
+              <p:ext uri="{386F3935-93C4-4BCD-93E2-E3B085C9AB24}">
+                <p16:designElem xmlns:p16="http://schemas.microsoft.com/office/powerpoint/2015/main" val="1"/>
+              </p:ext>
+            </p:extLst>
+          </p:nvPr>
+        </p:nvSpPr>
+        <p:spPr>
+          <a:xfrm>
+            <a:off x="1524" y="0"/>
+            <a:ext cx="12188952" cy="6858000"/>
+          </a:xfrm>
+          <a:prstGeom prst="rect">
+            <a:avLst/>
+          </a:prstGeom>
+          <a:ln>
+            <a:noFill/>
+          </a:ln>
+        </p:spPr>
+        <p:style>
+          <a:lnRef idx="2">
+            <a:schemeClr val="accent1">
+              <a:shade val="50000"/>
+            </a:schemeClr>
+          </a:lnRef>
+          <a:fillRef idx="1">
+            <a:schemeClr val="accent1"/>
+          </a:fillRef>
+          <a:effectRef idx="0">
+            <a:schemeClr val="accent1"/>
+          </a:effectRef>
+          <a:fontRef idx="minor">
+            <a:schemeClr val="lt1"/>
+          </a:fontRef>
+        </p:style>
+        <p:txBody>
+          <a:bodyPr rtlCol="0" anchor="ctr"/>
+          <a:lstStyle/>
+          <a:p>
+            <a:pPr marL="0" marR="0" lvl="0" indent="0" algn="ctr" defTabSz="914400" rtl="0" eaLnBrk="1" fontAlgn="auto" latinLnBrk="0" hangingPunct="1">
+              <a:lnSpc>
+                <a:spcPct val="100000"/>
+              </a:lnSpc>
+              <a:spcBef>
+                <a:spcPts val="0"/>
+              </a:spcBef>
+              <a:spcAft>
+                <a:spcPts val="0"/>
+              </a:spcAft>
+              <a:buClrTx/>
+              <a:buSzTx/>
+              <a:buFontTx/>
+              <a:buNone/>
+              <a:tabLst/>
+              <a:defRPr/>
+            </a:pPr>
+            <a:endParaRPr kumimoji="0" lang="en-US" sz="1800" b="0" i="0" u="none" strike="noStrike" kern="1200" cap="none" spc="0" normalizeH="0" baseline="0" noProof="0">
+              <a:ln>
+                <a:noFill/>
+              </a:ln>
+              <a:solidFill>
+                <a:prstClr val="white"/>
+              </a:solidFill>
+              <a:effectLst/>
+              <a:uLnTx/>
+              <a:uFillTx/>
+              <a:latin typeface="Calibri" panose="020F0502020204030204"/>
+              <a:ea typeface="+mn-ea"/>
+              <a:cs typeface="+mn-cs"/>
+            </a:endParaRPr>
+          </a:p>
+        </p:txBody>
+      </p:sp>
+      <p:sp>
+        <p:nvSpPr>
+          <p:cNvPr id="10" name="Rectangle 9">
+            <a:extLst>
+              <a:ext uri="{FF2B5EF4-FFF2-40B4-BE49-F238E27FC236}">
+                <a16:creationId xmlns:a16="http://schemas.microsoft.com/office/drawing/2014/main" id="{A376EFB1-01CF-419F-ABF1-2AF02BBFCBD1}"/>
+              </a:ext>
+              <a:ext uri="{C183D7F6-B498-43B3-948B-1728B52AA6E4}">
+                <adec:decorative xmlns:adec="http://schemas.microsoft.com/office/drawing/2017/decorative" val="1"/>
+              </a:ext>
+            </a:extLst>
+          </p:cNvPr>
+          <p:cNvSpPr>
+            <a:spLocks noGrp="1" noRot="1" noChangeAspect="1" noMove="1" noResize="1" noEditPoints="1" noAdjustHandles="1" noChangeArrowheads="1" noChangeShapeType="1" noTextEdit="1"/>
+          </p:cNvSpPr>
+          <p:nvPr>
+            <p:extLst>
+              <p:ext uri="{386F3935-93C4-4BCD-93E2-E3B085C9AB24}">
+                <p16:designElem xmlns:p16="http://schemas.microsoft.com/office/powerpoint/2015/main" val="1"/>
+              </p:ext>
+            </p:extLst>
+          </p:nvPr>
+        </p:nvSpPr>
+        <p:spPr>
+          <a:xfrm>
+            <a:off x="0" y="0"/>
+            <a:ext cx="4709160" cy="6858000"/>
+          </a:xfrm>
+          <a:prstGeom prst="rect">
+            <a:avLst/>
+          </a:prstGeom>
+          <a:solidFill>
+            <a:schemeClr val="tx1">
+              <a:alpha val="81000"/>
+            </a:schemeClr>
+          </a:solidFill>
+          <a:ln>
+            <a:noFill/>
+          </a:ln>
+        </p:spPr>
+        <p:style>
+          <a:lnRef idx="2">
+            <a:schemeClr val="accent1">
+              <a:shade val="50000"/>
+            </a:schemeClr>
+          </a:lnRef>
+          <a:fillRef idx="1">
+            <a:schemeClr val="accent1"/>
+          </a:fillRef>
+          <a:effectRef idx="0">
+            <a:schemeClr val="accent1"/>
+          </a:effectRef>
+          <a:fontRef idx="minor">
+            <a:schemeClr val="lt1"/>
+          </a:fontRef>
+        </p:style>
+        <p:txBody>
+          <a:bodyPr rtlCol="0" anchor="ctr"/>
+          <a:lstStyle/>
+          <a:p>
+            <a:pPr marL="0" marR="0" lvl="0" indent="0" algn="ctr" defTabSz="914400" rtl="0" eaLnBrk="1" fontAlgn="auto" latinLnBrk="0" hangingPunct="1">
+              <a:lnSpc>
+                <a:spcPct val="100000"/>
+              </a:lnSpc>
+              <a:spcBef>
+                <a:spcPts val="0"/>
+              </a:spcBef>
+              <a:spcAft>
+                <a:spcPts val="0"/>
+              </a:spcAft>
+              <a:buClrTx/>
+              <a:buSzTx/>
+              <a:buFontTx/>
+              <a:buNone/>
+              <a:tabLst/>
+              <a:defRPr/>
+            </a:pPr>
+            <a:endParaRPr kumimoji="0" lang="en-US" sz="1800" b="0" i="0" u="none" strike="noStrike" kern="1200" cap="none" spc="0" normalizeH="0" baseline="0" noProof="0">
+              <a:ln>
+                <a:noFill/>
+              </a:ln>
+              <a:solidFill>
+                <a:prstClr val="white"/>
+              </a:solidFill>
+              <a:effectLst/>
+              <a:uLnTx/>
+              <a:uFillTx/>
+              <a:latin typeface="Calibri" panose="020F0502020204030204"/>
+              <a:ea typeface="+mn-ea"/>
+              <a:cs typeface="+mn-cs"/>
+            </a:endParaRPr>
+          </a:p>
+        </p:txBody>
+      </p:sp>
+      <p:sp>
+        <p:nvSpPr>
+          <p:cNvPr id="12" name="Freeform: Shape 11">
+            <a:extLst>
+              <a:ext uri="{FF2B5EF4-FFF2-40B4-BE49-F238E27FC236}">
+                <a16:creationId xmlns:a16="http://schemas.microsoft.com/office/drawing/2014/main" id="{FF9DEA15-78BD-4750-AA18-B9F28A6D5AB8}"/>
+              </a:ext>
+              <a:ext uri="{C183D7F6-B498-43B3-948B-1728B52AA6E4}">
+                <adec:decorative xmlns:adec="http://schemas.microsoft.com/office/drawing/2017/decorative" val="1"/>
+              </a:ext>
+            </a:extLst>
+          </p:cNvPr>
+          <p:cNvSpPr>
+            <a:spLocks noGrp="1" noRot="1" noChangeAspect="1" noMove="1" noResize="1" noEditPoints="1" noAdjustHandles="1" noChangeArrowheads="1" noChangeShapeType="1" noTextEdit="1"/>
+          </p:cNvSpPr>
+          <p:nvPr>
+            <p:extLst>
+              <p:ext uri="{386F3935-93C4-4BCD-93E2-E3B085C9AB24}">
+                <p16:designElem xmlns:p16="http://schemas.microsoft.com/office/powerpoint/2015/main" val="1"/>
+              </p:ext>
+            </p:extLst>
+          </p:nvPr>
+        </p:nvSpPr>
+        <p:spPr>
+          <a:xfrm>
+            <a:off x="0" y="0"/>
+            <a:ext cx="3284331" cy="6858000"/>
+          </a:xfrm>
+          <a:custGeom>
+            <a:avLst/>
+            <a:gdLst>
+              <a:gd name="connsiteX0" fmla="*/ 0 w 4319042"/>
+              <a:gd name="connsiteY0" fmla="*/ 0 h 6858000"/>
+              <a:gd name="connsiteX1" fmla="*/ 1142888 w 4319042"/>
+              <a:gd name="connsiteY1" fmla="*/ 0 h 6858000"/>
+              <a:gd name="connsiteX2" fmla="*/ 4319042 w 4319042"/>
+              <a:gd name="connsiteY2" fmla="*/ 6858000 h 6858000"/>
+              <a:gd name="connsiteX3" fmla="*/ 0 w 4319042"/>
+              <a:gd name="connsiteY3" fmla="*/ 6858000 h 6858000"/>
+            </a:gdLst>
+            <a:ahLst/>
+            <a:cxnLst>
+              <a:cxn ang="0">
+                <a:pos x="connsiteX0" y="connsiteY0"/>
+              </a:cxn>
+              <a:cxn ang="0">
+                <a:pos x="connsiteX1" y="connsiteY1"/>
+              </a:cxn>
+              <a:cxn ang="0">
+                <a:pos x="connsiteX2" y="connsiteY2"/>
+              </a:cxn>
+              <a:cxn ang="0">
+                <a:pos x="connsiteX3" y="connsiteY3"/>
+              </a:cxn>
+            </a:cxnLst>
+            <a:rect l="l" t="t" r="r" b="b"/>
+            <a:pathLst>
+              <a:path w="4319042" h="6858000">
+                <a:moveTo>
+                  <a:pt x="0" y="0"/>
+                </a:moveTo>
+                <a:lnTo>
+                  <a:pt x="1142888" y="0"/>
+                </a:lnTo>
+                <a:lnTo>
+                  <a:pt x="4319042" y="6858000"/>
+                </a:lnTo>
+                <a:lnTo>
+                  <a:pt x="0" y="6858000"/>
+                </a:lnTo>
+                <a:close/>
+              </a:path>
+            </a:pathLst>
+          </a:custGeom>
+          <a:solidFill>
+            <a:schemeClr val="tx1">
+              <a:alpha val="35000"/>
+            </a:schemeClr>
+          </a:solidFill>
+          <a:ln>
+            <a:noFill/>
+          </a:ln>
+        </p:spPr>
+        <p:style>
+          <a:lnRef idx="2">
+            <a:schemeClr val="accent1">
+              <a:shade val="50000"/>
+            </a:schemeClr>
+          </a:lnRef>
+          <a:fillRef idx="1">
+            <a:schemeClr val="accent1"/>
+          </a:fillRef>
+          <a:effectRef idx="0">
+            <a:schemeClr val="accent1"/>
+          </a:effectRef>
+          <a:fontRef idx="minor">
+            <a:schemeClr val="lt1"/>
+          </a:fontRef>
+        </p:style>
+        <p:txBody>
+          <a:bodyPr wrap="square" rtlCol="0" anchor="ctr">
+            <a:noAutofit/>
+          </a:bodyPr>
+          <a:lstStyle/>
+          <a:p>
+            <a:pPr marL="0" marR="0" lvl="0" indent="0" algn="ctr" defTabSz="914400" rtl="0" eaLnBrk="1" fontAlgn="auto" latinLnBrk="0" hangingPunct="1">
+              <a:lnSpc>
+                <a:spcPct val="100000"/>
+              </a:lnSpc>
+              <a:spcBef>
+                <a:spcPts val="0"/>
+              </a:spcBef>
+              <a:spcAft>
+                <a:spcPts val="0"/>
+              </a:spcAft>
+              <a:buClrTx/>
+              <a:buSzTx/>
+              <a:buFontTx/>
+              <a:buNone/>
+              <a:tabLst/>
+              <a:defRPr/>
+            </a:pPr>
+            <a:endParaRPr kumimoji="0" lang="en-US" sz="1800" b="0" i="0" u="none" strike="noStrike" kern="1200" cap="none" spc="0" normalizeH="0" baseline="0" noProof="0">
+              <a:ln>
+                <a:noFill/>
+              </a:ln>
+              <a:solidFill>
+                <a:prstClr val="white"/>
+              </a:solidFill>
+              <a:effectLst/>
+              <a:uLnTx/>
+              <a:uFillTx/>
+              <a:latin typeface="Calibri" panose="020F0502020204030204"/>
+              <a:ea typeface="+mn-ea"/>
+              <a:cs typeface="+mn-cs"/>
+            </a:endParaRPr>
+          </a:p>
+        </p:txBody>
+      </p:sp>
       <p:sp>
         <p:nvSpPr>
           <p:cNvPr id="2" name="Titel 1">
@@ -7639,33 +8472,46 @@
             <p:ph type="title"/>
           </p:nvPr>
         </p:nvSpPr>
-        <p:spPr/>
+        <p:spPr>
+          <a:xfrm>
+            <a:off x="804672" y="640080"/>
+            <a:ext cx="3282696" cy="5257800"/>
+          </a:xfrm>
+        </p:spPr>
         <p:txBody>
           <a:bodyPr>
-            <a:normAutofit fontScale="90000"/>
+            <a:normAutofit/>
           </a:bodyPr>
           <a:lstStyle/>
           <a:p>
             <a:r>
-              <a:rPr lang="nl-NL" dirty="0"/>
-              <a:t>Sprint </a:t>
-            </a:r>
-            <a:r>
-              <a:rPr lang="nl-NL" dirty="0" err="1"/>
-              <a:t>backlog</a:t>
-            </a:r>
-            <a:r>
-              <a:rPr lang="nl-NL" dirty="0"/>
-              <a:t> </a:t>
+              <a:rPr lang="nl-NL">
+                <a:solidFill>
+                  <a:schemeClr val="bg1"/>
+                </a:solidFill>
+              </a:rPr>
+              <a:t>Sprint backlog </a:t>
             </a:r>
             <a:br>
-              <a:rPr lang="nl-NL" dirty="0"/>
+              <a:rPr lang="nl-NL">
+                <a:solidFill>
+                  <a:schemeClr val="bg1"/>
+                </a:solidFill>
+              </a:rPr>
             </a:br>
             <a:br>
-              <a:rPr lang="nl-NL" dirty="0"/>
+              <a:rPr lang="nl-NL">
+                <a:solidFill>
+                  <a:schemeClr val="bg1"/>
+                </a:solidFill>
+              </a:rPr>
             </a:br>
             <a:r>
-              <a:rPr lang="nl-NL" dirty="0"/>
+              <a:rPr lang="nl-NL">
+                <a:solidFill>
+                  <a:schemeClr val="bg1"/>
+                </a:solidFill>
+              </a:rPr>
               <a:t>Sander</a:t>
             </a:r>
           </a:p>
@@ -7687,17 +8533,24 @@
             <p:ph idx="1"/>
           </p:nvPr>
         </p:nvSpPr>
-        <p:spPr/>
-        <p:txBody>
-          <a:bodyPr/>
+        <p:spPr>
+          <a:xfrm>
+            <a:off x="5358384" y="640081"/>
+            <a:ext cx="6024654" cy="5257800"/>
+          </a:xfrm>
+        </p:spPr>
+        <p:txBody>
+          <a:bodyPr anchor="ctr">
+            <a:normAutofit/>
+          </a:bodyPr>
           <a:lstStyle/>
           <a:p>
             <a:pPr marL="0" indent="0">
               <a:buNone/>
             </a:pPr>
             <a:r>
-              <a:rPr lang="nl-NL" dirty="0"/>
-              <a:t>User story: </a:t>
+              <a:rPr lang="nl-NL" sz="2400"/>
+              <a:t>User story: als gebruiker wil ik gemakkelijk mijn geld kunnen opnemen en mijn balans op kunnen bekijken.</a:t>
             </a:r>
           </a:p>
           <a:p>
@@ -7705,7 +8558,7 @@
               <a:buNone/>
             </a:pPr>
             <a:r>
-              <a:rPr lang="nl-NL" dirty="0"/>
+              <a:rPr lang="nl-NL" sz="2400"/>
               <a:t>Taak: </a:t>
             </a:r>
           </a:p>
@@ -7714,12 +8567,8 @@
               <a:buNone/>
             </a:pPr>
             <a:r>
-              <a:rPr lang="nl-NL" dirty="0" err="1"/>
-              <a:t>Acceptance</a:t>
-            </a:r>
-            <a:r>
-              <a:rPr lang="nl-NL" dirty="0"/>
-              <a:t> Criteria: </a:t>
+              <a:rPr lang="nl-NL" sz="2400"/>
+              <a:t>Puntejes op de I zetten.</a:t>
             </a:r>
           </a:p>
           <a:p>
@@ -7727,12 +8576,30 @@
               <a:buNone/>
             </a:pPr>
             <a:r>
-              <a:rPr lang="nl-NL" dirty="0"/>
-              <a:t>Story Points: </a:t>
-            </a:r>
-          </a:p>
-          <a:p>
-            <a:endParaRPr lang="nl-NL" dirty="0"/>
+              <a:rPr lang="nl-NL" sz="2400"/>
+              <a:t>Acceptance Criteria: </a:t>
+            </a:r>
+          </a:p>
+          <a:p>
+            <a:pPr marL="0" indent="0">
+              <a:buNone/>
+            </a:pPr>
+            <a:r>
+              <a:rPr lang="nl-NL" sz="2400"/>
+              <a:t>Programma loopt soepel.</a:t>
+            </a:r>
+          </a:p>
+          <a:p>
+            <a:pPr marL="0" indent="0">
+              <a:buNone/>
+            </a:pPr>
+            <a:r>
+              <a:rPr lang="nl-NL" sz="2400"/>
+              <a:t>Story Points:  3</a:t>
+            </a:r>
+          </a:p>
+          <a:p>
+            <a:endParaRPr lang="nl-NL" sz="2400"/>
           </a:p>
         </p:txBody>
       </p:sp>
@@ -7752,6 +8619,14 @@
 <file path=ppt/slides/slide9.xml><?xml version="1.0" encoding="utf-8"?>
 <p:sld xmlns:a="http://schemas.openxmlformats.org/drawingml/2006/main" xmlns:r="http://schemas.openxmlformats.org/officeDocument/2006/relationships" xmlns:p="http://schemas.openxmlformats.org/presentationml/2006/main">
   <p:cSld>
+    <p:bg>
+      <p:bgPr>
+        <a:solidFill>
+          <a:schemeClr val="bg1"/>
+        </a:solidFill>
+        <a:effectLst/>
+      </p:bgPr>
+    </p:bg>
     <p:spTree>
       <p:nvGrpSpPr>
         <p:cNvPr id="1" name=""/>
@@ -7766,6 +8641,328 @@
           <a:chExt cx="0" cy="0"/>
         </a:xfrm>
       </p:grpSpPr>
+      <p:sp useBgFill="1">
+        <p:nvSpPr>
+          <p:cNvPr id="8" name="Rectangle 7">
+            <a:extLst>
+              <a:ext uri="{FF2B5EF4-FFF2-40B4-BE49-F238E27FC236}">
+                <a16:creationId xmlns:a16="http://schemas.microsoft.com/office/drawing/2014/main" id="{C7FA33FF-088D-4F16-95A2-2C64D353DEA8}"/>
+              </a:ext>
+              <a:ext uri="{C183D7F6-B498-43B3-948B-1728B52AA6E4}">
+                <adec:decorative xmlns:adec="http://schemas.microsoft.com/office/drawing/2017/decorative" val="1"/>
+              </a:ext>
+            </a:extLst>
+          </p:cNvPr>
+          <p:cNvSpPr>
+            <a:spLocks noGrp="1" noRot="1" noChangeAspect="1" noMove="1" noResize="1" noEditPoints="1" noAdjustHandles="1" noChangeArrowheads="1" noChangeShapeType="1" noTextEdit="1"/>
+          </p:cNvSpPr>
+          <p:nvPr>
+            <p:extLst>
+              <p:ext uri="{386F3935-93C4-4BCD-93E2-E3B085C9AB24}">
+                <p16:designElem xmlns:p16="http://schemas.microsoft.com/office/powerpoint/2015/main" val="1"/>
+              </p:ext>
+            </p:extLst>
+          </p:nvPr>
+        </p:nvSpPr>
+        <p:spPr>
+          <a:xfrm>
+            <a:off x="1524" y="0"/>
+            <a:ext cx="12188952" cy="6858000"/>
+          </a:xfrm>
+          <a:prstGeom prst="rect">
+            <a:avLst/>
+          </a:prstGeom>
+          <a:ln>
+            <a:noFill/>
+          </a:ln>
+        </p:spPr>
+        <p:style>
+          <a:lnRef idx="2">
+            <a:schemeClr val="accent1">
+              <a:shade val="50000"/>
+            </a:schemeClr>
+          </a:lnRef>
+          <a:fillRef idx="1">
+            <a:schemeClr val="accent1"/>
+          </a:fillRef>
+          <a:effectRef idx="0">
+            <a:schemeClr val="accent1"/>
+          </a:effectRef>
+          <a:fontRef idx="minor">
+            <a:schemeClr val="lt1"/>
+          </a:fontRef>
+        </p:style>
+        <p:txBody>
+          <a:bodyPr rtlCol="0" anchor="ctr"/>
+          <a:lstStyle/>
+          <a:p>
+            <a:pPr marL="0" marR="0" lvl="0" indent="0" algn="ctr" defTabSz="914400" rtl="0" eaLnBrk="1" fontAlgn="auto" latinLnBrk="0" hangingPunct="1">
+              <a:lnSpc>
+                <a:spcPct val="100000"/>
+              </a:lnSpc>
+              <a:spcBef>
+                <a:spcPts val="0"/>
+              </a:spcBef>
+              <a:spcAft>
+                <a:spcPts val="0"/>
+              </a:spcAft>
+              <a:buClrTx/>
+              <a:buSzTx/>
+              <a:buFontTx/>
+              <a:buNone/>
+              <a:tabLst/>
+              <a:defRPr/>
+            </a:pPr>
+            <a:endParaRPr kumimoji="0" lang="en-US" sz="1800" b="0" i="0" u="none" strike="noStrike" kern="1200" cap="none" spc="0" normalizeH="0" baseline="0" noProof="0">
+              <a:ln>
+                <a:noFill/>
+              </a:ln>
+              <a:solidFill>
+                <a:prstClr val="white"/>
+              </a:solidFill>
+              <a:effectLst/>
+              <a:uLnTx/>
+              <a:uFillTx/>
+              <a:latin typeface="Calibri" panose="020F0502020204030204"/>
+              <a:ea typeface="+mn-ea"/>
+              <a:cs typeface="+mn-cs"/>
+            </a:endParaRPr>
+          </a:p>
+        </p:txBody>
+      </p:sp>
+      <p:sp>
+        <p:nvSpPr>
+          <p:cNvPr id="10" name="Rectangle 9">
+            <a:extLst>
+              <a:ext uri="{FF2B5EF4-FFF2-40B4-BE49-F238E27FC236}">
+                <a16:creationId xmlns:a16="http://schemas.microsoft.com/office/drawing/2014/main" id="{A376EFB1-01CF-419F-ABF1-2AF02BBFCBD1}"/>
+              </a:ext>
+              <a:ext uri="{C183D7F6-B498-43B3-948B-1728B52AA6E4}">
+                <adec:decorative xmlns:adec="http://schemas.microsoft.com/office/drawing/2017/decorative" val="1"/>
+              </a:ext>
+            </a:extLst>
+          </p:cNvPr>
+          <p:cNvSpPr>
+            <a:spLocks noGrp="1" noRot="1" noChangeAspect="1" noMove="1" noResize="1" noEditPoints="1" noAdjustHandles="1" noChangeArrowheads="1" noChangeShapeType="1" noTextEdit="1"/>
+          </p:cNvSpPr>
+          <p:nvPr>
+            <p:extLst>
+              <p:ext uri="{386F3935-93C4-4BCD-93E2-E3B085C9AB24}">
+                <p16:designElem xmlns:p16="http://schemas.microsoft.com/office/powerpoint/2015/main" val="1"/>
+              </p:ext>
+            </p:extLst>
+          </p:nvPr>
+        </p:nvSpPr>
+        <p:spPr>
+          <a:xfrm>
+            <a:off x="0" y="0"/>
+            <a:ext cx="4709160" cy="6858000"/>
+          </a:xfrm>
+          <a:prstGeom prst="rect">
+            <a:avLst/>
+          </a:prstGeom>
+          <a:solidFill>
+            <a:schemeClr val="tx1">
+              <a:alpha val="81000"/>
+            </a:schemeClr>
+          </a:solidFill>
+          <a:ln>
+            <a:noFill/>
+          </a:ln>
+        </p:spPr>
+        <p:style>
+          <a:lnRef idx="2">
+            <a:schemeClr val="accent1">
+              <a:shade val="50000"/>
+            </a:schemeClr>
+          </a:lnRef>
+          <a:fillRef idx="1">
+            <a:schemeClr val="accent1"/>
+          </a:fillRef>
+          <a:effectRef idx="0">
+            <a:schemeClr val="accent1"/>
+          </a:effectRef>
+          <a:fontRef idx="minor">
+            <a:schemeClr val="lt1"/>
+          </a:fontRef>
+        </p:style>
+        <p:txBody>
+          <a:bodyPr rtlCol="0" anchor="ctr"/>
+          <a:lstStyle/>
+          <a:p>
+            <a:pPr marL="0" marR="0" lvl="0" indent="0" algn="ctr" defTabSz="914400" rtl="0" eaLnBrk="1" fontAlgn="auto" latinLnBrk="0" hangingPunct="1">
+              <a:lnSpc>
+                <a:spcPct val="100000"/>
+              </a:lnSpc>
+              <a:spcBef>
+                <a:spcPts val="0"/>
+              </a:spcBef>
+              <a:spcAft>
+                <a:spcPts val="0"/>
+              </a:spcAft>
+              <a:buClrTx/>
+              <a:buSzTx/>
+              <a:buFontTx/>
+              <a:buNone/>
+              <a:tabLst/>
+              <a:defRPr/>
+            </a:pPr>
+            <a:endParaRPr kumimoji="0" lang="en-US" sz="1800" b="0" i="0" u="none" strike="noStrike" kern="1200" cap="none" spc="0" normalizeH="0" baseline="0" noProof="0">
+              <a:ln>
+                <a:noFill/>
+              </a:ln>
+              <a:solidFill>
+                <a:prstClr val="white"/>
+              </a:solidFill>
+              <a:effectLst/>
+              <a:uLnTx/>
+              <a:uFillTx/>
+              <a:latin typeface="Calibri" panose="020F0502020204030204"/>
+              <a:ea typeface="+mn-ea"/>
+              <a:cs typeface="+mn-cs"/>
+            </a:endParaRPr>
+          </a:p>
+        </p:txBody>
+      </p:sp>
+      <p:sp>
+        <p:nvSpPr>
+          <p:cNvPr id="12" name="Freeform: Shape 11">
+            <a:extLst>
+              <a:ext uri="{FF2B5EF4-FFF2-40B4-BE49-F238E27FC236}">
+                <a16:creationId xmlns:a16="http://schemas.microsoft.com/office/drawing/2014/main" id="{FF9DEA15-78BD-4750-AA18-B9F28A6D5AB8}"/>
+              </a:ext>
+              <a:ext uri="{C183D7F6-B498-43B3-948B-1728B52AA6E4}">
+                <adec:decorative xmlns:adec="http://schemas.microsoft.com/office/drawing/2017/decorative" val="1"/>
+              </a:ext>
+            </a:extLst>
+          </p:cNvPr>
+          <p:cNvSpPr>
+            <a:spLocks noGrp="1" noRot="1" noChangeAspect="1" noMove="1" noResize="1" noEditPoints="1" noAdjustHandles="1" noChangeArrowheads="1" noChangeShapeType="1" noTextEdit="1"/>
+          </p:cNvSpPr>
+          <p:nvPr>
+            <p:extLst>
+              <p:ext uri="{386F3935-93C4-4BCD-93E2-E3B085C9AB24}">
+                <p16:designElem xmlns:p16="http://schemas.microsoft.com/office/powerpoint/2015/main" val="1"/>
+              </p:ext>
+            </p:extLst>
+          </p:nvPr>
+        </p:nvSpPr>
+        <p:spPr>
+          <a:xfrm>
+            <a:off x="0" y="0"/>
+            <a:ext cx="3284331" cy="6858000"/>
+          </a:xfrm>
+          <a:custGeom>
+            <a:avLst/>
+            <a:gdLst>
+              <a:gd name="connsiteX0" fmla="*/ 0 w 4319042"/>
+              <a:gd name="connsiteY0" fmla="*/ 0 h 6858000"/>
+              <a:gd name="connsiteX1" fmla="*/ 1142888 w 4319042"/>
+              <a:gd name="connsiteY1" fmla="*/ 0 h 6858000"/>
+              <a:gd name="connsiteX2" fmla="*/ 4319042 w 4319042"/>
+              <a:gd name="connsiteY2" fmla="*/ 6858000 h 6858000"/>
+              <a:gd name="connsiteX3" fmla="*/ 0 w 4319042"/>
+              <a:gd name="connsiteY3" fmla="*/ 6858000 h 6858000"/>
+            </a:gdLst>
+            <a:ahLst/>
+            <a:cxnLst>
+              <a:cxn ang="0">
+                <a:pos x="connsiteX0" y="connsiteY0"/>
+              </a:cxn>
+              <a:cxn ang="0">
+                <a:pos x="connsiteX1" y="connsiteY1"/>
+              </a:cxn>
+              <a:cxn ang="0">
+                <a:pos x="connsiteX2" y="connsiteY2"/>
+              </a:cxn>
+              <a:cxn ang="0">
+                <a:pos x="connsiteX3" y="connsiteY3"/>
+              </a:cxn>
+            </a:cxnLst>
+            <a:rect l="l" t="t" r="r" b="b"/>
+            <a:pathLst>
+              <a:path w="4319042" h="6858000">
+                <a:moveTo>
+                  <a:pt x="0" y="0"/>
+                </a:moveTo>
+                <a:lnTo>
+                  <a:pt x="1142888" y="0"/>
+                </a:lnTo>
+                <a:lnTo>
+                  <a:pt x="4319042" y="6858000"/>
+                </a:lnTo>
+                <a:lnTo>
+                  <a:pt x="0" y="6858000"/>
+                </a:lnTo>
+                <a:close/>
+              </a:path>
+            </a:pathLst>
+          </a:custGeom>
+          <a:solidFill>
+            <a:schemeClr val="tx1">
+              <a:alpha val="35000"/>
+            </a:schemeClr>
+          </a:solidFill>
+          <a:ln>
+            <a:noFill/>
+          </a:ln>
+        </p:spPr>
+        <p:style>
+          <a:lnRef idx="2">
+            <a:schemeClr val="accent1">
+              <a:shade val="50000"/>
+            </a:schemeClr>
+          </a:lnRef>
+          <a:fillRef idx="1">
+            <a:schemeClr val="accent1"/>
+          </a:fillRef>
+          <a:effectRef idx="0">
+            <a:schemeClr val="accent1"/>
+          </a:effectRef>
+          <a:fontRef idx="minor">
+            <a:schemeClr val="lt1"/>
+          </a:fontRef>
+        </p:style>
+        <p:txBody>
+          <a:bodyPr wrap="square" rtlCol="0" anchor="ctr">
+            <a:noAutofit/>
+          </a:bodyPr>
+          <a:lstStyle/>
+          <a:p>
+            <a:pPr marL="0" marR="0" lvl="0" indent="0" algn="ctr" defTabSz="914400" rtl="0" eaLnBrk="1" fontAlgn="auto" latinLnBrk="0" hangingPunct="1">
+              <a:lnSpc>
+                <a:spcPct val="100000"/>
+              </a:lnSpc>
+              <a:spcBef>
+                <a:spcPts val="0"/>
+              </a:spcBef>
+              <a:spcAft>
+                <a:spcPts val="0"/>
+              </a:spcAft>
+              <a:buClrTx/>
+              <a:buSzTx/>
+              <a:buFontTx/>
+              <a:buNone/>
+              <a:tabLst/>
+              <a:defRPr/>
+            </a:pPr>
+            <a:endParaRPr kumimoji="0" lang="en-US" sz="1800" b="0" i="0" u="none" strike="noStrike" kern="1200" cap="none" spc="0" normalizeH="0" baseline="0" noProof="0">
+              <a:ln>
+                <a:noFill/>
+              </a:ln>
+              <a:solidFill>
+                <a:prstClr val="white"/>
+              </a:solidFill>
+              <a:effectLst/>
+              <a:uLnTx/>
+              <a:uFillTx/>
+              <a:latin typeface="Calibri" panose="020F0502020204030204"/>
+              <a:ea typeface="+mn-ea"/>
+              <a:cs typeface="+mn-cs"/>
+            </a:endParaRPr>
+          </a:p>
+        </p:txBody>
+      </p:sp>
       <p:sp>
         <p:nvSpPr>
           <p:cNvPr id="2" name="Titel 1">
@@ -7782,33 +8979,46 @@
             <p:ph type="title"/>
           </p:nvPr>
         </p:nvSpPr>
-        <p:spPr/>
+        <p:spPr>
+          <a:xfrm>
+            <a:off x="804672" y="640080"/>
+            <a:ext cx="3282696" cy="5257800"/>
+          </a:xfrm>
+        </p:spPr>
         <p:txBody>
           <a:bodyPr>
-            <a:normAutofit fontScale="90000"/>
+            <a:normAutofit/>
           </a:bodyPr>
           <a:lstStyle/>
           <a:p>
             <a:r>
-              <a:rPr lang="nl-NL" dirty="0"/>
-              <a:t>Sprint </a:t>
-            </a:r>
-            <a:r>
-              <a:rPr lang="nl-NL" dirty="0" err="1"/>
-              <a:t>backlog</a:t>
-            </a:r>
-            <a:r>
-              <a:rPr lang="nl-NL" dirty="0"/>
-              <a:t> </a:t>
+              <a:rPr lang="nl-NL">
+                <a:solidFill>
+                  <a:schemeClr val="bg1"/>
+                </a:solidFill>
+              </a:rPr>
+              <a:t>Sprint backlog </a:t>
             </a:r>
             <a:br>
-              <a:rPr lang="nl-NL" dirty="0"/>
+              <a:rPr lang="nl-NL">
+                <a:solidFill>
+                  <a:schemeClr val="bg1"/>
+                </a:solidFill>
+              </a:rPr>
             </a:br>
             <a:br>
-              <a:rPr lang="nl-NL" dirty="0"/>
+              <a:rPr lang="nl-NL">
+                <a:solidFill>
+                  <a:schemeClr val="bg1"/>
+                </a:solidFill>
+              </a:rPr>
             </a:br>
             <a:r>
-              <a:rPr lang="nl-NL" dirty="0"/>
+              <a:rPr lang="nl-NL">
+                <a:solidFill>
+                  <a:schemeClr val="bg1"/>
+                </a:solidFill>
+              </a:rPr>
               <a:t>Ramon</a:t>
             </a:r>
           </a:p>
@@ -7830,43 +9040,51 @@
             <p:ph idx="1"/>
           </p:nvPr>
         </p:nvSpPr>
-        <p:spPr/>
-        <p:txBody>
-          <a:bodyPr/>
+        <p:spPr>
+          <a:xfrm>
+            <a:off x="5358384" y="640081"/>
+            <a:ext cx="6024654" cy="5257800"/>
+          </a:xfrm>
+        </p:spPr>
+        <p:txBody>
+          <a:bodyPr anchor="ctr">
+            <a:normAutofit/>
+          </a:bodyPr>
           <a:lstStyle/>
           <a:p>
             <a:pPr marL="0" indent="0">
               <a:buNone/>
             </a:pPr>
             <a:r>
-              <a:rPr lang="nl-NL" b="1" dirty="0"/>
+              <a:rPr lang="nl-NL" sz="2400"/>
               <a:t>User story: </a:t>
             </a:r>
-            <a:r>
-              <a:rPr lang="nl-NL" dirty="0"/>
-              <a:t>Als gebruiker wil geld kunnen ontvangen als ik dit invoer op de pinautomaat zodat het gepinde geld kan ontvangen</a:t>
-            </a:r>
           </a:p>
           <a:p>
             <a:pPr marL="0" indent="0">
               <a:buNone/>
             </a:pPr>
             <a:r>
-              <a:rPr lang="nl-NL" b="1" dirty="0"/>
+              <a:rPr lang="nl-NL" sz="2400"/>
+              <a:t>Als user wil ik geld kunnen opnemen, en een fysieke pin automaat kunnen aanraken.</a:t>
+            </a:r>
+          </a:p>
+          <a:p>
+            <a:pPr marL="0" indent="0">
+              <a:buNone/>
+            </a:pPr>
+            <a:r>
+              <a:rPr lang="nl-NL" sz="2400"/>
               <a:t>Taak: </a:t>
             </a:r>
-            <a:r>
-              <a:rPr lang="nl-NL" dirty="0"/>
-              <a:t>Pinautomaat in elkaar zetten en de hardware van de gelddispensers in elkaar zetten.</a:t>
-            </a:r>
           </a:p>
           <a:p>
             <a:pPr marL="0" indent="0">
               <a:buNone/>
             </a:pPr>
             <a:r>
-              <a:rPr lang="nl-NL" dirty="0"/>
-              <a:t>Code schrijven voor de gelddispensers.</a:t>
+              <a:rPr lang="nl-NL" sz="2400"/>
+              <a:t>De code voor de geld dispenser schrijven.</a:t>
             </a:r>
           </a:p>
           <a:p>
@@ -7874,16 +9092,8 @@
               <a:buNone/>
             </a:pPr>
             <a:r>
-              <a:rPr lang="nl-NL" b="1" dirty="0" err="1"/>
-              <a:t>Acceptance</a:t>
-            </a:r>
-            <a:r>
-              <a:rPr lang="nl-NL" b="1" dirty="0"/>
-              <a:t> Criteria: </a:t>
-            </a:r>
-            <a:r>
-              <a:rPr lang="nl-NL" dirty="0"/>
-              <a:t>De gelddispensers moeten de goede hoeveelheid geld kunnen uitwerpen in het geldbakje.</a:t>
+              <a:rPr lang="nl-NL" sz="2400"/>
+              <a:t>De casing bouwen.</a:t>
             </a:r>
           </a:p>
           <a:p>
@@ -7891,16 +9101,30 @@
               <a:buNone/>
             </a:pPr>
             <a:r>
-              <a:rPr lang="nl-NL" b="1" dirty="0"/>
-              <a:t>Story Points: </a:t>
-            </a:r>
-            <a:r>
-              <a:rPr lang="nl-NL" dirty="0"/>
-              <a:t>2</a:t>
-            </a:r>
-          </a:p>
-          <a:p>
-            <a:endParaRPr lang="nl-NL" dirty="0"/>
+              <a:rPr lang="nl-NL" sz="2400"/>
+              <a:t>Acceptance Criteria: </a:t>
+            </a:r>
+          </a:p>
+          <a:p>
+            <a:pPr marL="0" indent="0">
+              <a:buNone/>
+            </a:pPr>
+            <a:r>
+              <a:rPr lang="nl-NL" sz="2400"/>
+              <a:t>De code kan een array uitlezen en de correcte biljetten uitwerpen.</a:t>
+            </a:r>
+          </a:p>
+          <a:p>
+            <a:pPr marL="0" indent="0">
+              <a:buNone/>
+            </a:pPr>
+            <a:r>
+              <a:rPr lang="nl-NL" sz="2400"/>
+              <a:t>Story Points: 4</a:t>
+            </a:r>
+          </a:p>
+          <a:p>
+            <a:endParaRPr lang="nl-NL" sz="2400"/>
           </a:p>
         </p:txBody>
       </p:sp>
